--- a/Silde/Group 4.pptx
+++ b/Silde/Group 4.pptx
@@ -7,24 +7,24 @@
   <p:sldIdLst>
     <p:sldId id="256" r:id="rId2"/>
     <p:sldId id="257" r:id="rId3"/>
-    <p:sldId id="273" r:id="rId4"/>
-    <p:sldId id="258" r:id="rId5"/>
-    <p:sldId id="264" r:id="rId6"/>
-    <p:sldId id="266" r:id="rId7"/>
-    <p:sldId id="259" r:id="rId8"/>
-    <p:sldId id="267" r:id="rId9"/>
-    <p:sldId id="261" r:id="rId10"/>
-    <p:sldId id="262" r:id="rId11"/>
-    <p:sldId id="274" r:id="rId12"/>
-    <p:sldId id="275" r:id="rId13"/>
-    <p:sldId id="268" r:id="rId14"/>
-    <p:sldId id="269" r:id="rId15"/>
-    <p:sldId id="271" r:id="rId16"/>
-    <p:sldId id="277" r:id="rId17"/>
-    <p:sldId id="270" r:id="rId18"/>
-    <p:sldId id="276" r:id="rId19"/>
-    <p:sldId id="272" r:id="rId20"/>
-    <p:sldId id="263" r:id="rId21"/>
+    <p:sldId id="258" r:id="rId4"/>
+    <p:sldId id="261" r:id="rId5"/>
+    <p:sldId id="269" r:id="rId6"/>
+    <p:sldId id="271" r:id="rId7"/>
+    <p:sldId id="277" r:id="rId8"/>
+    <p:sldId id="270" r:id="rId9"/>
+    <p:sldId id="278" r:id="rId10"/>
+    <p:sldId id="279" r:id="rId11"/>
+    <p:sldId id="280" r:id="rId12"/>
+    <p:sldId id="276" r:id="rId13"/>
+    <p:sldId id="272" r:id="rId14"/>
+    <p:sldId id="282" r:id="rId15"/>
+    <p:sldId id="283" r:id="rId16"/>
+    <p:sldId id="284" r:id="rId17"/>
+    <p:sldId id="285" r:id="rId18"/>
+    <p:sldId id="286" r:id="rId19"/>
+    <p:sldId id="281" r:id="rId20"/>
+    <p:sldId id="287" r:id="rId21"/>
   </p:sldIdLst>
   <p:sldSz cx="9144000" cy="6858000" type="screen4x3"/>
   <p:notesSz cx="6858000" cy="9144000"/>
@@ -307,7 +307,7 @@
           <a:p>
             <a:fld id="{599F5FF4-9C1B-F64C-8935-59EC43A08F66}" type="datetimeFigureOut">
               <a:rPr lang="en-US" smtClean="0"/>
-              <a:t>01/09/14</a:t>
+              <a:t>13/09/14</a:t>
             </a:fld>
             <a:endParaRPr lang="en-US"/>
           </a:p>
@@ -477,7 +477,7 @@
           <a:p>
             <a:fld id="{599F5FF4-9C1B-F64C-8935-59EC43A08F66}" type="datetimeFigureOut">
               <a:rPr lang="en-US" smtClean="0"/>
-              <a:t>01/09/14</a:t>
+              <a:t>13/09/14</a:t>
             </a:fld>
             <a:endParaRPr lang="en-US"/>
           </a:p>
@@ -657,7 +657,7 @@
           <a:p>
             <a:fld id="{599F5FF4-9C1B-F64C-8935-59EC43A08F66}" type="datetimeFigureOut">
               <a:rPr lang="en-US" smtClean="0"/>
-              <a:t>01/09/14</a:t>
+              <a:t>13/09/14</a:t>
             </a:fld>
             <a:endParaRPr lang="en-US"/>
           </a:p>
@@ -827,7 +827,7 @@
           <a:p>
             <a:fld id="{599F5FF4-9C1B-F64C-8935-59EC43A08F66}" type="datetimeFigureOut">
               <a:rPr lang="en-US" smtClean="0"/>
-              <a:t>01/09/14</a:t>
+              <a:t>13/09/14</a:t>
             </a:fld>
             <a:endParaRPr lang="en-US"/>
           </a:p>
@@ -1073,7 +1073,7 @@
           <a:p>
             <a:fld id="{599F5FF4-9C1B-F64C-8935-59EC43A08F66}" type="datetimeFigureOut">
               <a:rPr lang="en-US" smtClean="0"/>
-              <a:t>01/09/14</a:t>
+              <a:t>13/09/14</a:t>
             </a:fld>
             <a:endParaRPr lang="en-US"/>
           </a:p>
@@ -1361,7 +1361,7 @@
           <a:p>
             <a:fld id="{599F5FF4-9C1B-F64C-8935-59EC43A08F66}" type="datetimeFigureOut">
               <a:rPr lang="en-US" smtClean="0"/>
-              <a:t>01/09/14</a:t>
+              <a:t>13/09/14</a:t>
             </a:fld>
             <a:endParaRPr lang="en-US"/>
           </a:p>
@@ -1783,7 +1783,7 @@
           <a:p>
             <a:fld id="{599F5FF4-9C1B-F64C-8935-59EC43A08F66}" type="datetimeFigureOut">
               <a:rPr lang="en-US" smtClean="0"/>
-              <a:t>01/09/14</a:t>
+              <a:t>13/09/14</a:t>
             </a:fld>
             <a:endParaRPr lang="en-US"/>
           </a:p>
@@ -1901,7 +1901,7 @@
           <a:p>
             <a:fld id="{599F5FF4-9C1B-F64C-8935-59EC43A08F66}" type="datetimeFigureOut">
               <a:rPr lang="en-US" smtClean="0"/>
-              <a:t>01/09/14</a:t>
+              <a:t>13/09/14</a:t>
             </a:fld>
             <a:endParaRPr lang="en-US"/>
           </a:p>
@@ -1996,7 +1996,7 @@
           <a:p>
             <a:fld id="{599F5FF4-9C1B-F64C-8935-59EC43A08F66}" type="datetimeFigureOut">
               <a:rPr lang="en-US" smtClean="0"/>
-              <a:t>01/09/14</a:t>
+              <a:t>13/09/14</a:t>
             </a:fld>
             <a:endParaRPr lang="en-US"/>
           </a:p>
@@ -2273,7 +2273,7 @@
           <a:p>
             <a:fld id="{599F5FF4-9C1B-F64C-8935-59EC43A08F66}" type="datetimeFigureOut">
               <a:rPr lang="en-US" smtClean="0"/>
-              <a:t>01/09/14</a:t>
+              <a:t>13/09/14</a:t>
             </a:fld>
             <a:endParaRPr lang="en-US"/>
           </a:p>
@@ -2526,7 +2526,7 @@
           <a:p>
             <a:fld id="{599F5FF4-9C1B-F64C-8935-59EC43A08F66}" type="datetimeFigureOut">
               <a:rPr lang="en-US" smtClean="0"/>
-              <a:t>01/09/14</a:t>
+              <a:t>13/09/14</a:t>
             </a:fld>
             <a:endParaRPr lang="en-US"/>
           </a:p>
@@ -2739,7 +2739,7 @@
           <a:p>
             <a:fld id="{599F5FF4-9C1B-F64C-8935-59EC43A08F66}" type="datetimeFigureOut">
               <a:rPr lang="en-US" smtClean="0"/>
-              <a:t>01/09/14</a:t>
+              <a:t>13/09/14</a:t>
             </a:fld>
             <a:endParaRPr lang="en-US"/>
           </a:p>
@@ -3370,15 +3370,1806 @@
           <a:p>
             <a:r>
               <a:rPr lang="en-US" dirty="0" smtClean="0"/>
-              <a:t>FEASIBILITY STUDY</a:t>
+              <a:t>SOFTWARE SPECIFICATION</a:t>
             </a:r>
             <a:endParaRPr lang="en-US" dirty="0"/>
           </a:p>
         </p:txBody>
       </p:sp>
-      <p:sp>
-        <p:nvSpPr>
-          <p:cNvPr id="3" name="Title 1"/>
+    </p:spTree>
+    <p:extLst>
+      <p:ext uri="{BB962C8B-B14F-4D97-AF65-F5344CB8AC3E}">
+        <p14:creationId xmlns:p14="http://schemas.microsoft.com/office/powerpoint/2010/main" val="3811426703"/>
+      </p:ext>
+    </p:extLst>
+  </p:cSld>
+  <p:clrMapOvr>
+    <a:masterClrMapping/>
+  </p:clrMapOvr>
+  <p:timing>
+    <p:tnLst>
+      <p:par>
+        <p:cTn xmlns:p14="http://schemas.microsoft.com/office/powerpoint/2010/main" id="1" dur="indefinite" restart="never" nodeType="tmRoot"/>
+      </p:par>
+    </p:tnLst>
+  </p:timing>
+</p:sld>
+</file>
+
+<file path=ppt/slides/slide11.xml><?xml version="1.0" encoding="utf-8"?>
+<p:sld xmlns:a="http://schemas.openxmlformats.org/drawingml/2006/main" xmlns:r="http://schemas.openxmlformats.org/officeDocument/2006/relationships" xmlns:p="http://schemas.openxmlformats.org/presentationml/2006/main">
+  <p:cSld>
+    <p:spTree>
+      <p:nvGrpSpPr>
+        <p:cNvPr id="1" name=""/>
+        <p:cNvGrpSpPr/>
+        <p:nvPr/>
+      </p:nvGrpSpPr>
+      <p:grpSpPr>
+        <a:xfrm>
+          <a:off x="0" y="0"/>
+          <a:ext cx="0" cy="0"/>
+          <a:chOff x="0" y="0"/>
+          <a:chExt cx="0" cy="0"/>
+        </a:xfrm>
+      </p:grpSpPr>
+      <p:sp>
+        <p:nvSpPr>
+          <p:cNvPr id="4" name="Title 3"/>
+          <p:cNvSpPr>
+            <a:spLocks noGrp="1"/>
+          </p:cNvSpPr>
+          <p:nvPr>
+            <p:ph type="title"/>
+          </p:nvPr>
+        </p:nvSpPr>
+        <p:spPr/>
+        <p:txBody>
+          <a:bodyPr>
+            <a:normAutofit fontScale="90000"/>
+          </a:bodyPr>
+          <a:lstStyle/>
+          <a:p>
+            <a:r>
+              <a:rPr lang="en-US" dirty="0" smtClean="0"/>
+              <a:t>FUNCTIONAL MODULE DESCRIPTION</a:t>
+            </a:r>
+            <a:endParaRPr lang="en-US" dirty="0"/>
+          </a:p>
+        </p:txBody>
+      </p:sp>
+    </p:spTree>
+    <p:extLst>
+      <p:ext uri="{BB962C8B-B14F-4D97-AF65-F5344CB8AC3E}">
+        <p14:creationId xmlns:p14="http://schemas.microsoft.com/office/powerpoint/2010/main" val="2526601490"/>
+      </p:ext>
+    </p:extLst>
+  </p:cSld>
+  <p:clrMapOvr>
+    <a:masterClrMapping/>
+  </p:clrMapOvr>
+  <p:timing>
+    <p:tnLst>
+      <p:par>
+        <p:cTn xmlns:p14="http://schemas.microsoft.com/office/powerpoint/2010/main" id="1" dur="indefinite" restart="never" nodeType="tmRoot"/>
+      </p:par>
+    </p:tnLst>
+  </p:timing>
+</p:sld>
+</file>
+
+<file path=ppt/slides/slide12.xml><?xml version="1.0" encoding="utf-8"?>
+<p:sld xmlns:a="http://schemas.openxmlformats.org/drawingml/2006/main" xmlns:r="http://schemas.openxmlformats.org/officeDocument/2006/relationships" xmlns:p="http://schemas.openxmlformats.org/presentationml/2006/main">
+  <p:cSld>
+    <p:spTree>
+      <p:nvGrpSpPr>
+        <p:cNvPr id="1" name=""/>
+        <p:cNvGrpSpPr/>
+        <p:nvPr/>
+      </p:nvGrpSpPr>
+      <p:grpSpPr>
+        <a:xfrm>
+          <a:off x="0" y="0"/>
+          <a:ext cx="0" cy="0"/>
+          <a:chOff x="0" y="0"/>
+          <a:chExt cx="0" cy="0"/>
+        </a:xfrm>
+      </p:grpSpPr>
+      <p:sp>
+        <p:nvSpPr>
+          <p:cNvPr id="4" name="Title 3"/>
+          <p:cNvSpPr>
+            <a:spLocks noGrp="1"/>
+          </p:cNvSpPr>
+          <p:nvPr>
+            <p:ph type="title"/>
+          </p:nvPr>
+        </p:nvSpPr>
+        <p:spPr/>
+        <p:txBody>
+          <a:bodyPr>
+            <a:normAutofit/>
+          </a:bodyPr>
+          <a:lstStyle/>
+          <a:p>
+            <a:r>
+              <a:rPr lang="en-US" dirty="0" smtClean="0"/>
+              <a:t>SYSTEM ARCHITECTURE</a:t>
+            </a:r>
+            <a:endParaRPr lang="en-US" dirty="0"/>
+          </a:p>
+        </p:txBody>
+      </p:sp>
+      <p:sp>
+        <p:nvSpPr>
+          <p:cNvPr id="5" name="Rounded Rectangle 4"/>
+          <p:cNvSpPr>
+            <a:spLocks noChangeAspect="1"/>
+          </p:cNvSpPr>
+          <p:nvPr/>
+        </p:nvSpPr>
+        <p:spPr>
+          <a:xfrm>
+            <a:off x="457200" y="1570962"/>
+            <a:ext cx="1488165" cy="720080"/>
+          </a:xfrm>
+          <a:prstGeom prst="roundRect">
+            <a:avLst/>
+          </a:prstGeom>
+          <a:noFill/>
+          <a:ln w="57150">
+            <a:solidFill>
+              <a:schemeClr val="tx1"/>
+            </a:solidFill>
+            <a:miter lim="800000"/>
+          </a:ln>
+        </p:spPr>
+        <p:style>
+          <a:lnRef idx="2">
+            <a:schemeClr val="accent1">
+              <a:shade val="50000"/>
+            </a:schemeClr>
+          </a:lnRef>
+          <a:fillRef idx="1">
+            <a:schemeClr val="accent1"/>
+          </a:fillRef>
+          <a:effectRef idx="0">
+            <a:schemeClr val="accent1"/>
+          </a:effectRef>
+          <a:fontRef idx="minor">
+            <a:schemeClr val="lt1"/>
+          </a:fontRef>
+        </p:style>
+        <p:txBody>
+          <a:bodyPr rtlCol="0" anchor="ctr"/>
+          <a:lstStyle/>
+          <a:p>
+            <a:pPr algn="ctr"/>
+            <a:r>
+              <a:rPr lang="en-US" b="1" dirty="0" smtClean="0">
+                <a:solidFill>
+                  <a:schemeClr val="tx1"/>
+                </a:solidFill>
+                <a:latin typeface="Times New Roman" pitchFamily="18" charset="0"/>
+                <a:cs typeface="Times New Roman" pitchFamily="18" charset="0"/>
+              </a:rPr>
+              <a:t>TOURIST PLACES</a:t>
+            </a:r>
+            <a:endParaRPr lang="en-IN" b="1" dirty="0">
+              <a:solidFill>
+                <a:schemeClr val="tx1"/>
+              </a:solidFill>
+              <a:latin typeface="Times New Roman" pitchFamily="18" charset="0"/>
+              <a:cs typeface="Times New Roman" pitchFamily="18" charset="0"/>
+            </a:endParaRPr>
+          </a:p>
+        </p:txBody>
+      </p:sp>
+      <p:sp>
+        <p:nvSpPr>
+          <p:cNvPr id="6" name="Rounded Rectangle 5"/>
+          <p:cNvSpPr>
+            <a:spLocks noChangeAspect="1"/>
+          </p:cNvSpPr>
+          <p:nvPr/>
+        </p:nvSpPr>
+        <p:spPr>
+          <a:xfrm>
+            <a:off x="457200" y="2528772"/>
+            <a:ext cx="1488165" cy="720080"/>
+          </a:xfrm>
+          <a:prstGeom prst="roundRect">
+            <a:avLst/>
+          </a:prstGeom>
+          <a:noFill/>
+          <a:ln w="57150">
+            <a:solidFill>
+              <a:schemeClr val="tx1"/>
+            </a:solidFill>
+            <a:miter lim="800000"/>
+          </a:ln>
+        </p:spPr>
+        <p:style>
+          <a:lnRef idx="2">
+            <a:schemeClr val="accent1">
+              <a:shade val="50000"/>
+            </a:schemeClr>
+          </a:lnRef>
+          <a:fillRef idx="1">
+            <a:schemeClr val="accent1"/>
+          </a:fillRef>
+          <a:effectRef idx="0">
+            <a:schemeClr val="accent1"/>
+          </a:effectRef>
+          <a:fontRef idx="minor">
+            <a:schemeClr val="lt1"/>
+          </a:fontRef>
+        </p:style>
+        <p:txBody>
+          <a:bodyPr rtlCol="0" anchor="ctr"/>
+          <a:lstStyle/>
+          <a:p>
+            <a:pPr algn="ctr"/>
+            <a:r>
+              <a:rPr lang="en-US" b="1" dirty="0" smtClean="0">
+                <a:solidFill>
+                  <a:schemeClr val="tx1"/>
+                </a:solidFill>
+                <a:latin typeface="Times New Roman" pitchFamily="18" charset="0"/>
+                <a:cs typeface="Times New Roman" pitchFamily="18" charset="0"/>
+              </a:rPr>
+              <a:t>SITE -SEEING</a:t>
+            </a:r>
+            <a:endParaRPr lang="en-IN" b="1" dirty="0">
+              <a:solidFill>
+                <a:schemeClr val="tx1"/>
+              </a:solidFill>
+              <a:latin typeface="Times New Roman" pitchFamily="18" charset="0"/>
+              <a:cs typeface="Times New Roman" pitchFamily="18" charset="0"/>
+            </a:endParaRPr>
+          </a:p>
+        </p:txBody>
+      </p:sp>
+      <p:sp>
+        <p:nvSpPr>
+          <p:cNvPr id="7" name="Rounded Rectangle 6"/>
+          <p:cNvSpPr>
+            <a:spLocks noChangeAspect="1"/>
+          </p:cNvSpPr>
+          <p:nvPr/>
+        </p:nvSpPr>
+        <p:spPr>
+          <a:xfrm>
+            <a:off x="457200" y="4610880"/>
+            <a:ext cx="1488165" cy="720080"/>
+          </a:xfrm>
+          <a:prstGeom prst="roundRect">
+            <a:avLst/>
+          </a:prstGeom>
+          <a:noFill/>
+          <a:ln w="57150">
+            <a:solidFill>
+              <a:schemeClr val="tx1"/>
+            </a:solidFill>
+            <a:miter lim="800000"/>
+          </a:ln>
+        </p:spPr>
+        <p:style>
+          <a:lnRef idx="2">
+            <a:schemeClr val="accent1">
+              <a:shade val="50000"/>
+            </a:schemeClr>
+          </a:lnRef>
+          <a:fillRef idx="1">
+            <a:schemeClr val="accent1"/>
+          </a:fillRef>
+          <a:effectRef idx="0">
+            <a:schemeClr val="accent1"/>
+          </a:effectRef>
+          <a:fontRef idx="minor">
+            <a:schemeClr val="lt1"/>
+          </a:fontRef>
+        </p:style>
+        <p:txBody>
+          <a:bodyPr rtlCol="0" anchor="ctr"/>
+          <a:lstStyle/>
+          <a:p>
+            <a:pPr algn="ctr"/>
+            <a:r>
+              <a:rPr lang="en-US" b="1" dirty="0" smtClean="0">
+                <a:solidFill>
+                  <a:schemeClr val="tx1"/>
+                </a:solidFill>
+                <a:latin typeface="Times New Roman" pitchFamily="18" charset="0"/>
+                <a:cs typeface="Times New Roman" pitchFamily="18" charset="0"/>
+              </a:rPr>
+              <a:t>SHOPPING</a:t>
+            </a:r>
+            <a:endParaRPr lang="en-IN" b="1" dirty="0">
+              <a:solidFill>
+                <a:schemeClr val="tx1"/>
+              </a:solidFill>
+              <a:latin typeface="Times New Roman" pitchFamily="18" charset="0"/>
+              <a:cs typeface="Times New Roman" pitchFamily="18" charset="0"/>
+            </a:endParaRPr>
+          </a:p>
+        </p:txBody>
+      </p:sp>
+      <p:sp>
+        <p:nvSpPr>
+          <p:cNvPr id="8" name="Rounded Rectangle 7"/>
+          <p:cNvSpPr>
+            <a:spLocks noChangeAspect="1"/>
+          </p:cNvSpPr>
+          <p:nvPr/>
+        </p:nvSpPr>
+        <p:spPr>
+          <a:xfrm>
+            <a:off x="3016251" y="3980965"/>
+            <a:ext cx="1642878" cy="1436122"/>
+          </a:xfrm>
+          <a:prstGeom prst="roundRect">
+            <a:avLst/>
+          </a:prstGeom>
+          <a:noFill/>
+          <a:ln w="57150">
+            <a:solidFill>
+              <a:schemeClr val="tx1"/>
+            </a:solidFill>
+            <a:miter lim="800000"/>
+          </a:ln>
+        </p:spPr>
+        <p:style>
+          <a:lnRef idx="2">
+            <a:schemeClr val="accent1">
+              <a:shade val="50000"/>
+            </a:schemeClr>
+          </a:lnRef>
+          <a:fillRef idx="1">
+            <a:schemeClr val="accent1"/>
+          </a:fillRef>
+          <a:effectRef idx="0">
+            <a:schemeClr val="accent1"/>
+          </a:effectRef>
+          <a:fontRef idx="minor">
+            <a:schemeClr val="lt1"/>
+          </a:fontRef>
+        </p:style>
+        <p:txBody>
+          <a:bodyPr rtlCol="0" anchor="ctr"/>
+          <a:lstStyle/>
+          <a:p>
+            <a:pPr algn="ctr"/>
+            <a:r>
+              <a:rPr lang="en-US" b="1" dirty="0" smtClean="0">
+                <a:solidFill>
+                  <a:schemeClr val="tx1"/>
+                </a:solidFill>
+                <a:latin typeface="Times New Roman" pitchFamily="18" charset="0"/>
+                <a:cs typeface="Times New Roman" pitchFamily="18" charset="0"/>
+              </a:rPr>
+              <a:t>STARTING AND ENDING LOCATION</a:t>
+            </a:r>
+            <a:endParaRPr lang="en-IN" b="1" dirty="0">
+              <a:solidFill>
+                <a:schemeClr val="tx1"/>
+              </a:solidFill>
+              <a:latin typeface="Times New Roman" pitchFamily="18" charset="0"/>
+              <a:cs typeface="Times New Roman" pitchFamily="18" charset="0"/>
+            </a:endParaRPr>
+          </a:p>
+        </p:txBody>
+      </p:sp>
+      <p:sp>
+        <p:nvSpPr>
+          <p:cNvPr id="9" name="Rounded Rectangle 8"/>
+          <p:cNvSpPr>
+            <a:spLocks noChangeAspect="1"/>
+          </p:cNvSpPr>
+          <p:nvPr/>
+        </p:nvSpPr>
+        <p:spPr>
+          <a:xfrm>
+            <a:off x="2762906" y="1570961"/>
+            <a:ext cx="2110719" cy="4836081"/>
+          </a:xfrm>
+          <a:prstGeom prst="roundRect">
+            <a:avLst/>
+          </a:prstGeom>
+          <a:noFill/>
+          <a:ln w="57150">
+            <a:solidFill>
+              <a:schemeClr val="tx1"/>
+            </a:solidFill>
+            <a:miter lim="800000"/>
+          </a:ln>
+        </p:spPr>
+        <p:style>
+          <a:lnRef idx="2">
+            <a:schemeClr val="accent1">
+              <a:shade val="50000"/>
+            </a:schemeClr>
+          </a:lnRef>
+          <a:fillRef idx="1">
+            <a:schemeClr val="accent1"/>
+          </a:fillRef>
+          <a:effectRef idx="0">
+            <a:schemeClr val="accent1"/>
+          </a:effectRef>
+          <a:fontRef idx="minor">
+            <a:schemeClr val="lt1"/>
+          </a:fontRef>
+        </p:style>
+        <p:txBody>
+          <a:bodyPr rtlCol="0" anchor="ctr"/>
+          <a:lstStyle/>
+          <a:p>
+            <a:pPr algn="ctr"/>
+            <a:endParaRPr lang="en-IN" sz="1200" b="1" dirty="0">
+              <a:solidFill>
+                <a:schemeClr val="tx1"/>
+              </a:solidFill>
+              <a:latin typeface="Times New Roman" pitchFamily="18" charset="0"/>
+              <a:cs typeface="Times New Roman" pitchFamily="18" charset="0"/>
+            </a:endParaRPr>
+          </a:p>
+        </p:txBody>
+      </p:sp>
+      <p:sp>
+        <p:nvSpPr>
+          <p:cNvPr id="10" name="Rounded Rectangle 9"/>
+          <p:cNvSpPr>
+            <a:spLocks noChangeAspect="1"/>
+          </p:cNvSpPr>
+          <p:nvPr/>
+        </p:nvSpPr>
+        <p:spPr>
+          <a:xfrm>
+            <a:off x="457200" y="3615510"/>
+            <a:ext cx="1488165" cy="720080"/>
+          </a:xfrm>
+          <a:prstGeom prst="roundRect">
+            <a:avLst/>
+          </a:prstGeom>
+          <a:noFill/>
+          <a:ln w="57150">
+            <a:solidFill>
+              <a:schemeClr val="tx1"/>
+            </a:solidFill>
+            <a:miter lim="800000"/>
+          </a:ln>
+        </p:spPr>
+        <p:style>
+          <a:lnRef idx="2">
+            <a:schemeClr val="accent1">
+              <a:shade val="50000"/>
+            </a:schemeClr>
+          </a:lnRef>
+          <a:fillRef idx="1">
+            <a:schemeClr val="accent1"/>
+          </a:fillRef>
+          <a:effectRef idx="0">
+            <a:schemeClr val="accent1"/>
+          </a:effectRef>
+          <a:fontRef idx="minor">
+            <a:schemeClr val="lt1"/>
+          </a:fontRef>
+        </p:style>
+        <p:txBody>
+          <a:bodyPr rtlCol="0" anchor="ctr"/>
+          <a:lstStyle/>
+          <a:p>
+            <a:pPr algn="ctr"/>
+            <a:r>
+              <a:rPr lang="en-US" sz="1400" b="1" dirty="0" smtClean="0">
+                <a:solidFill>
+                  <a:schemeClr val="tx1"/>
+                </a:solidFill>
+                <a:latin typeface="Times New Roman" pitchFamily="18" charset="0"/>
+                <a:cs typeface="Times New Roman" pitchFamily="18" charset="0"/>
+              </a:rPr>
+              <a:t>FAVORITE PLACES</a:t>
+            </a:r>
+            <a:endParaRPr lang="en-IN" sz="1400" b="1" dirty="0">
+              <a:solidFill>
+                <a:schemeClr val="tx1"/>
+              </a:solidFill>
+              <a:latin typeface="Times New Roman" pitchFamily="18" charset="0"/>
+              <a:cs typeface="Times New Roman" pitchFamily="18" charset="0"/>
+            </a:endParaRPr>
+          </a:p>
+        </p:txBody>
+      </p:sp>
+      <p:sp>
+        <p:nvSpPr>
+          <p:cNvPr id="12" name="Rounded Rectangle 11"/>
+          <p:cNvSpPr>
+            <a:spLocks noChangeAspect="1"/>
+          </p:cNvSpPr>
+          <p:nvPr/>
+        </p:nvSpPr>
+        <p:spPr>
+          <a:xfrm>
+            <a:off x="468336" y="5686962"/>
+            <a:ext cx="1488165" cy="720080"/>
+          </a:xfrm>
+          <a:prstGeom prst="roundRect">
+            <a:avLst/>
+          </a:prstGeom>
+          <a:noFill/>
+          <a:ln w="57150">
+            <a:solidFill>
+              <a:schemeClr val="tx1"/>
+            </a:solidFill>
+            <a:miter lim="800000"/>
+          </a:ln>
+        </p:spPr>
+        <p:style>
+          <a:lnRef idx="2">
+            <a:schemeClr val="accent1">
+              <a:shade val="50000"/>
+            </a:schemeClr>
+          </a:lnRef>
+          <a:fillRef idx="1">
+            <a:schemeClr val="accent1"/>
+          </a:fillRef>
+          <a:effectRef idx="0">
+            <a:schemeClr val="accent1"/>
+          </a:effectRef>
+          <a:fontRef idx="minor">
+            <a:schemeClr val="lt1"/>
+          </a:fontRef>
+        </p:style>
+        <p:txBody>
+          <a:bodyPr rtlCol="0" anchor="ctr"/>
+          <a:lstStyle/>
+          <a:p>
+            <a:pPr algn="ctr"/>
+            <a:r>
+              <a:rPr lang="en-US" b="1" dirty="0" smtClean="0">
+                <a:solidFill>
+                  <a:schemeClr val="tx1"/>
+                </a:solidFill>
+                <a:latin typeface="Times New Roman" pitchFamily="18" charset="0"/>
+                <a:cs typeface="Times New Roman" pitchFamily="18" charset="0"/>
+              </a:rPr>
+              <a:t>FOOD</a:t>
+            </a:r>
+            <a:endParaRPr lang="en-IN" b="1" dirty="0">
+              <a:solidFill>
+                <a:schemeClr val="tx1"/>
+              </a:solidFill>
+              <a:latin typeface="Times New Roman" pitchFamily="18" charset="0"/>
+              <a:cs typeface="Times New Roman" pitchFamily="18" charset="0"/>
+            </a:endParaRPr>
+          </a:p>
+        </p:txBody>
+      </p:sp>
+      <p:sp>
+        <p:nvSpPr>
+          <p:cNvPr id="13" name="Right Arrow 12"/>
+          <p:cNvSpPr>
+            <a:spLocks noChangeAspect="1"/>
+          </p:cNvSpPr>
+          <p:nvPr/>
+        </p:nvSpPr>
+        <p:spPr>
+          <a:xfrm>
+            <a:off x="1945365" y="1823002"/>
+            <a:ext cx="806405" cy="216000"/>
+          </a:xfrm>
+          <a:prstGeom prst="rightArrow">
+            <a:avLst/>
+          </a:prstGeom>
+          <a:solidFill>
+            <a:schemeClr val="tx1"/>
+          </a:solidFill>
+          <a:ln w="12700">
+            <a:miter lim="800000"/>
+          </a:ln>
+        </p:spPr>
+        <p:style>
+          <a:lnRef idx="2">
+            <a:schemeClr val="accent1">
+              <a:shade val="50000"/>
+            </a:schemeClr>
+          </a:lnRef>
+          <a:fillRef idx="1">
+            <a:schemeClr val="accent1"/>
+          </a:fillRef>
+          <a:effectRef idx="0">
+            <a:schemeClr val="accent1"/>
+          </a:effectRef>
+          <a:fontRef idx="minor">
+            <a:schemeClr val="lt1"/>
+          </a:fontRef>
+        </p:style>
+        <p:txBody>
+          <a:bodyPr rtlCol="0" anchor="ctr"/>
+          <a:lstStyle/>
+          <a:p>
+            <a:pPr algn="ctr"/>
+            <a:endParaRPr lang="en-IN">
+              <a:latin typeface="Times New Roman" pitchFamily="18" charset="0"/>
+              <a:cs typeface="Times New Roman" pitchFamily="18" charset="0"/>
+            </a:endParaRPr>
+          </a:p>
+        </p:txBody>
+      </p:sp>
+      <p:sp>
+        <p:nvSpPr>
+          <p:cNvPr id="14" name="Right Arrow 13"/>
+          <p:cNvSpPr>
+            <a:spLocks noChangeAspect="1"/>
+          </p:cNvSpPr>
+          <p:nvPr/>
+        </p:nvSpPr>
+        <p:spPr>
+          <a:xfrm>
+            <a:off x="4919918" y="2088782"/>
+            <a:ext cx="755109" cy="202260"/>
+          </a:xfrm>
+          <a:prstGeom prst="rightArrow">
+            <a:avLst/>
+          </a:prstGeom>
+          <a:solidFill>
+            <a:schemeClr val="tx1"/>
+          </a:solidFill>
+          <a:ln w="12700">
+            <a:miter lim="800000"/>
+          </a:ln>
+        </p:spPr>
+        <p:style>
+          <a:lnRef idx="2">
+            <a:schemeClr val="accent1">
+              <a:shade val="50000"/>
+            </a:schemeClr>
+          </a:lnRef>
+          <a:fillRef idx="1">
+            <a:schemeClr val="accent1"/>
+          </a:fillRef>
+          <a:effectRef idx="0">
+            <a:schemeClr val="accent1"/>
+          </a:effectRef>
+          <a:fontRef idx="minor">
+            <a:schemeClr val="lt1"/>
+          </a:fontRef>
+        </p:style>
+        <p:txBody>
+          <a:bodyPr rtlCol="0" anchor="ctr"/>
+          <a:lstStyle/>
+          <a:p>
+            <a:pPr algn="ctr"/>
+            <a:endParaRPr lang="en-IN">
+              <a:latin typeface="Times New Roman" pitchFamily="18" charset="0"/>
+              <a:cs typeface="Times New Roman" pitchFamily="18" charset="0"/>
+            </a:endParaRPr>
+          </a:p>
+        </p:txBody>
+      </p:sp>
+      <p:sp>
+        <p:nvSpPr>
+          <p:cNvPr id="17" name="Right Arrow 16"/>
+          <p:cNvSpPr>
+            <a:spLocks noChangeAspect="1"/>
+          </p:cNvSpPr>
+          <p:nvPr/>
+        </p:nvSpPr>
+        <p:spPr>
+          <a:xfrm rot="5400000">
+            <a:off x="6379726" y="2982726"/>
+            <a:ext cx="806405" cy="216000"/>
+          </a:xfrm>
+          <a:prstGeom prst="rightArrow">
+            <a:avLst/>
+          </a:prstGeom>
+          <a:solidFill>
+            <a:schemeClr val="tx1"/>
+          </a:solidFill>
+          <a:ln w="12700">
+            <a:miter lim="800000"/>
+          </a:ln>
+        </p:spPr>
+        <p:style>
+          <a:lnRef idx="2">
+            <a:schemeClr val="accent1">
+              <a:shade val="50000"/>
+            </a:schemeClr>
+          </a:lnRef>
+          <a:fillRef idx="1">
+            <a:schemeClr val="accent1"/>
+          </a:fillRef>
+          <a:effectRef idx="0">
+            <a:schemeClr val="accent1"/>
+          </a:effectRef>
+          <a:fontRef idx="minor">
+            <a:schemeClr val="lt1"/>
+          </a:fontRef>
+        </p:style>
+        <p:txBody>
+          <a:bodyPr rtlCol="0" anchor="ctr"/>
+          <a:lstStyle/>
+          <a:p>
+            <a:pPr algn="ctr"/>
+            <a:endParaRPr lang="en-IN">
+              <a:latin typeface="Times New Roman" pitchFamily="18" charset="0"/>
+              <a:cs typeface="Times New Roman" pitchFamily="18" charset="0"/>
+            </a:endParaRPr>
+          </a:p>
+        </p:txBody>
+      </p:sp>
+      <p:sp>
+        <p:nvSpPr>
+          <p:cNvPr id="23" name="Rounded Rectangle 22"/>
+          <p:cNvSpPr>
+            <a:spLocks noChangeAspect="1"/>
+          </p:cNvSpPr>
+          <p:nvPr/>
+        </p:nvSpPr>
+        <p:spPr>
+          <a:xfrm>
+            <a:off x="3016251" y="2781029"/>
+            <a:ext cx="1642877" cy="720080"/>
+          </a:xfrm>
+          <a:prstGeom prst="roundRect">
+            <a:avLst/>
+          </a:prstGeom>
+          <a:noFill/>
+          <a:ln w="57150">
+            <a:solidFill>
+              <a:schemeClr val="tx1"/>
+            </a:solidFill>
+            <a:miter lim="800000"/>
+          </a:ln>
+        </p:spPr>
+        <p:style>
+          <a:lnRef idx="2">
+            <a:schemeClr val="accent1">
+              <a:shade val="50000"/>
+            </a:schemeClr>
+          </a:lnRef>
+          <a:fillRef idx="1">
+            <a:schemeClr val="accent1"/>
+          </a:fillRef>
+          <a:effectRef idx="0">
+            <a:schemeClr val="accent1"/>
+          </a:effectRef>
+          <a:fontRef idx="minor">
+            <a:schemeClr val="lt1"/>
+          </a:fontRef>
+        </p:style>
+        <p:txBody>
+          <a:bodyPr rtlCol="0" anchor="ctr"/>
+          <a:lstStyle/>
+          <a:p>
+            <a:pPr algn="ctr"/>
+            <a:r>
+              <a:rPr lang="en-US" sz="1400" b="1" dirty="0" smtClean="0">
+                <a:solidFill>
+                  <a:schemeClr val="tx1"/>
+                </a:solidFill>
+                <a:latin typeface="Times New Roman" pitchFamily="18" charset="0"/>
+                <a:cs typeface="Times New Roman" pitchFamily="18" charset="0"/>
+              </a:rPr>
+              <a:t>USER TIME</a:t>
+            </a:r>
+            <a:endParaRPr lang="en-IN" sz="1400" b="1" dirty="0">
+              <a:solidFill>
+                <a:schemeClr val="tx1"/>
+              </a:solidFill>
+              <a:latin typeface="Times New Roman" pitchFamily="18" charset="0"/>
+              <a:cs typeface="Times New Roman" pitchFamily="18" charset="0"/>
+            </a:endParaRPr>
+          </a:p>
+        </p:txBody>
+      </p:sp>
+      <p:sp>
+        <p:nvSpPr>
+          <p:cNvPr id="26" name="Right Arrow 25"/>
+          <p:cNvSpPr>
+            <a:spLocks noChangeAspect="1"/>
+          </p:cNvSpPr>
+          <p:nvPr/>
+        </p:nvSpPr>
+        <p:spPr>
+          <a:xfrm>
+            <a:off x="1945365" y="2781099"/>
+            <a:ext cx="806405" cy="216000"/>
+          </a:xfrm>
+          <a:prstGeom prst="rightArrow">
+            <a:avLst/>
+          </a:prstGeom>
+          <a:solidFill>
+            <a:schemeClr val="tx1"/>
+          </a:solidFill>
+          <a:ln w="12700">
+            <a:miter lim="800000"/>
+          </a:ln>
+        </p:spPr>
+        <p:style>
+          <a:lnRef idx="2">
+            <a:schemeClr val="accent1">
+              <a:shade val="50000"/>
+            </a:schemeClr>
+          </a:lnRef>
+          <a:fillRef idx="1">
+            <a:schemeClr val="accent1"/>
+          </a:fillRef>
+          <a:effectRef idx="0">
+            <a:schemeClr val="accent1"/>
+          </a:effectRef>
+          <a:fontRef idx="minor">
+            <a:schemeClr val="lt1"/>
+          </a:fontRef>
+        </p:style>
+        <p:txBody>
+          <a:bodyPr rtlCol="0" anchor="ctr"/>
+          <a:lstStyle/>
+          <a:p>
+            <a:pPr algn="ctr"/>
+            <a:endParaRPr lang="en-IN">
+              <a:latin typeface="Times New Roman" pitchFamily="18" charset="0"/>
+              <a:cs typeface="Times New Roman" pitchFamily="18" charset="0"/>
+            </a:endParaRPr>
+          </a:p>
+        </p:txBody>
+      </p:sp>
+      <p:sp>
+        <p:nvSpPr>
+          <p:cNvPr id="27" name="Right Arrow 26"/>
+          <p:cNvSpPr>
+            <a:spLocks noChangeAspect="1"/>
+          </p:cNvSpPr>
+          <p:nvPr/>
+        </p:nvSpPr>
+        <p:spPr>
+          <a:xfrm>
+            <a:off x="1956501" y="3831510"/>
+            <a:ext cx="806405" cy="216000"/>
+          </a:xfrm>
+          <a:prstGeom prst="rightArrow">
+            <a:avLst/>
+          </a:prstGeom>
+          <a:solidFill>
+            <a:schemeClr val="tx1"/>
+          </a:solidFill>
+          <a:ln w="12700">
+            <a:miter lim="800000"/>
+          </a:ln>
+        </p:spPr>
+        <p:style>
+          <a:lnRef idx="2">
+            <a:schemeClr val="accent1">
+              <a:shade val="50000"/>
+            </a:schemeClr>
+          </a:lnRef>
+          <a:fillRef idx="1">
+            <a:schemeClr val="accent1"/>
+          </a:fillRef>
+          <a:effectRef idx="0">
+            <a:schemeClr val="accent1"/>
+          </a:effectRef>
+          <a:fontRef idx="minor">
+            <a:schemeClr val="lt1"/>
+          </a:fontRef>
+        </p:style>
+        <p:txBody>
+          <a:bodyPr rtlCol="0" anchor="ctr"/>
+          <a:lstStyle/>
+          <a:p>
+            <a:pPr algn="ctr"/>
+            <a:endParaRPr lang="en-IN">
+              <a:latin typeface="Times New Roman" pitchFamily="18" charset="0"/>
+              <a:cs typeface="Times New Roman" pitchFamily="18" charset="0"/>
+            </a:endParaRPr>
+          </a:p>
+        </p:txBody>
+      </p:sp>
+      <p:sp>
+        <p:nvSpPr>
+          <p:cNvPr id="28" name="Right Arrow 27"/>
+          <p:cNvSpPr>
+            <a:spLocks noChangeAspect="1"/>
+          </p:cNvSpPr>
+          <p:nvPr/>
+        </p:nvSpPr>
+        <p:spPr>
+          <a:xfrm>
+            <a:off x="1945365" y="4907345"/>
+            <a:ext cx="806405" cy="216000"/>
+          </a:xfrm>
+          <a:prstGeom prst="rightArrow">
+            <a:avLst/>
+          </a:prstGeom>
+          <a:solidFill>
+            <a:schemeClr val="tx1"/>
+          </a:solidFill>
+          <a:ln w="12700">
+            <a:miter lim="800000"/>
+          </a:ln>
+        </p:spPr>
+        <p:style>
+          <a:lnRef idx="2">
+            <a:schemeClr val="accent1">
+              <a:shade val="50000"/>
+            </a:schemeClr>
+          </a:lnRef>
+          <a:fillRef idx="1">
+            <a:schemeClr val="accent1"/>
+          </a:fillRef>
+          <a:effectRef idx="0">
+            <a:schemeClr val="accent1"/>
+          </a:effectRef>
+          <a:fontRef idx="minor">
+            <a:schemeClr val="lt1"/>
+          </a:fontRef>
+        </p:style>
+        <p:txBody>
+          <a:bodyPr rtlCol="0" anchor="ctr"/>
+          <a:lstStyle/>
+          <a:p>
+            <a:pPr algn="ctr"/>
+            <a:endParaRPr lang="en-IN">
+              <a:latin typeface="Times New Roman" pitchFamily="18" charset="0"/>
+              <a:cs typeface="Times New Roman" pitchFamily="18" charset="0"/>
+            </a:endParaRPr>
+          </a:p>
+        </p:txBody>
+      </p:sp>
+      <p:sp>
+        <p:nvSpPr>
+          <p:cNvPr id="29" name="Right Arrow 28"/>
+          <p:cNvSpPr>
+            <a:spLocks noChangeAspect="1"/>
+          </p:cNvSpPr>
+          <p:nvPr/>
+        </p:nvSpPr>
+        <p:spPr>
+          <a:xfrm>
+            <a:off x="1956501" y="5915183"/>
+            <a:ext cx="806405" cy="216000"/>
+          </a:xfrm>
+          <a:prstGeom prst="rightArrow">
+            <a:avLst/>
+          </a:prstGeom>
+          <a:solidFill>
+            <a:schemeClr val="tx1"/>
+          </a:solidFill>
+          <a:ln w="12700">
+            <a:miter lim="800000"/>
+          </a:ln>
+        </p:spPr>
+        <p:style>
+          <a:lnRef idx="2">
+            <a:schemeClr val="accent1">
+              <a:shade val="50000"/>
+            </a:schemeClr>
+          </a:lnRef>
+          <a:fillRef idx="1">
+            <a:schemeClr val="accent1"/>
+          </a:fillRef>
+          <a:effectRef idx="0">
+            <a:schemeClr val="accent1"/>
+          </a:effectRef>
+          <a:fontRef idx="minor">
+            <a:schemeClr val="lt1"/>
+          </a:fontRef>
+        </p:style>
+        <p:txBody>
+          <a:bodyPr rtlCol="0" anchor="ctr"/>
+          <a:lstStyle/>
+          <a:p>
+            <a:pPr algn="ctr"/>
+            <a:endParaRPr lang="en-IN">
+              <a:latin typeface="Times New Roman" pitchFamily="18" charset="0"/>
+              <a:cs typeface="Times New Roman" pitchFamily="18" charset="0"/>
+            </a:endParaRPr>
+          </a:p>
+        </p:txBody>
+      </p:sp>
+      <p:sp>
+        <p:nvSpPr>
+          <p:cNvPr id="30" name="Rounded Rectangle 29"/>
+          <p:cNvSpPr>
+            <a:spLocks noChangeAspect="1"/>
+          </p:cNvSpPr>
+          <p:nvPr/>
+        </p:nvSpPr>
+        <p:spPr>
+          <a:xfrm>
+            <a:off x="5724525" y="1729713"/>
+            <a:ext cx="2110719" cy="919277"/>
+          </a:xfrm>
+          <a:prstGeom prst="roundRect">
+            <a:avLst/>
+          </a:prstGeom>
+          <a:noFill/>
+          <a:ln w="57150">
+            <a:solidFill>
+              <a:schemeClr val="tx1"/>
+            </a:solidFill>
+            <a:miter lim="800000"/>
+          </a:ln>
+        </p:spPr>
+        <p:style>
+          <a:lnRef idx="2">
+            <a:schemeClr val="accent1">
+              <a:shade val="50000"/>
+            </a:schemeClr>
+          </a:lnRef>
+          <a:fillRef idx="1">
+            <a:schemeClr val="accent1"/>
+          </a:fillRef>
+          <a:effectRef idx="0">
+            <a:schemeClr val="accent1"/>
+          </a:effectRef>
+          <a:fontRef idx="minor">
+            <a:schemeClr val="lt1"/>
+          </a:fontRef>
+        </p:style>
+        <p:txBody>
+          <a:bodyPr rtlCol="0" anchor="ctr"/>
+          <a:lstStyle/>
+          <a:p>
+            <a:pPr algn="ctr"/>
+            <a:r>
+              <a:rPr lang="en-IN" sz="1200" b="1" dirty="0" smtClean="0">
+                <a:solidFill>
+                  <a:schemeClr val="tx1"/>
+                </a:solidFill>
+                <a:latin typeface="Times New Roman" pitchFamily="18" charset="0"/>
+                <a:cs typeface="Times New Roman" pitchFamily="18" charset="0"/>
+              </a:rPr>
+              <a:t>RECOMMENDATION  </a:t>
+            </a:r>
+            <a:endParaRPr lang="en-IN" sz="1200" b="1" dirty="0">
+              <a:solidFill>
+                <a:schemeClr val="tx1"/>
+              </a:solidFill>
+              <a:latin typeface="Times New Roman" pitchFamily="18" charset="0"/>
+              <a:cs typeface="Times New Roman" pitchFamily="18" charset="0"/>
+            </a:endParaRPr>
+          </a:p>
+        </p:txBody>
+      </p:sp>
+      <p:sp>
+        <p:nvSpPr>
+          <p:cNvPr id="32" name="Rounded Rectangle 31"/>
+          <p:cNvSpPr>
+            <a:spLocks noChangeAspect="1"/>
+          </p:cNvSpPr>
+          <p:nvPr/>
+        </p:nvSpPr>
+        <p:spPr>
+          <a:xfrm>
+            <a:off x="5727569" y="3530621"/>
+            <a:ext cx="2110719" cy="919277"/>
+          </a:xfrm>
+          <a:prstGeom prst="roundRect">
+            <a:avLst/>
+          </a:prstGeom>
+          <a:noFill/>
+          <a:ln w="57150">
+            <a:solidFill>
+              <a:schemeClr val="tx1"/>
+            </a:solidFill>
+            <a:miter lim="800000"/>
+          </a:ln>
+        </p:spPr>
+        <p:style>
+          <a:lnRef idx="2">
+            <a:schemeClr val="accent1">
+              <a:shade val="50000"/>
+            </a:schemeClr>
+          </a:lnRef>
+          <a:fillRef idx="1">
+            <a:schemeClr val="accent1"/>
+          </a:fillRef>
+          <a:effectRef idx="0">
+            <a:schemeClr val="accent1"/>
+          </a:effectRef>
+          <a:fontRef idx="minor">
+            <a:schemeClr val="lt1"/>
+          </a:fontRef>
+        </p:style>
+        <p:txBody>
+          <a:bodyPr rtlCol="0" anchor="ctr"/>
+          <a:lstStyle/>
+          <a:p>
+            <a:pPr algn="ctr"/>
+            <a:r>
+              <a:rPr lang="en-IN" sz="1200" b="1" dirty="0" smtClean="0">
+                <a:solidFill>
+                  <a:schemeClr val="tx1"/>
+                </a:solidFill>
+                <a:latin typeface="Times New Roman" pitchFamily="18" charset="0"/>
+                <a:cs typeface="Times New Roman" pitchFamily="18" charset="0"/>
+              </a:rPr>
+              <a:t>MAP GUIDE</a:t>
+            </a:r>
+            <a:endParaRPr lang="en-IN" sz="1200" b="1" dirty="0">
+              <a:solidFill>
+                <a:schemeClr val="tx1"/>
+              </a:solidFill>
+              <a:latin typeface="Times New Roman" pitchFamily="18" charset="0"/>
+              <a:cs typeface="Times New Roman" pitchFamily="18" charset="0"/>
+            </a:endParaRPr>
+          </a:p>
+        </p:txBody>
+      </p:sp>
+      <p:sp>
+        <p:nvSpPr>
+          <p:cNvPr id="33" name="Rounded Rectangle 32"/>
+          <p:cNvSpPr>
+            <a:spLocks noChangeAspect="1"/>
+          </p:cNvSpPr>
+          <p:nvPr/>
+        </p:nvSpPr>
+        <p:spPr>
+          <a:xfrm>
+            <a:off x="6763929" y="5284071"/>
+            <a:ext cx="1379946" cy="919277"/>
+          </a:xfrm>
+          <a:prstGeom prst="roundRect">
+            <a:avLst/>
+          </a:prstGeom>
+          <a:noFill/>
+          <a:ln w="57150">
+            <a:solidFill>
+              <a:schemeClr val="tx1"/>
+            </a:solidFill>
+            <a:miter lim="800000"/>
+          </a:ln>
+        </p:spPr>
+        <p:style>
+          <a:lnRef idx="2">
+            <a:schemeClr val="accent1">
+              <a:shade val="50000"/>
+            </a:schemeClr>
+          </a:lnRef>
+          <a:fillRef idx="1">
+            <a:schemeClr val="accent1"/>
+          </a:fillRef>
+          <a:effectRef idx="0">
+            <a:schemeClr val="accent1"/>
+          </a:effectRef>
+          <a:fontRef idx="minor">
+            <a:schemeClr val="lt1"/>
+          </a:fontRef>
+        </p:style>
+        <p:txBody>
+          <a:bodyPr rtlCol="0" anchor="ctr"/>
+          <a:lstStyle/>
+          <a:p>
+            <a:pPr algn="ctr"/>
+            <a:r>
+              <a:rPr lang="en-IN" sz="1200" b="1" dirty="0" smtClean="0">
+                <a:solidFill>
+                  <a:schemeClr val="tx1"/>
+                </a:solidFill>
+                <a:latin typeface="Times New Roman" pitchFamily="18" charset="0"/>
+                <a:cs typeface="Times New Roman" pitchFamily="18" charset="0"/>
+              </a:rPr>
+              <a:t>AUGMENTED REALITY</a:t>
+            </a:r>
+            <a:endParaRPr lang="en-IN" sz="1200" b="1" dirty="0">
+              <a:solidFill>
+                <a:schemeClr val="tx1"/>
+              </a:solidFill>
+              <a:latin typeface="Times New Roman" pitchFamily="18" charset="0"/>
+              <a:cs typeface="Times New Roman" pitchFamily="18" charset="0"/>
+            </a:endParaRPr>
+          </a:p>
+        </p:txBody>
+      </p:sp>
+      <p:sp>
+        <p:nvSpPr>
+          <p:cNvPr id="34" name="Right Arrow 33"/>
+          <p:cNvSpPr>
+            <a:spLocks noChangeAspect="1"/>
+          </p:cNvSpPr>
+          <p:nvPr/>
+        </p:nvSpPr>
+        <p:spPr>
+          <a:xfrm rot="5400000">
+            <a:off x="5760600" y="4760977"/>
+            <a:ext cx="806405" cy="216000"/>
+          </a:xfrm>
+          <a:prstGeom prst="rightArrow">
+            <a:avLst/>
+          </a:prstGeom>
+          <a:solidFill>
+            <a:schemeClr val="tx1"/>
+          </a:solidFill>
+          <a:ln w="12700">
+            <a:miter lim="800000"/>
+          </a:ln>
+        </p:spPr>
+        <p:style>
+          <a:lnRef idx="2">
+            <a:schemeClr val="accent1">
+              <a:shade val="50000"/>
+            </a:schemeClr>
+          </a:lnRef>
+          <a:fillRef idx="1">
+            <a:schemeClr val="accent1"/>
+          </a:fillRef>
+          <a:effectRef idx="0">
+            <a:schemeClr val="accent1"/>
+          </a:effectRef>
+          <a:fontRef idx="minor">
+            <a:schemeClr val="lt1"/>
+          </a:fontRef>
+        </p:style>
+        <p:txBody>
+          <a:bodyPr rtlCol="0" anchor="ctr"/>
+          <a:lstStyle/>
+          <a:p>
+            <a:pPr algn="ctr"/>
+            <a:endParaRPr lang="en-IN">
+              <a:latin typeface="Times New Roman" pitchFamily="18" charset="0"/>
+              <a:cs typeface="Times New Roman" pitchFamily="18" charset="0"/>
+            </a:endParaRPr>
+          </a:p>
+        </p:txBody>
+      </p:sp>
+      <p:sp>
+        <p:nvSpPr>
+          <p:cNvPr id="35" name="Rounded Rectangle 34"/>
+          <p:cNvSpPr>
+            <a:spLocks noChangeAspect="1"/>
+          </p:cNvSpPr>
+          <p:nvPr/>
+        </p:nvSpPr>
+        <p:spPr>
+          <a:xfrm>
+            <a:off x="5600569" y="5284071"/>
+            <a:ext cx="916447" cy="919277"/>
+          </a:xfrm>
+          <a:prstGeom prst="roundRect">
+            <a:avLst/>
+          </a:prstGeom>
+          <a:noFill/>
+          <a:ln w="57150">
+            <a:solidFill>
+              <a:schemeClr val="tx1"/>
+            </a:solidFill>
+            <a:miter lim="800000"/>
+          </a:ln>
+        </p:spPr>
+        <p:style>
+          <a:lnRef idx="2">
+            <a:schemeClr val="accent1">
+              <a:shade val="50000"/>
+            </a:schemeClr>
+          </a:lnRef>
+          <a:fillRef idx="1">
+            <a:schemeClr val="accent1"/>
+          </a:fillRef>
+          <a:effectRef idx="0">
+            <a:schemeClr val="accent1"/>
+          </a:effectRef>
+          <a:fontRef idx="minor">
+            <a:schemeClr val="lt1"/>
+          </a:fontRef>
+        </p:style>
+        <p:txBody>
+          <a:bodyPr rtlCol="0" anchor="ctr"/>
+          <a:lstStyle/>
+          <a:p>
+            <a:pPr algn="ctr"/>
+            <a:r>
+              <a:rPr lang="en-IN" sz="1200" b="1" dirty="0" smtClean="0">
+                <a:solidFill>
+                  <a:schemeClr val="tx1"/>
+                </a:solidFill>
+                <a:latin typeface="Times New Roman" pitchFamily="18" charset="0"/>
+                <a:cs typeface="Times New Roman" pitchFamily="18" charset="0"/>
+              </a:rPr>
+              <a:t>OCR</a:t>
+            </a:r>
+            <a:endParaRPr lang="en-IN" sz="1200" b="1" dirty="0">
+              <a:solidFill>
+                <a:schemeClr val="tx1"/>
+              </a:solidFill>
+              <a:latin typeface="Times New Roman" pitchFamily="18" charset="0"/>
+              <a:cs typeface="Times New Roman" pitchFamily="18" charset="0"/>
+            </a:endParaRPr>
+          </a:p>
+        </p:txBody>
+      </p:sp>
+      <p:sp>
+        <p:nvSpPr>
+          <p:cNvPr id="36" name="Right Arrow 35"/>
+          <p:cNvSpPr>
+            <a:spLocks noChangeAspect="1"/>
+          </p:cNvSpPr>
+          <p:nvPr/>
+        </p:nvSpPr>
+        <p:spPr>
+          <a:xfrm rot="5400000">
+            <a:off x="7008375" y="4772869"/>
+            <a:ext cx="806405" cy="216000"/>
+          </a:xfrm>
+          <a:prstGeom prst="rightArrow">
+            <a:avLst/>
+          </a:prstGeom>
+          <a:solidFill>
+            <a:schemeClr val="tx1"/>
+          </a:solidFill>
+          <a:ln w="12700">
+            <a:miter lim="800000"/>
+          </a:ln>
+        </p:spPr>
+        <p:style>
+          <a:lnRef idx="2">
+            <a:schemeClr val="accent1">
+              <a:shade val="50000"/>
+            </a:schemeClr>
+          </a:lnRef>
+          <a:fillRef idx="1">
+            <a:schemeClr val="accent1"/>
+          </a:fillRef>
+          <a:effectRef idx="0">
+            <a:schemeClr val="accent1"/>
+          </a:effectRef>
+          <a:fontRef idx="minor">
+            <a:schemeClr val="lt1"/>
+          </a:fontRef>
+        </p:style>
+        <p:txBody>
+          <a:bodyPr rtlCol="0" anchor="ctr"/>
+          <a:lstStyle/>
+          <a:p>
+            <a:pPr algn="ctr"/>
+            <a:endParaRPr lang="en-IN">
+              <a:latin typeface="Times New Roman" pitchFamily="18" charset="0"/>
+              <a:cs typeface="Times New Roman" pitchFamily="18" charset="0"/>
+            </a:endParaRPr>
+          </a:p>
+        </p:txBody>
+      </p:sp>
+    </p:spTree>
+    <p:extLst>
+      <p:ext uri="{BB962C8B-B14F-4D97-AF65-F5344CB8AC3E}">
+        <p14:creationId xmlns:p14="http://schemas.microsoft.com/office/powerpoint/2010/main" val="1686361186"/>
+      </p:ext>
+    </p:extLst>
+  </p:cSld>
+  <p:clrMapOvr>
+    <a:masterClrMapping/>
+  </p:clrMapOvr>
+  <p:timing>
+    <p:tnLst>
+      <p:par>
+        <p:cTn xmlns:p14="http://schemas.microsoft.com/office/powerpoint/2010/main" id="1" dur="indefinite" restart="never" nodeType="tmRoot"/>
+      </p:par>
+    </p:tnLst>
+  </p:timing>
+</p:sld>
+</file>
+
+<file path=ppt/slides/slide13.xml><?xml version="1.0" encoding="utf-8"?>
+<p:sld xmlns:a="http://schemas.openxmlformats.org/drawingml/2006/main" xmlns:r="http://schemas.openxmlformats.org/officeDocument/2006/relationships" xmlns:p="http://schemas.openxmlformats.org/presentationml/2006/main">
+  <p:cSld>
+    <p:spTree>
+      <p:nvGrpSpPr>
+        <p:cNvPr id="1" name=""/>
+        <p:cNvGrpSpPr/>
+        <p:nvPr/>
+      </p:nvGrpSpPr>
+      <p:grpSpPr>
+        <a:xfrm>
+          <a:off x="0" y="0"/>
+          <a:ext cx="0" cy="0"/>
+          <a:chOff x="0" y="0"/>
+          <a:chExt cx="0" cy="0"/>
+        </a:xfrm>
+      </p:grpSpPr>
+      <p:sp>
+        <p:nvSpPr>
+          <p:cNvPr id="4" name="Title 3"/>
+          <p:cNvSpPr>
+            <a:spLocks noGrp="1"/>
+          </p:cNvSpPr>
+          <p:nvPr>
+            <p:ph type="title"/>
+          </p:nvPr>
+        </p:nvSpPr>
+        <p:spPr/>
+        <p:txBody>
+          <a:bodyPr>
+            <a:normAutofit/>
+          </a:bodyPr>
+          <a:lstStyle/>
+          <a:p>
+            <a:r>
+              <a:rPr lang="en-US" dirty="0" smtClean="0"/>
+              <a:t>WORKING PRINCIPLE</a:t>
+            </a:r>
+            <a:endParaRPr lang="en-US" dirty="0"/>
+          </a:p>
+        </p:txBody>
+      </p:sp>
+    </p:spTree>
+    <p:extLst>
+      <p:ext uri="{BB962C8B-B14F-4D97-AF65-F5344CB8AC3E}">
+        <p14:creationId xmlns:p14="http://schemas.microsoft.com/office/powerpoint/2010/main" val="443961324"/>
+      </p:ext>
+    </p:extLst>
+  </p:cSld>
+  <p:clrMapOvr>
+    <a:masterClrMapping/>
+  </p:clrMapOvr>
+  <p:timing>
+    <p:tnLst>
+      <p:par>
+        <p:cTn xmlns:p14="http://schemas.microsoft.com/office/powerpoint/2010/main" id="1" dur="indefinite" restart="never" nodeType="tmRoot"/>
+      </p:par>
+    </p:tnLst>
+  </p:timing>
+</p:sld>
+</file>
+
+<file path=ppt/slides/slide14.xml><?xml version="1.0" encoding="utf-8"?>
+<p:sld xmlns:a="http://schemas.openxmlformats.org/drawingml/2006/main" xmlns:r="http://schemas.openxmlformats.org/officeDocument/2006/relationships" xmlns:p="http://schemas.openxmlformats.org/presentationml/2006/main">
+  <p:cSld>
+    <p:spTree>
+      <p:nvGrpSpPr>
+        <p:cNvPr id="1" name=""/>
+        <p:cNvGrpSpPr/>
+        <p:nvPr/>
+      </p:nvGrpSpPr>
+      <p:grpSpPr>
+        <a:xfrm>
+          <a:off x="0" y="0"/>
+          <a:ext cx="0" cy="0"/>
+          <a:chOff x="0" y="0"/>
+          <a:chExt cx="0" cy="0"/>
+        </a:xfrm>
+      </p:grpSpPr>
+      <p:sp>
+        <p:nvSpPr>
+          <p:cNvPr id="4" name="Title 3"/>
+          <p:cNvSpPr>
+            <a:spLocks noGrp="1"/>
+          </p:cNvSpPr>
+          <p:nvPr>
+            <p:ph type="title"/>
+          </p:nvPr>
+        </p:nvSpPr>
+        <p:spPr/>
+        <p:txBody>
+          <a:bodyPr>
+            <a:normAutofit/>
+          </a:bodyPr>
+          <a:lstStyle/>
+          <a:p>
+            <a:r>
+              <a:rPr lang="en-US" dirty="0" smtClean="0"/>
+              <a:t>DATAFLOW DIAGRAM</a:t>
+            </a:r>
+            <a:endParaRPr lang="en-US" dirty="0"/>
+          </a:p>
+        </p:txBody>
+      </p:sp>
+    </p:spTree>
+    <p:extLst>
+      <p:ext uri="{BB962C8B-B14F-4D97-AF65-F5344CB8AC3E}">
+        <p14:creationId xmlns:p14="http://schemas.microsoft.com/office/powerpoint/2010/main" val="1365352401"/>
+      </p:ext>
+    </p:extLst>
+  </p:cSld>
+  <p:clrMapOvr>
+    <a:masterClrMapping/>
+  </p:clrMapOvr>
+  <p:timing>
+    <p:tnLst>
+      <p:par>
+        <p:cTn xmlns:p14="http://schemas.microsoft.com/office/powerpoint/2010/main" id="1" dur="indefinite" restart="never" nodeType="tmRoot"/>
+      </p:par>
+    </p:tnLst>
+  </p:timing>
+</p:sld>
+</file>
+
+<file path=ppt/slides/slide15.xml><?xml version="1.0" encoding="utf-8"?>
+<p:sld xmlns:a="http://schemas.openxmlformats.org/drawingml/2006/main" xmlns:r="http://schemas.openxmlformats.org/officeDocument/2006/relationships" xmlns:p="http://schemas.openxmlformats.org/presentationml/2006/main">
+  <p:cSld>
+    <p:spTree>
+      <p:nvGrpSpPr>
+        <p:cNvPr id="1" name=""/>
+        <p:cNvGrpSpPr/>
+        <p:nvPr/>
+      </p:nvGrpSpPr>
+      <p:grpSpPr>
+        <a:xfrm>
+          <a:off x="0" y="0"/>
+          <a:ext cx="0" cy="0"/>
+          <a:chOff x="0" y="0"/>
+          <a:chExt cx="0" cy="0"/>
+        </a:xfrm>
+      </p:grpSpPr>
+      <p:sp>
+        <p:nvSpPr>
+          <p:cNvPr id="4" name="Title 3"/>
+          <p:cNvSpPr>
+            <a:spLocks noGrp="1"/>
+          </p:cNvSpPr>
+          <p:nvPr>
+            <p:ph type="title"/>
+          </p:nvPr>
+        </p:nvSpPr>
+        <p:spPr/>
+        <p:txBody>
+          <a:bodyPr>
+            <a:normAutofit/>
+          </a:bodyPr>
+          <a:lstStyle/>
+          <a:p>
+            <a:r>
+              <a:rPr lang="en-US" dirty="0" smtClean="0"/>
+              <a:t>ER DIAGRAM</a:t>
+            </a:r>
+            <a:endParaRPr lang="en-US" dirty="0"/>
+          </a:p>
+        </p:txBody>
+      </p:sp>
+    </p:spTree>
+    <p:extLst>
+      <p:ext uri="{BB962C8B-B14F-4D97-AF65-F5344CB8AC3E}">
+        <p14:creationId xmlns:p14="http://schemas.microsoft.com/office/powerpoint/2010/main" val="1672586050"/>
+      </p:ext>
+    </p:extLst>
+  </p:cSld>
+  <p:clrMapOvr>
+    <a:masterClrMapping/>
+  </p:clrMapOvr>
+  <p:timing>
+    <p:tnLst>
+      <p:par>
+        <p:cTn xmlns:p14="http://schemas.microsoft.com/office/powerpoint/2010/main" id="1" dur="indefinite" restart="never" nodeType="tmRoot"/>
+      </p:par>
+    </p:tnLst>
+  </p:timing>
+</p:sld>
+</file>
+
+<file path=ppt/slides/slide16.xml><?xml version="1.0" encoding="utf-8"?>
+<p:sld xmlns:a="http://schemas.openxmlformats.org/drawingml/2006/main" xmlns:r="http://schemas.openxmlformats.org/officeDocument/2006/relationships" xmlns:p="http://schemas.openxmlformats.org/presentationml/2006/main">
+  <p:cSld>
+    <p:spTree>
+      <p:nvGrpSpPr>
+        <p:cNvPr id="1" name=""/>
+        <p:cNvGrpSpPr/>
+        <p:nvPr/>
+      </p:nvGrpSpPr>
+      <p:grpSpPr>
+        <a:xfrm>
+          <a:off x="0" y="0"/>
+          <a:ext cx="0" cy="0"/>
+          <a:chOff x="0" y="0"/>
+          <a:chExt cx="0" cy="0"/>
+        </a:xfrm>
+      </p:grpSpPr>
+      <p:sp>
+        <p:nvSpPr>
+          <p:cNvPr id="4" name="Title 3"/>
+          <p:cNvSpPr>
+            <a:spLocks noGrp="1"/>
+          </p:cNvSpPr>
+          <p:nvPr>
+            <p:ph type="title"/>
+          </p:nvPr>
+        </p:nvSpPr>
+        <p:spPr/>
+        <p:txBody>
+          <a:bodyPr>
+            <a:normAutofit/>
+          </a:bodyPr>
+          <a:lstStyle/>
+          <a:p>
+            <a:r>
+              <a:rPr lang="en-US" dirty="0" smtClean="0"/>
+              <a:t>DATABASE DESIGN</a:t>
+            </a:r>
+            <a:endParaRPr lang="en-US" dirty="0"/>
+          </a:p>
+        </p:txBody>
+      </p:sp>
+    </p:spTree>
+    <p:extLst>
+      <p:ext uri="{BB962C8B-B14F-4D97-AF65-F5344CB8AC3E}">
+        <p14:creationId xmlns:p14="http://schemas.microsoft.com/office/powerpoint/2010/main" val="3232302086"/>
+      </p:ext>
+    </p:extLst>
+  </p:cSld>
+  <p:clrMapOvr>
+    <a:masterClrMapping/>
+  </p:clrMapOvr>
+  <p:timing>
+    <p:tnLst>
+      <p:par>
+        <p:cTn xmlns:p14="http://schemas.microsoft.com/office/powerpoint/2010/main" id="1" dur="indefinite" restart="never" nodeType="tmRoot"/>
+      </p:par>
+    </p:tnLst>
+  </p:timing>
+</p:sld>
+</file>
+
+<file path=ppt/slides/slide17.xml><?xml version="1.0" encoding="utf-8"?>
+<p:sld xmlns:a="http://schemas.openxmlformats.org/drawingml/2006/main" xmlns:r="http://schemas.openxmlformats.org/officeDocument/2006/relationships" xmlns:p="http://schemas.openxmlformats.org/presentationml/2006/main">
+  <p:cSld>
+    <p:spTree>
+      <p:nvGrpSpPr>
+        <p:cNvPr id="1" name=""/>
+        <p:cNvGrpSpPr/>
+        <p:nvPr/>
+      </p:nvGrpSpPr>
+      <p:grpSpPr>
+        <a:xfrm>
+          <a:off x="0" y="0"/>
+          <a:ext cx="0" cy="0"/>
+          <a:chOff x="0" y="0"/>
+          <a:chExt cx="0" cy="0"/>
+        </a:xfrm>
+      </p:grpSpPr>
+      <p:sp>
+        <p:nvSpPr>
+          <p:cNvPr id="4" name="Title 3"/>
+          <p:cNvSpPr>
+            <a:spLocks noGrp="1"/>
+          </p:cNvSpPr>
+          <p:nvPr>
+            <p:ph type="title"/>
+          </p:nvPr>
+        </p:nvSpPr>
+        <p:spPr/>
+        <p:txBody>
+          <a:bodyPr>
+            <a:normAutofit/>
+          </a:bodyPr>
+          <a:lstStyle/>
+          <a:p>
+            <a:r>
+              <a:rPr lang="en-US" dirty="0" smtClean="0"/>
+              <a:t>INPUT DESCRIPTION</a:t>
+            </a:r>
+            <a:endParaRPr lang="en-US" dirty="0"/>
+          </a:p>
+        </p:txBody>
+      </p:sp>
+    </p:spTree>
+    <p:extLst>
+      <p:ext uri="{BB962C8B-B14F-4D97-AF65-F5344CB8AC3E}">
+        <p14:creationId xmlns:p14="http://schemas.microsoft.com/office/powerpoint/2010/main" val="2384627434"/>
+      </p:ext>
+    </p:extLst>
+  </p:cSld>
+  <p:clrMapOvr>
+    <a:masterClrMapping/>
+  </p:clrMapOvr>
+  <p:timing>
+    <p:tnLst>
+      <p:par>
+        <p:cTn xmlns:p14="http://schemas.microsoft.com/office/powerpoint/2010/main" id="1" dur="indefinite" restart="never" nodeType="tmRoot"/>
+      </p:par>
+    </p:tnLst>
+  </p:timing>
+</p:sld>
+</file>
+
+<file path=ppt/slides/slide18.xml><?xml version="1.0" encoding="utf-8"?>
+<p:sld xmlns:a="http://schemas.openxmlformats.org/drawingml/2006/main" xmlns:r="http://schemas.openxmlformats.org/officeDocument/2006/relationships" xmlns:p="http://schemas.openxmlformats.org/presentationml/2006/main">
+  <p:cSld>
+    <p:spTree>
+      <p:nvGrpSpPr>
+        <p:cNvPr id="1" name=""/>
+        <p:cNvGrpSpPr/>
+        <p:nvPr/>
+      </p:nvGrpSpPr>
+      <p:grpSpPr>
+        <a:xfrm>
+          <a:off x="0" y="0"/>
+          <a:ext cx="0" cy="0"/>
+          <a:chOff x="0" y="0"/>
+          <a:chExt cx="0" cy="0"/>
+        </a:xfrm>
+      </p:grpSpPr>
+      <p:sp>
+        <p:nvSpPr>
+          <p:cNvPr id="4" name="Title 3"/>
+          <p:cNvSpPr>
+            <a:spLocks noGrp="1"/>
+          </p:cNvSpPr>
+          <p:nvPr>
+            <p:ph type="title"/>
+          </p:nvPr>
+        </p:nvSpPr>
+        <p:spPr/>
+        <p:txBody>
+          <a:bodyPr>
+            <a:normAutofit/>
+          </a:bodyPr>
+          <a:lstStyle/>
+          <a:p>
+            <a:r>
+              <a:rPr lang="en-US" dirty="0" smtClean="0"/>
+              <a:t>OUT</a:t>
+            </a:r>
+            <a:r>
+              <a:rPr lang="en-US" dirty="0" smtClean="0"/>
+              <a:t>PUT DESCRIPTION</a:t>
+            </a:r>
+            <a:endParaRPr lang="en-US" dirty="0"/>
+          </a:p>
+        </p:txBody>
+      </p:sp>
+    </p:spTree>
+    <p:extLst>
+      <p:ext uri="{BB962C8B-B14F-4D97-AF65-F5344CB8AC3E}">
+        <p14:creationId xmlns:p14="http://schemas.microsoft.com/office/powerpoint/2010/main" val="3146781203"/>
+      </p:ext>
+    </p:extLst>
+  </p:cSld>
+  <p:clrMapOvr>
+    <a:masterClrMapping/>
+  </p:clrMapOvr>
+  <p:timing>
+    <p:tnLst>
+      <p:par>
+        <p:cTn xmlns:p14="http://schemas.microsoft.com/office/powerpoint/2010/main" id="1" dur="indefinite" restart="never" nodeType="tmRoot"/>
+      </p:par>
+    </p:tnLst>
+  </p:timing>
+</p:sld>
+</file>
+
+<file path=ppt/slides/slide19.xml><?xml version="1.0" encoding="utf-8"?>
+<p:sld xmlns:a="http://schemas.openxmlformats.org/drawingml/2006/main" xmlns:r="http://schemas.openxmlformats.org/officeDocument/2006/relationships" xmlns:p="http://schemas.openxmlformats.org/presentationml/2006/main">
+  <p:cSld>
+    <p:spTree>
+      <p:nvGrpSpPr>
+        <p:cNvPr id="1" name=""/>
+        <p:cNvGrpSpPr/>
+        <p:nvPr/>
+      </p:nvGrpSpPr>
+      <p:grpSpPr>
+        <a:xfrm>
+          <a:off x="0" y="0"/>
+          <a:ext cx="0" cy="0"/>
+          <a:chOff x="0" y="0"/>
+          <a:chExt cx="0" cy="0"/>
+        </a:xfrm>
+      </p:grpSpPr>
+      <p:sp>
+        <p:nvSpPr>
+          <p:cNvPr id="4" name="Title 3"/>
+          <p:cNvSpPr>
+            <a:spLocks noGrp="1"/>
+          </p:cNvSpPr>
+          <p:nvPr>
+            <p:ph type="title"/>
+          </p:nvPr>
+        </p:nvSpPr>
+        <p:spPr/>
+        <p:txBody>
+          <a:bodyPr>
+            <a:normAutofit/>
+          </a:bodyPr>
+          <a:lstStyle/>
+          <a:p>
+            <a:r>
+              <a:rPr lang="en-US" dirty="0" smtClean="0"/>
+              <a:t>STATUS OF THE PROJECT</a:t>
+            </a:r>
+            <a:endParaRPr lang="en-US" dirty="0"/>
+          </a:p>
+        </p:txBody>
+      </p:sp>
+      <p:sp>
+        <p:nvSpPr>
+          <p:cNvPr id="3" name="Content Placeholder 2"/>
           <p:cNvSpPr txBox="1">
             <a:spLocks/>
           </p:cNvSpPr>
@@ -3386,46 +5177,730 @@
         </p:nvSpPr>
         <p:spPr>
           <a:xfrm>
-            <a:off x="0" y="1417638"/>
-            <a:ext cx="5275150" cy="660340"/>
+            <a:off x="457200" y="2240280"/>
+            <a:ext cx="8229600" cy="4389120"/>
           </a:xfrm>
           <a:prstGeom prst="rect">
             <a:avLst/>
           </a:prstGeom>
         </p:spPr>
         <p:txBody>
-          <a:bodyPr vert="horz" lIns="91440" tIns="45720" rIns="91440" bIns="45720" rtlCol="0" anchor="ctr">
-            <a:noAutofit/>
-          </a:bodyPr>
+          <a:bodyPr/>
           <a:lstStyle>
-            <a:lvl1pPr algn="ctr" defTabSz="457200" rtl="0" eaLnBrk="1" latinLnBrk="0" hangingPunct="1">
+            <a:lvl1pPr marL="342900" indent="-342900" algn="l" defTabSz="457200" rtl="0" eaLnBrk="1" latinLnBrk="0" hangingPunct="1">
               <a:spcBef>
-                <a:spcPct val="0"/>
+                <a:spcPct val="20000"/>
               </a:spcBef>
-              <a:buNone/>
-              <a:defRPr sz="4400" kern="1200">
+              <a:buFont typeface="Arial"/>
+              <a:buChar char="•"/>
+              <a:defRPr sz="3200" kern="1200">
                 <a:solidFill>
                   <a:schemeClr val="tx1"/>
                 </a:solidFill>
-                <a:latin typeface="+mj-lt"/>
-                <a:ea typeface="+mj-ea"/>
-                <a:cs typeface="+mj-cs"/>
+                <a:latin typeface="+mn-lt"/>
+                <a:ea typeface="+mn-ea"/>
+                <a:cs typeface="+mn-cs"/>
               </a:defRPr>
             </a:lvl1pPr>
+            <a:lvl2pPr marL="742950" indent="-285750" algn="l" defTabSz="457200" rtl="0" eaLnBrk="1" latinLnBrk="0" hangingPunct="1">
+              <a:spcBef>
+                <a:spcPct val="20000"/>
+              </a:spcBef>
+              <a:buFont typeface="Arial"/>
+              <a:buChar char="–"/>
+              <a:defRPr sz="2800" kern="1200">
+                <a:solidFill>
+                  <a:schemeClr val="tx1"/>
+                </a:solidFill>
+                <a:latin typeface="+mn-lt"/>
+                <a:ea typeface="+mn-ea"/>
+                <a:cs typeface="+mn-cs"/>
+              </a:defRPr>
+            </a:lvl2pPr>
+            <a:lvl3pPr marL="1143000" indent="-228600" algn="l" defTabSz="457200" rtl="0" eaLnBrk="1" latinLnBrk="0" hangingPunct="1">
+              <a:spcBef>
+                <a:spcPct val="20000"/>
+              </a:spcBef>
+              <a:buFont typeface="Arial"/>
+              <a:buChar char="•"/>
+              <a:defRPr sz="2400" kern="1200">
+                <a:solidFill>
+                  <a:schemeClr val="tx1"/>
+                </a:solidFill>
+                <a:latin typeface="+mn-lt"/>
+                <a:ea typeface="+mn-ea"/>
+                <a:cs typeface="+mn-cs"/>
+              </a:defRPr>
+            </a:lvl3pPr>
+            <a:lvl4pPr marL="1600200" indent="-228600" algn="l" defTabSz="457200" rtl="0" eaLnBrk="1" latinLnBrk="0" hangingPunct="1">
+              <a:spcBef>
+                <a:spcPct val="20000"/>
+              </a:spcBef>
+              <a:buFont typeface="Arial"/>
+              <a:buChar char="–"/>
+              <a:defRPr sz="2000" kern="1200">
+                <a:solidFill>
+                  <a:schemeClr val="tx1"/>
+                </a:solidFill>
+                <a:latin typeface="+mn-lt"/>
+                <a:ea typeface="+mn-ea"/>
+                <a:cs typeface="+mn-cs"/>
+              </a:defRPr>
+            </a:lvl4pPr>
+            <a:lvl5pPr marL="2057400" indent="-228600" algn="l" defTabSz="457200" rtl="0" eaLnBrk="1" latinLnBrk="0" hangingPunct="1">
+              <a:spcBef>
+                <a:spcPct val="20000"/>
+              </a:spcBef>
+              <a:buFont typeface="Arial"/>
+              <a:buChar char="»"/>
+              <a:defRPr sz="2000" kern="1200">
+                <a:solidFill>
+                  <a:schemeClr val="tx1"/>
+                </a:solidFill>
+                <a:latin typeface="+mn-lt"/>
+                <a:ea typeface="+mn-ea"/>
+                <a:cs typeface="+mn-cs"/>
+              </a:defRPr>
+            </a:lvl5pPr>
+            <a:lvl6pPr marL="2514600" indent="-228600" algn="l" defTabSz="457200" rtl="0" eaLnBrk="1" latinLnBrk="0" hangingPunct="1">
+              <a:spcBef>
+                <a:spcPct val="20000"/>
+              </a:spcBef>
+              <a:buFont typeface="Arial"/>
+              <a:buChar char="•"/>
+              <a:defRPr sz="2000" kern="1200">
+                <a:solidFill>
+                  <a:schemeClr val="tx1"/>
+                </a:solidFill>
+                <a:latin typeface="+mn-lt"/>
+                <a:ea typeface="+mn-ea"/>
+                <a:cs typeface="+mn-cs"/>
+              </a:defRPr>
+            </a:lvl6pPr>
+            <a:lvl7pPr marL="2971800" indent="-228600" algn="l" defTabSz="457200" rtl="0" eaLnBrk="1" latinLnBrk="0" hangingPunct="1">
+              <a:spcBef>
+                <a:spcPct val="20000"/>
+              </a:spcBef>
+              <a:buFont typeface="Arial"/>
+              <a:buChar char="•"/>
+              <a:defRPr sz="2000" kern="1200">
+                <a:solidFill>
+                  <a:schemeClr val="tx1"/>
+                </a:solidFill>
+                <a:latin typeface="+mn-lt"/>
+                <a:ea typeface="+mn-ea"/>
+                <a:cs typeface="+mn-cs"/>
+              </a:defRPr>
+            </a:lvl7pPr>
+            <a:lvl8pPr marL="3429000" indent="-228600" algn="l" defTabSz="457200" rtl="0" eaLnBrk="1" latinLnBrk="0" hangingPunct="1">
+              <a:spcBef>
+                <a:spcPct val="20000"/>
+              </a:spcBef>
+              <a:buFont typeface="Arial"/>
+              <a:buChar char="•"/>
+              <a:defRPr sz="2000" kern="1200">
+                <a:solidFill>
+                  <a:schemeClr val="tx1"/>
+                </a:solidFill>
+                <a:latin typeface="+mn-lt"/>
+                <a:ea typeface="+mn-ea"/>
+                <a:cs typeface="+mn-cs"/>
+              </a:defRPr>
+            </a:lvl8pPr>
+            <a:lvl9pPr marL="3886200" indent="-228600" algn="l" defTabSz="457200" rtl="0" eaLnBrk="1" latinLnBrk="0" hangingPunct="1">
+              <a:spcBef>
+                <a:spcPct val="20000"/>
+              </a:spcBef>
+              <a:buFont typeface="Arial"/>
+              <a:buChar char="•"/>
+              <a:defRPr sz="2000" kern="1200">
+                <a:solidFill>
+                  <a:schemeClr val="tx1"/>
+                </a:solidFill>
+                <a:latin typeface="+mn-lt"/>
+                <a:ea typeface="+mn-ea"/>
+                <a:cs typeface="+mn-cs"/>
+              </a:defRPr>
+            </a:lvl9pPr>
           </a:lstStyle>
           <a:p>
-            <a:pPr algn="l"/>
-            <a:r>
-              <a:rPr lang="en-US" sz="3700" u="sng" dirty="0" smtClean="0"/>
-              <a:t>Economical Feasibility</a:t>
-            </a:r>
-            <a:endParaRPr lang="en-US" sz="3700" u="sng" dirty="0"/>
-          </a:p>
-        </p:txBody>
-      </p:sp>
-      <p:sp>
-        <p:nvSpPr>
-          <p:cNvPr id="6" name="Text Placeholder 5"/>
+            <a:r>
+              <a:rPr lang="en-IN" dirty="0" smtClean="0">
+                <a:latin typeface="Times New Roman" pitchFamily="18" charset="0"/>
+                <a:cs typeface="Times New Roman" pitchFamily="18" charset="0"/>
+              </a:rPr>
+              <a:t>Requirement analysis phase of the project is in progress.</a:t>
+            </a:r>
+            <a:endParaRPr lang="en-IN" dirty="0"/>
+          </a:p>
+        </p:txBody>
+      </p:sp>
+    </p:spTree>
+    <p:extLst>
+      <p:ext uri="{BB962C8B-B14F-4D97-AF65-F5344CB8AC3E}">
+        <p14:creationId xmlns:p14="http://schemas.microsoft.com/office/powerpoint/2010/main" val="3521192348"/>
+      </p:ext>
+    </p:extLst>
+  </p:cSld>
+  <p:clrMapOvr>
+    <a:masterClrMapping/>
+  </p:clrMapOvr>
+  <p:timing>
+    <p:tnLst>
+      <p:par>
+        <p:cTn xmlns:p14="http://schemas.microsoft.com/office/powerpoint/2010/main" id="1" dur="indefinite" restart="never" nodeType="tmRoot"/>
+      </p:par>
+    </p:tnLst>
+  </p:timing>
+</p:sld>
+</file>
+
+<file path=ppt/slides/slide2.xml><?xml version="1.0" encoding="utf-8"?>
+<p:sld xmlns:a="http://schemas.openxmlformats.org/drawingml/2006/main" xmlns:r="http://schemas.openxmlformats.org/officeDocument/2006/relationships" xmlns:p="http://schemas.openxmlformats.org/presentationml/2006/main">
+  <p:cSld>
+    <p:spTree>
+      <p:nvGrpSpPr>
+        <p:cNvPr id="1" name=""/>
+        <p:cNvGrpSpPr/>
+        <p:nvPr/>
+      </p:nvGrpSpPr>
+      <p:grpSpPr>
+        <a:xfrm>
+          <a:off x="0" y="0"/>
+          <a:ext cx="0" cy="0"/>
+          <a:chOff x="0" y="0"/>
+          <a:chExt cx="0" cy="0"/>
+        </a:xfrm>
+      </p:grpSpPr>
+      <p:sp>
+        <p:nvSpPr>
+          <p:cNvPr id="4" name="Title 3"/>
+          <p:cNvSpPr>
+            <a:spLocks noGrp="1"/>
+          </p:cNvSpPr>
+          <p:nvPr>
+            <p:ph type="title"/>
+          </p:nvPr>
+        </p:nvSpPr>
+        <p:spPr/>
+        <p:txBody>
+          <a:bodyPr/>
+          <a:lstStyle/>
+          <a:p>
+            <a:r>
+              <a:rPr lang="en-US" dirty="0" smtClean="0"/>
+              <a:t>INTRODUCTION</a:t>
+            </a:r>
+            <a:endParaRPr lang="en-US" dirty="0"/>
+          </a:p>
+        </p:txBody>
+      </p:sp>
+      <p:sp>
+        <p:nvSpPr>
+          <p:cNvPr id="2" name="TextBox 1"/>
+          <p:cNvSpPr txBox="1"/>
+          <p:nvPr/>
+        </p:nvSpPr>
+        <p:spPr>
+          <a:xfrm>
+            <a:off x="457200" y="1841500"/>
+            <a:ext cx="8229600" cy="4031873"/>
+          </a:xfrm>
+          <a:prstGeom prst="rect">
+            <a:avLst/>
+          </a:prstGeom>
+          <a:noFill/>
+        </p:spPr>
+        <p:txBody>
+          <a:bodyPr wrap="square" rtlCol="0">
+            <a:spAutoFit/>
+          </a:bodyPr>
+          <a:lstStyle/>
+          <a:p>
+            <a:pPr marL="285750" indent="-285750">
+              <a:buFontTx/>
+              <a:buChar char="•"/>
+            </a:pPr>
+            <a:r>
+              <a:rPr lang="en-US" sz="3200" dirty="0" smtClean="0"/>
+              <a:t>Tourism is A major asset to any country’s economic wealth.</a:t>
+            </a:r>
+          </a:p>
+          <a:p>
+            <a:pPr marL="285750" indent="-285750">
+              <a:buFontTx/>
+              <a:buChar char="•"/>
+            </a:pPr>
+            <a:endParaRPr lang="en-US" sz="3200" dirty="0" smtClean="0"/>
+          </a:p>
+          <a:p>
+            <a:pPr marL="285750" indent="-285750">
+              <a:buFontTx/>
+              <a:buChar char="•"/>
+            </a:pPr>
+            <a:r>
+              <a:rPr lang="en-US" sz="3200" dirty="0" smtClean="0"/>
+              <a:t>It helps share culture and tradition in a global scale.</a:t>
+            </a:r>
+          </a:p>
+          <a:p>
+            <a:pPr marL="285750" indent="-285750">
+              <a:buFontTx/>
+              <a:buChar char="•"/>
+            </a:pPr>
+            <a:endParaRPr lang="en-US" sz="3200" dirty="0" smtClean="0"/>
+          </a:p>
+          <a:p>
+            <a:pPr marL="285750" indent="-285750">
+              <a:buFontTx/>
+              <a:buChar char="•"/>
+            </a:pPr>
+            <a:r>
+              <a:rPr lang="en-US" sz="3200" dirty="0" smtClean="0"/>
+              <a:t>It enhances the social being of the human race.</a:t>
+            </a:r>
+            <a:endParaRPr lang="en-US" sz="3200" dirty="0"/>
+          </a:p>
+        </p:txBody>
+      </p:sp>
+    </p:spTree>
+    <p:extLst>
+      <p:ext uri="{BB962C8B-B14F-4D97-AF65-F5344CB8AC3E}">
+        <p14:creationId xmlns:p14="http://schemas.microsoft.com/office/powerpoint/2010/main" val="920313806"/>
+      </p:ext>
+    </p:extLst>
+  </p:cSld>
+  <p:clrMapOvr>
+    <a:masterClrMapping/>
+  </p:clrMapOvr>
+  <p:timing>
+    <p:tnLst>
+      <p:par>
+        <p:cTn xmlns:p14="http://schemas.microsoft.com/office/powerpoint/2010/main" id="1" dur="indefinite" restart="never" nodeType="tmRoot"/>
+      </p:par>
+    </p:tnLst>
+  </p:timing>
+</p:sld>
+</file>
+
+<file path=ppt/slides/slide20.xml><?xml version="1.0" encoding="utf-8"?>
+<p:sld xmlns:a="http://schemas.openxmlformats.org/drawingml/2006/main" xmlns:r="http://schemas.openxmlformats.org/officeDocument/2006/relationships" xmlns:p="http://schemas.openxmlformats.org/presentationml/2006/main">
+  <p:cSld>
+    <p:spTree>
+      <p:nvGrpSpPr>
+        <p:cNvPr id="1" name=""/>
+        <p:cNvGrpSpPr/>
+        <p:nvPr/>
+      </p:nvGrpSpPr>
+      <p:grpSpPr>
+        <a:xfrm>
+          <a:off x="0" y="0"/>
+          <a:ext cx="0" cy="0"/>
+          <a:chOff x="0" y="0"/>
+          <a:chExt cx="0" cy="0"/>
+        </a:xfrm>
+      </p:grpSpPr>
+      <p:sp>
+        <p:nvSpPr>
+          <p:cNvPr id="4" name="Title 3"/>
+          <p:cNvSpPr>
+            <a:spLocks noGrp="1"/>
+          </p:cNvSpPr>
+          <p:nvPr>
+            <p:ph type="title"/>
+          </p:nvPr>
+        </p:nvSpPr>
+        <p:spPr>
+          <a:xfrm>
+            <a:off x="457200" y="2871863"/>
+            <a:ext cx="8229600" cy="1143000"/>
+          </a:xfrm>
+        </p:spPr>
+        <p:txBody>
+          <a:bodyPr>
+            <a:normAutofit/>
+          </a:bodyPr>
+          <a:lstStyle/>
+          <a:p>
+            <a:r>
+              <a:rPr lang="en-US" dirty="0" smtClean="0"/>
+              <a:t>THANK YOU</a:t>
+            </a:r>
+            <a:endParaRPr lang="en-US" dirty="0"/>
+          </a:p>
+        </p:txBody>
+      </p:sp>
+    </p:spTree>
+    <p:extLst>
+      <p:ext uri="{BB962C8B-B14F-4D97-AF65-F5344CB8AC3E}">
+        <p14:creationId xmlns:p14="http://schemas.microsoft.com/office/powerpoint/2010/main" val="1576779227"/>
+      </p:ext>
+    </p:extLst>
+  </p:cSld>
+  <p:clrMapOvr>
+    <a:masterClrMapping/>
+  </p:clrMapOvr>
+  <p:timing>
+    <p:tnLst>
+      <p:par>
+        <p:cTn xmlns:p14="http://schemas.microsoft.com/office/powerpoint/2010/main" id="1" dur="indefinite" restart="never" nodeType="tmRoot"/>
+      </p:par>
+    </p:tnLst>
+  </p:timing>
+</p:sld>
+</file>
+
+<file path=ppt/slides/slide3.xml><?xml version="1.0" encoding="utf-8"?>
+<p:sld xmlns:a="http://schemas.openxmlformats.org/drawingml/2006/main" xmlns:r="http://schemas.openxmlformats.org/officeDocument/2006/relationships" xmlns:p="http://schemas.openxmlformats.org/presentationml/2006/main">
+  <p:cSld>
+    <p:spTree>
+      <p:nvGrpSpPr>
+        <p:cNvPr id="1" name=""/>
+        <p:cNvGrpSpPr/>
+        <p:nvPr/>
+      </p:nvGrpSpPr>
+      <p:grpSpPr>
+        <a:xfrm>
+          <a:off x="0" y="0"/>
+          <a:ext cx="0" cy="0"/>
+          <a:chOff x="0" y="0"/>
+          <a:chExt cx="0" cy="0"/>
+        </a:xfrm>
+      </p:grpSpPr>
+      <p:sp>
+        <p:nvSpPr>
+          <p:cNvPr id="4" name="Title 3"/>
+          <p:cNvSpPr>
+            <a:spLocks noGrp="1"/>
+          </p:cNvSpPr>
+          <p:nvPr>
+            <p:ph type="title"/>
+          </p:nvPr>
+        </p:nvSpPr>
+        <p:spPr>
+          <a:xfrm>
+            <a:off x="457200" y="307198"/>
+            <a:ext cx="8229600" cy="1143000"/>
+          </a:xfrm>
+        </p:spPr>
+        <p:txBody>
+          <a:bodyPr/>
+          <a:lstStyle/>
+          <a:p>
+            <a:r>
+              <a:rPr lang="en-US" dirty="0" smtClean="0"/>
+              <a:t>OBJECTIVE OF THE PROJECT</a:t>
+            </a:r>
+            <a:endParaRPr lang="en-US" dirty="0"/>
+          </a:p>
+        </p:txBody>
+      </p:sp>
+      <p:sp>
+        <p:nvSpPr>
+          <p:cNvPr id="3" name="TextBox 2"/>
+          <p:cNvSpPr txBox="1"/>
+          <p:nvPr/>
+        </p:nvSpPr>
+        <p:spPr>
+          <a:xfrm>
+            <a:off x="457200" y="1874060"/>
+            <a:ext cx="8229600" cy="5016757"/>
+          </a:xfrm>
+          <a:prstGeom prst="rect">
+            <a:avLst/>
+          </a:prstGeom>
+          <a:noFill/>
+        </p:spPr>
+        <p:txBody>
+          <a:bodyPr wrap="square" rtlCol="0">
+            <a:spAutoFit/>
+          </a:bodyPr>
+          <a:lstStyle/>
+          <a:p>
+            <a:pPr marL="285750" indent="-285750">
+              <a:buFontTx/>
+              <a:buChar char="•"/>
+            </a:pPr>
+            <a:r>
+              <a:rPr lang="en-US" sz="3200" dirty="0" smtClean="0"/>
+              <a:t>To bridge the gap between tourist and tourism places.</a:t>
+            </a:r>
+          </a:p>
+          <a:p>
+            <a:pPr marL="285750" indent="-285750">
+              <a:buFontTx/>
+              <a:buChar char="•"/>
+            </a:pPr>
+            <a:endParaRPr lang="en-US" sz="3200" dirty="0" smtClean="0"/>
+          </a:p>
+          <a:p>
+            <a:pPr marL="285750" indent="-285750">
+              <a:buFontTx/>
+              <a:buChar char="•"/>
+            </a:pPr>
+            <a:r>
+              <a:rPr lang="en-US" sz="3200" dirty="0" smtClean="0"/>
+              <a:t>To over come the language barrier which is been a great issue for travellers.</a:t>
+            </a:r>
+          </a:p>
+          <a:p>
+            <a:pPr marL="285750" indent="-285750">
+              <a:buFontTx/>
+              <a:buChar char="•"/>
+            </a:pPr>
+            <a:endParaRPr lang="en-US" sz="3200" dirty="0"/>
+          </a:p>
+          <a:p>
+            <a:pPr marL="285750" indent="-285750">
+              <a:buFontTx/>
+              <a:buChar char="•"/>
+            </a:pPr>
+            <a:r>
+              <a:rPr lang="en-US" sz="3200" dirty="0" smtClean="0"/>
+              <a:t>It provides the history to give the full insight of the place.</a:t>
+            </a:r>
+          </a:p>
+          <a:p>
+            <a:pPr marL="285750" indent="-285750">
+              <a:buFontTx/>
+              <a:buChar char="•"/>
+            </a:pPr>
+            <a:endParaRPr lang="en-US" sz="3200" dirty="0" smtClean="0"/>
+          </a:p>
+          <a:p>
+            <a:pPr marL="285750" indent="-285750">
+              <a:buFontTx/>
+              <a:buChar char="•"/>
+            </a:pPr>
+            <a:endParaRPr lang="en-US" sz="3200" dirty="0" smtClean="0"/>
+          </a:p>
+        </p:txBody>
+      </p:sp>
+    </p:spTree>
+    <p:extLst>
+      <p:ext uri="{BB962C8B-B14F-4D97-AF65-F5344CB8AC3E}">
+        <p14:creationId xmlns:p14="http://schemas.microsoft.com/office/powerpoint/2010/main" val="1234136891"/>
+      </p:ext>
+    </p:extLst>
+  </p:cSld>
+  <p:clrMapOvr>
+    <a:masterClrMapping/>
+  </p:clrMapOvr>
+  <p:timing>
+    <p:tnLst>
+      <p:par>
+        <p:cTn xmlns:p14="http://schemas.microsoft.com/office/powerpoint/2010/main" id="1" dur="indefinite" restart="never" nodeType="tmRoot"/>
+      </p:par>
+    </p:tnLst>
+  </p:timing>
+</p:sld>
+</file>
+
+<file path=ppt/slides/slide4.xml><?xml version="1.0" encoding="utf-8"?>
+<p:sld xmlns:a="http://schemas.openxmlformats.org/drawingml/2006/main" xmlns:r="http://schemas.openxmlformats.org/officeDocument/2006/relationships" xmlns:p="http://schemas.openxmlformats.org/presentationml/2006/main">
+  <p:cSld>
+    <p:spTree>
+      <p:nvGrpSpPr>
+        <p:cNvPr id="1" name=""/>
+        <p:cNvGrpSpPr/>
+        <p:nvPr/>
+      </p:nvGrpSpPr>
+      <p:grpSpPr>
+        <a:xfrm>
+          <a:off x="0" y="0"/>
+          <a:ext cx="0" cy="0"/>
+          <a:chOff x="0" y="0"/>
+          <a:chExt cx="0" cy="0"/>
+        </a:xfrm>
+      </p:grpSpPr>
+      <p:sp>
+        <p:nvSpPr>
+          <p:cNvPr id="4" name="Title 3"/>
+          <p:cNvSpPr>
+            <a:spLocks noGrp="1"/>
+          </p:cNvSpPr>
+          <p:nvPr>
+            <p:ph type="title"/>
+          </p:nvPr>
+        </p:nvSpPr>
+        <p:spPr/>
+        <p:txBody>
+          <a:bodyPr>
+            <a:normAutofit/>
+          </a:bodyPr>
+          <a:lstStyle/>
+          <a:p>
+            <a:r>
+              <a:rPr lang="en-US" dirty="0" smtClean="0"/>
+              <a:t>PROPOSED SYSTEM</a:t>
+            </a:r>
+            <a:endParaRPr lang="en-US" dirty="0"/>
+          </a:p>
+        </p:txBody>
+      </p:sp>
+      <p:sp>
+        <p:nvSpPr>
+          <p:cNvPr id="3" name="TextBox 2"/>
+          <p:cNvSpPr txBox="1"/>
+          <p:nvPr/>
+        </p:nvSpPr>
+        <p:spPr>
+          <a:xfrm>
+            <a:off x="457200" y="1841500"/>
+            <a:ext cx="8229600" cy="5509200"/>
+          </a:xfrm>
+          <a:prstGeom prst="rect">
+            <a:avLst/>
+          </a:prstGeom>
+          <a:noFill/>
+        </p:spPr>
+        <p:txBody>
+          <a:bodyPr wrap="square" rtlCol="0">
+            <a:spAutoFit/>
+          </a:bodyPr>
+          <a:lstStyle/>
+          <a:p>
+            <a:pPr marL="285750" indent="-285750">
+              <a:buFontTx/>
+              <a:buChar char="•"/>
+            </a:pPr>
+            <a:r>
+              <a:rPr lang="en-US" sz="3200" dirty="0" smtClean="0"/>
+              <a:t>Start to end step-by-step guide.</a:t>
+            </a:r>
+          </a:p>
+          <a:p>
+            <a:pPr marL="285750" indent="-285750">
+              <a:buFontTx/>
+              <a:buChar char="•"/>
+            </a:pPr>
+            <a:endParaRPr lang="en-US" sz="3200" dirty="0" smtClean="0"/>
+          </a:p>
+          <a:p>
+            <a:pPr marL="285750" indent="-285750">
+              <a:buFontTx/>
+              <a:buChar char="•"/>
+            </a:pPr>
+            <a:r>
+              <a:rPr lang="en-US" sz="3200" dirty="0" smtClean="0"/>
+              <a:t>Guide places through augmented reality and map navigation.</a:t>
+            </a:r>
+          </a:p>
+          <a:p>
+            <a:pPr marL="285750" indent="-285750">
+              <a:buFontTx/>
+              <a:buChar char="•"/>
+            </a:pPr>
+            <a:endParaRPr lang="en-US" sz="3200" dirty="0" smtClean="0"/>
+          </a:p>
+          <a:p>
+            <a:pPr marL="285750" indent="-285750">
+              <a:buFontTx/>
+              <a:buChar char="•"/>
+            </a:pPr>
+            <a:r>
+              <a:rPr lang="en-US" sz="3200" dirty="0" smtClean="0"/>
+              <a:t>Suggestions recommended based on user interest.</a:t>
+            </a:r>
+          </a:p>
+          <a:p>
+            <a:pPr marL="285750" indent="-285750">
+              <a:buFontTx/>
+              <a:buChar char="•"/>
+            </a:pPr>
+            <a:endParaRPr lang="en-US" sz="3200" dirty="0" smtClean="0"/>
+          </a:p>
+          <a:p>
+            <a:pPr marL="285750" indent="-285750">
+              <a:buFontTx/>
+              <a:buChar char="•"/>
+            </a:pPr>
+            <a:r>
+              <a:rPr lang="en-US" sz="3200" dirty="0" smtClean="0"/>
+              <a:t>OCR help to break the language barrier.</a:t>
+            </a:r>
+          </a:p>
+          <a:p>
+            <a:pPr marL="285750" indent="-285750">
+              <a:buFontTx/>
+              <a:buChar char="•"/>
+            </a:pPr>
+            <a:endParaRPr lang="en-US" sz="3200" dirty="0" smtClean="0"/>
+          </a:p>
+          <a:p>
+            <a:pPr marL="285750" indent="-285750">
+              <a:buFontTx/>
+              <a:buChar char="•"/>
+            </a:pPr>
+            <a:endParaRPr lang="en-US" sz="3200" dirty="0"/>
+          </a:p>
+        </p:txBody>
+      </p:sp>
+    </p:spTree>
+    <p:extLst>
+      <p:ext uri="{BB962C8B-B14F-4D97-AF65-F5344CB8AC3E}">
+        <p14:creationId xmlns:p14="http://schemas.microsoft.com/office/powerpoint/2010/main" val="3387159888"/>
+      </p:ext>
+    </p:extLst>
+  </p:cSld>
+  <p:clrMapOvr>
+    <a:masterClrMapping/>
+  </p:clrMapOvr>
+  <p:timing>
+    <p:tnLst>
+      <p:par>
+        <p:cTn xmlns:p14="http://schemas.microsoft.com/office/powerpoint/2010/main" id="1" dur="indefinite" restart="never" nodeType="tmRoot"/>
+      </p:par>
+    </p:tnLst>
+  </p:timing>
+</p:sld>
+</file>
+
+<file path=ppt/slides/slide5.xml><?xml version="1.0" encoding="utf-8"?>
+<p:sld xmlns:a="http://schemas.openxmlformats.org/drawingml/2006/main" xmlns:r="http://schemas.openxmlformats.org/officeDocument/2006/relationships" xmlns:p="http://schemas.openxmlformats.org/presentationml/2006/main">
+  <p:cSld>
+    <p:spTree>
+      <p:nvGrpSpPr>
+        <p:cNvPr id="1" name=""/>
+        <p:cNvGrpSpPr/>
+        <p:nvPr/>
+      </p:nvGrpSpPr>
+      <p:grpSpPr>
+        <a:xfrm>
+          <a:off x="0" y="0"/>
+          <a:ext cx="0" cy="0"/>
+          <a:chOff x="0" y="0"/>
+          <a:chExt cx="0" cy="0"/>
+        </a:xfrm>
+      </p:grpSpPr>
+      <p:sp>
+        <p:nvSpPr>
+          <p:cNvPr id="4" name="Title 3"/>
+          <p:cNvSpPr>
+            <a:spLocks noGrp="1"/>
+          </p:cNvSpPr>
+          <p:nvPr>
+            <p:ph type="title"/>
+          </p:nvPr>
+        </p:nvSpPr>
+        <p:spPr/>
+        <p:txBody>
+          <a:bodyPr>
+            <a:normAutofit/>
+          </a:bodyPr>
+          <a:lstStyle/>
+          <a:p>
+            <a:r>
+              <a:rPr lang="en-US" dirty="0" smtClean="0"/>
+              <a:t>FUNTIONAL REQUIREMENTS</a:t>
+            </a:r>
+            <a:endParaRPr lang="en-US" dirty="0"/>
+          </a:p>
+        </p:txBody>
+      </p:sp>
+      <p:sp>
+        <p:nvSpPr>
+          <p:cNvPr id="3" name="Content Placeholder 2"/>
           <p:cNvSpPr txBox="1">
             <a:spLocks/>
           </p:cNvSpPr>
@@ -3433,8 +5908,278 @@
         </p:nvSpPr>
         <p:spPr>
           <a:xfrm>
-            <a:off x="254681" y="2152651"/>
-            <a:ext cx="8730569" cy="4419599"/>
+            <a:off x="457200" y="1600200"/>
+            <a:ext cx="7467600" cy="4873752"/>
+          </a:xfrm>
+          <a:prstGeom prst="rect">
+            <a:avLst/>
+          </a:prstGeom>
+        </p:spPr>
+        <p:txBody>
+          <a:bodyPr anchor="t" anchorCtr="1">
+            <a:normAutofit/>
+          </a:bodyPr>
+          <a:lstStyle>
+            <a:lvl1pPr marL="342900" indent="-342900" algn="l" defTabSz="457200" rtl="0" eaLnBrk="1" latinLnBrk="0" hangingPunct="1">
+              <a:spcBef>
+                <a:spcPct val="20000"/>
+              </a:spcBef>
+              <a:buFont typeface="Arial"/>
+              <a:buChar char="•"/>
+              <a:defRPr sz="3200" kern="1200">
+                <a:solidFill>
+                  <a:schemeClr val="tx1"/>
+                </a:solidFill>
+                <a:latin typeface="+mn-lt"/>
+                <a:ea typeface="+mn-ea"/>
+                <a:cs typeface="+mn-cs"/>
+              </a:defRPr>
+            </a:lvl1pPr>
+            <a:lvl2pPr marL="742950" indent="-285750" algn="l" defTabSz="457200" rtl="0" eaLnBrk="1" latinLnBrk="0" hangingPunct="1">
+              <a:spcBef>
+                <a:spcPct val="20000"/>
+              </a:spcBef>
+              <a:buFont typeface="Arial"/>
+              <a:buChar char="–"/>
+              <a:defRPr sz="2800" kern="1200">
+                <a:solidFill>
+                  <a:schemeClr val="tx1"/>
+                </a:solidFill>
+                <a:latin typeface="+mn-lt"/>
+                <a:ea typeface="+mn-ea"/>
+                <a:cs typeface="+mn-cs"/>
+              </a:defRPr>
+            </a:lvl2pPr>
+            <a:lvl3pPr marL="1143000" indent="-228600" algn="l" defTabSz="457200" rtl="0" eaLnBrk="1" latinLnBrk="0" hangingPunct="1">
+              <a:spcBef>
+                <a:spcPct val="20000"/>
+              </a:spcBef>
+              <a:buFont typeface="Arial"/>
+              <a:buChar char="•"/>
+              <a:defRPr sz="2400" kern="1200">
+                <a:solidFill>
+                  <a:schemeClr val="tx1"/>
+                </a:solidFill>
+                <a:latin typeface="+mn-lt"/>
+                <a:ea typeface="+mn-ea"/>
+                <a:cs typeface="+mn-cs"/>
+              </a:defRPr>
+            </a:lvl3pPr>
+            <a:lvl4pPr marL="1600200" indent="-228600" algn="l" defTabSz="457200" rtl="0" eaLnBrk="1" latinLnBrk="0" hangingPunct="1">
+              <a:spcBef>
+                <a:spcPct val="20000"/>
+              </a:spcBef>
+              <a:buFont typeface="Arial"/>
+              <a:buChar char="–"/>
+              <a:defRPr sz="2000" kern="1200">
+                <a:solidFill>
+                  <a:schemeClr val="tx1"/>
+                </a:solidFill>
+                <a:latin typeface="+mn-lt"/>
+                <a:ea typeface="+mn-ea"/>
+                <a:cs typeface="+mn-cs"/>
+              </a:defRPr>
+            </a:lvl4pPr>
+            <a:lvl5pPr marL="2057400" indent="-228600" algn="l" defTabSz="457200" rtl="0" eaLnBrk="1" latinLnBrk="0" hangingPunct="1">
+              <a:spcBef>
+                <a:spcPct val="20000"/>
+              </a:spcBef>
+              <a:buFont typeface="Arial"/>
+              <a:buChar char="»"/>
+              <a:defRPr sz="2000" kern="1200">
+                <a:solidFill>
+                  <a:schemeClr val="tx1"/>
+                </a:solidFill>
+                <a:latin typeface="+mn-lt"/>
+                <a:ea typeface="+mn-ea"/>
+                <a:cs typeface="+mn-cs"/>
+              </a:defRPr>
+            </a:lvl5pPr>
+            <a:lvl6pPr marL="2514600" indent="-228600" algn="l" defTabSz="457200" rtl="0" eaLnBrk="1" latinLnBrk="0" hangingPunct="1">
+              <a:spcBef>
+                <a:spcPct val="20000"/>
+              </a:spcBef>
+              <a:buFont typeface="Arial"/>
+              <a:buChar char="•"/>
+              <a:defRPr sz="2000" kern="1200">
+                <a:solidFill>
+                  <a:schemeClr val="tx1"/>
+                </a:solidFill>
+                <a:latin typeface="+mn-lt"/>
+                <a:ea typeface="+mn-ea"/>
+                <a:cs typeface="+mn-cs"/>
+              </a:defRPr>
+            </a:lvl6pPr>
+            <a:lvl7pPr marL="2971800" indent="-228600" algn="l" defTabSz="457200" rtl="0" eaLnBrk="1" latinLnBrk="0" hangingPunct="1">
+              <a:spcBef>
+                <a:spcPct val="20000"/>
+              </a:spcBef>
+              <a:buFont typeface="Arial"/>
+              <a:buChar char="•"/>
+              <a:defRPr sz="2000" kern="1200">
+                <a:solidFill>
+                  <a:schemeClr val="tx1"/>
+                </a:solidFill>
+                <a:latin typeface="+mn-lt"/>
+                <a:ea typeface="+mn-ea"/>
+                <a:cs typeface="+mn-cs"/>
+              </a:defRPr>
+            </a:lvl7pPr>
+            <a:lvl8pPr marL="3429000" indent="-228600" algn="l" defTabSz="457200" rtl="0" eaLnBrk="1" latinLnBrk="0" hangingPunct="1">
+              <a:spcBef>
+                <a:spcPct val="20000"/>
+              </a:spcBef>
+              <a:buFont typeface="Arial"/>
+              <a:buChar char="•"/>
+              <a:defRPr sz="2000" kern="1200">
+                <a:solidFill>
+                  <a:schemeClr val="tx1"/>
+                </a:solidFill>
+                <a:latin typeface="+mn-lt"/>
+                <a:ea typeface="+mn-ea"/>
+                <a:cs typeface="+mn-cs"/>
+              </a:defRPr>
+            </a:lvl8pPr>
+            <a:lvl9pPr marL="3886200" indent="-228600" algn="l" defTabSz="457200" rtl="0" eaLnBrk="1" latinLnBrk="0" hangingPunct="1">
+              <a:spcBef>
+                <a:spcPct val="20000"/>
+              </a:spcBef>
+              <a:buFont typeface="Arial"/>
+              <a:buChar char="•"/>
+              <a:defRPr sz="2000" kern="1200">
+                <a:solidFill>
+                  <a:schemeClr val="tx1"/>
+                </a:solidFill>
+                <a:latin typeface="+mn-lt"/>
+                <a:ea typeface="+mn-ea"/>
+                <a:cs typeface="+mn-cs"/>
+              </a:defRPr>
+            </a:lvl9pPr>
+          </a:lstStyle>
+          <a:p>
+            <a:r>
+              <a:rPr lang="en-US" dirty="0" smtClean="0">
+                <a:latin typeface="Times New Roman" pitchFamily="18" charset="0"/>
+                <a:cs typeface="Times New Roman" pitchFamily="18" charset="0"/>
+              </a:rPr>
+              <a:t>Functional requirements identifies the necessary tasks to be accomplished.</a:t>
+            </a:r>
+          </a:p>
+          <a:p>
+            <a:r>
+              <a:rPr lang="en-US" dirty="0" smtClean="0">
+                <a:latin typeface="Times New Roman" pitchFamily="18" charset="0"/>
+                <a:cs typeface="Times New Roman" pitchFamily="18" charset="0"/>
+              </a:rPr>
+              <a:t>The functional requirements of our project includes  </a:t>
+            </a:r>
+          </a:p>
+          <a:p>
+            <a:pPr lvl="1"/>
+            <a:r>
+              <a:rPr lang="en-US" dirty="0" smtClean="0">
+                <a:latin typeface="Times New Roman" pitchFamily="18" charset="0"/>
+                <a:cs typeface="Times New Roman" pitchFamily="18" charset="0"/>
+              </a:rPr>
+              <a:t>Users availability of time.</a:t>
+            </a:r>
+          </a:p>
+          <a:p>
+            <a:pPr lvl="1"/>
+            <a:r>
+              <a:rPr lang="en-US" dirty="0" smtClean="0">
+                <a:latin typeface="Times New Roman" pitchFamily="18" charset="0"/>
+                <a:cs typeface="Times New Roman" pitchFamily="18" charset="0"/>
+              </a:rPr>
+              <a:t>His/her starting and ending destination.</a:t>
+            </a:r>
+          </a:p>
+          <a:p>
+            <a:pPr lvl="1"/>
+            <a:r>
+              <a:rPr lang="en-US" dirty="0" smtClean="0">
+                <a:latin typeface="Times New Roman" pitchFamily="18" charset="0"/>
+                <a:cs typeface="Times New Roman" pitchFamily="18" charset="0"/>
+              </a:rPr>
+              <a:t>Users choice of places to visit.</a:t>
+            </a:r>
+          </a:p>
+        </p:txBody>
+      </p:sp>
+    </p:spTree>
+    <p:extLst>
+      <p:ext uri="{BB962C8B-B14F-4D97-AF65-F5344CB8AC3E}">
+        <p14:creationId xmlns:p14="http://schemas.microsoft.com/office/powerpoint/2010/main" val="1079774974"/>
+      </p:ext>
+    </p:extLst>
+  </p:cSld>
+  <p:clrMapOvr>
+    <a:masterClrMapping/>
+  </p:clrMapOvr>
+  <p:timing>
+    <p:tnLst>
+      <p:par>
+        <p:cTn xmlns:p14="http://schemas.microsoft.com/office/powerpoint/2010/main" id="1" dur="indefinite" restart="never" nodeType="tmRoot"/>
+      </p:par>
+    </p:tnLst>
+  </p:timing>
+</p:sld>
+</file>
+
+<file path=ppt/slides/slide6.xml><?xml version="1.0" encoding="utf-8"?>
+<p:sld xmlns:a="http://schemas.openxmlformats.org/drawingml/2006/main" xmlns:r="http://schemas.openxmlformats.org/officeDocument/2006/relationships" xmlns:p="http://schemas.openxmlformats.org/presentationml/2006/main">
+  <p:cSld>
+    <p:spTree>
+      <p:nvGrpSpPr>
+        <p:cNvPr id="1" name=""/>
+        <p:cNvGrpSpPr/>
+        <p:nvPr/>
+      </p:nvGrpSpPr>
+      <p:grpSpPr>
+        <a:xfrm>
+          <a:off x="0" y="0"/>
+          <a:ext cx="0" cy="0"/>
+          <a:chOff x="0" y="0"/>
+          <a:chExt cx="0" cy="0"/>
+        </a:xfrm>
+      </p:grpSpPr>
+      <p:sp>
+        <p:nvSpPr>
+          <p:cNvPr id="4" name="Title 3"/>
+          <p:cNvSpPr>
+            <a:spLocks noGrp="1"/>
+          </p:cNvSpPr>
+          <p:nvPr>
+            <p:ph type="title"/>
+          </p:nvPr>
+        </p:nvSpPr>
+        <p:spPr/>
+        <p:txBody>
+          <a:bodyPr>
+            <a:normAutofit/>
+          </a:bodyPr>
+          <a:lstStyle/>
+          <a:p>
+            <a:r>
+              <a:rPr lang="en-US" dirty="0" smtClean="0"/>
+              <a:t>NON - FUNTIONAL REQUIREMENTS</a:t>
+            </a:r>
+            <a:endParaRPr lang="en-US" dirty="0"/>
+          </a:p>
+        </p:txBody>
+      </p:sp>
+      <p:sp>
+        <p:nvSpPr>
+          <p:cNvPr id="3" name="Text Placeholder 5"/>
+          <p:cNvSpPr txBox="1">
+            <a:spLocks/>
+          </p:cNvSpPr>
+          <p:nvPr/>
+        </p:nvSpPr>
+        <p:spPr>
+          <a:xfrm>
+            <a:off x="268288" y="1503363"/>
+            <a:ext cx="8653462" cy="4973637"/>
           </a:xfrm>
           <a:prstGeom prst="rect">
             <a:avLst/>
@@ -3582,1633 +6327,6 @@
             </a:lvl9pPr>
           </a:lstStyle>
           <a:p>
-            <a:r>
-              <a:rPr lang="en-IN" smtClean="0">
-                <a:latin typeface="Times New Roman" pitchFamily="18" charset="0"/>
-                <a:cs typeface="Times New Roman" pitchFamily="18" charset="0"/>
-              </a:rPr>
-              <a:t>The development of this application is highly economically feasible since it uses the open source softwares for development. </a:t>
-            </a:r>
-          </a:p>
-          <a:p>
-            <a:endParaRPr lang="en-US" smtClean="0">
-              <a:latin typeface="Times New Roman" pitchFamily="18" charset="0"/>
-              <a:cs typeface="Times New Roman" pitchFamily="18" charset="0"/>
-            </a:endParaRPr>
-          </a:p>
-          <a:p>
-            <a:r>
-              <a:rPr lang="en-US" smtClean="0">
-                <a:latin typeface="Times New Roman" pitchFamily="18" charset="0"/>
-                <a:cs typeface="Times New Roman" pitchFamily="18" charset="0"/>
-              </a:rPr>
-              <a:t>The deployment of the app is nearly zero cost since it is build up on the android platform. </a:t>
-            </a:r>
-          </a:p>
-          <a:p>
-            <a:endParaRPr lang="en-US" smtClean="0">
-              <a:latin typeface="Times New Roman" pitchFamily="18" charset="0"/>
-              <a:cs typeface="Times New Roman" pitchFamily="18" charset="0"/>
-            </a:endParaRPr>
-          </a:p>
-          <a:p>
-            <a:r>
-              <a:rPr lang="en-US" smtClean="0">
-                <a:latin typeface="Times New Roman" pitchFamily="18" charset="0"/>
-                <a:cs typeface="Times New Roman" pitchFamily="18" charset="0"/>
-              </a:rPr>
-              <a:t>The cost for data transfer over the internet varies among the users according to their data plans.</a:t>
-            </a:r>
-          </a:p>
-          <a:p>
-            <a:endParaRPr lang="en-IN" dirty="0">
-              <a:latin typeface="Times New Roman" pitchFamily="18" charset="0"/>
-              <a:cs typeface="Times New Roman" pitchFamily="18" charset="0"/>
-            </a:endParaRPr>
-          </a:p>
-        </p:txBody>
-      </p:sp>
-    </p:spTree>
-    <p:extLst>
-      <p:ext uri="{BB962C8B-B14F-4D97-AF65-F5344CB8AC3E}">
-        <p14:creationId xmlns:p14="http://schemas.microsoft.com/office/powerpoint/2010/main" val="2704337822"/>
-      </p:ext>
-    </p:extLst>
-  </p:cSld>
-  <p:clrMapOvr>
-    <a:masterClrMapping/>
-  </p:clrMapOvr>
-  <p:timing>
-    <p:tnLst>
-      <p:par>
-        <p:cTn xmlns:p14="http://schemas.microsoft.com/office/powerpoint/2010/main" id="1" dur="indefinite" restart="never" nodeType="tmRoot"/>
-      </p:par>
-    </p:tnLst>
-  </p:timing>
-</p:sld>
-</file>
-
-<file path=ppt/slides/slide11.xml><?xml version="1.0" encoding="utf-8"?>
-<p:sld xmlns:a="http://schemas.openxmlformats.org/drawingml/2006/main" xmlns:r="http://schemas.openxmlformats.org/officeDocument/2006/relationships" xmlns:p="http://schemas.openxmlformats.org/presentationml/2006/main">
-  <p:cSld>
-    <p:spTree>
-      <p:nvGrpSpPr>
-        <p:cNvPr id="1" name=""/>
-        <p:cNvGrpSpPr/>
-        <p:nvPr/>
-      </p:nvGrpSpPr>
-      <p:grpSpPr>
-        <a:xfrm>
-          <a:off x="0" y="0"/>
-          <a:ext cx="0" cy="0"/>
-          <a:chOff x="0" y="0"/>
-          <a:chExt cx="0" cy="0"/>
-        </a:xfrm>
-      </p:grpSpPr>
-      <p:sp>
-        <p:nvSpPr>
-          <p:cNvPr id="4" name="Title 3"/>
-          <p:cNvSpPr>
-            <a:spLocks noGrp="1"/>
-          </p:cNvSpPr>
-          <p:nvPr>
-            <p:ph type="title"/>
-          </p:nvPr>
-        </p:nvSpPr>
-        <p:spPr/>
-        <p:txBody>
-          <a:bodyPr>
-            <a:normAutofit/>
-          </a:bodyPr>
-          <a:lstStyle/>
-          <a:p>
-            <a:r>
-              <a:rPr lang="en-US" dirty="0" smtClean="0"/>
-              <a:t>FEASIBILITY STUDY</a:t>
-            </a:r>
-            <a:endParaRPr lang="en-US" dirty="0"/>
-          </a:p>
-        </p:txBody>
-      </p:sp>
-      <p:sp>
-        <p:nvSpPr>
-          <p:cNvPr id="3" name="Title 1"/>
-          <p:cNvSpPr txBox="1">
-            <a:spLocks/>
-          </p:cNvSpPr>
-          <p:nvPr/>
-        </p:nvSpPr>
-        <p:spPr>
-          <a:xfrm>
-            <a:off x="0" y="1417638"/>
-            <a:ext cx="4054050" cy="660340"/>
-          </a:xfrm>
-          <a:prstGeom prst="rect">
-            <a:avLst/>
-          </a:prstGeom>
-        </p:spPr>
-        <p:txBody>
-          <a:bodyPr vert="horz" lIns="91440" tIns="45720" rIns="91440" bIns="45720" rtlCol="0" anchor="ctr">
-            <a:normAutofit fontScale="85000" lnSpcReduction="10000"/>
-          </a:bodyPr>
-          <a:lstStyle>
-            <a:lvl1pPr algn="ctr" defTabSz="457200" rtl="0" eaLnBrk="1" latinLnBrk="0" hangingPunct="1">
-              <a:spcBef>
-                <a:spcPct val="0"/>
-              </a:spcBef>
-              <a:buNone/>
-              <a:defRPr sz="4400" kern="1200">
-                <a:solidFill>
-                  <a:schemeClr val="tx1"/>
-                </a:solidFill>
-                <a:latin typeface="+mj-lt"/>
-                <a:ea typeface="+mj-ea"/>
-                <a:cs typeface="+mj-cs"/>
-              </a:defRPr>
-            </a:lvl1pPr>
-          </a:lstStyle>
-          <a:p>
-            <a:pPr algn="l"/>
-            <a:r>
-              <a:rPr lang="en-US" u="sng" dirty="0" smtClean="0"/>
-              <a:t>Technical Feasibility</a:t>
-            </a:r>
-            <a:endParaRPr lang="en-US" u="sng" dirty="0"/>
-          </a:p>
-        </p:txBody>
-      </p:sp>
-      <p:sp>
-        <p:nvSpPr>
-          <p:cNvPr id="5" name="Text Placeholder 5"/>
-          <p:cNvSpPr txBox="1">
-            <a:spLocks/>
-          </p:cNvSpPr>
-          <p:nvPr/>
-        </p:nvSpPr>
-        <p:spPr>
-          <a:xfrm>
-            <a:off x="457200" y="2241551"/>
-            <a:ext cx="8229600" cy="4330699"/>
-          </a:xfrm>
-          <a:prstGeom prst="rect">
-            <a:avLst/>
-          </a:prstGeom>
-        </p:spPr>
-        <p:txBody>
-          <a:bodyPr vert="horz" lIns="91440" tIns="45720" rIns="91440" bIns="45720" rtlCol="0">
-            <a:normAutofit fontScale="92500" lnSpcReduction="10000"/>
-          </a:bodyPr>
-          <a:lstStyle>
-            <a:lvl1pPr marL="342900" indent="-342900" algn="l" defTabSz="457200" rtl="0" eaLnBrk="1" latinLnBrk="0" hangingPunct="1">
-              <a:spcBef>
-                <a:spcPct val="20000"/>
-              </a:spcBef>
-              <a:buFont typeface="Arial"/>
-              <a:buChar char="•"/>
-              <a:defRPr sz="3200" kern="1200">
-                <a:solidFill>
-                  <a:schemeClr val="tx1"/>
-                </a:solidFill>
-                <a:latin typeface="+mn-lt"/>
-                <a:ea typeface="+mn-ea"/>
-                <a:cs typeface="+mn-cs"/>
-              </a:defRPr>
-            </a:lvl1pPr>
-            <a:lvl2pPr marL="742950" indent="-285750" algn="l" defTabSz="457200" rtl="0" eaLnBrk="1" latinLnBrk="0" hangingPunct="1">
-              <a:spcBef>
-                <a:spcPct val="20000"/>
-              </a:spcBef>
-              <a:buFont typeface="Arial"/>
-              <a:buChar char="–"/>
-              <a:defRPr sz="2800" kern="1200">
-                <a:solidFill>
-                  <a:schemeClr val="tx1"/>
-                </a:solidFill>
-                <a:latin typeface="+mn-lt"/>
-                <a:ea typeface="+mn-ea"/>
-                <a:cs typeface="+mn-cs"/>
-              </a:defRPr>
-            </a:lvl2pPr>
-            <a:lvl3pPr marL="1143000" indent="-228600" algn="l" defTabSz="457200" rtl="0" eaLnBrk="1" latinLnBrk="0" hangingPunct="1">
-              <a:spcBef>
-                <a:spcPct val="20000"/>
-              </a:spcBef>
-              <a:buFont typeface="Arial"/>
-              <a:buChar char="•"/>
-              <a:defRPr sz="2400" kern="1200">
-                <a:solidFill>
-                  <a:schemeClr val="tx1"/>
-                </a:solidFill>
-                <a:latin typeface="+mn-lt"/>
-                <a:ea typeface="+mn-ea"/>
-                <a:cs typeface="+mn-cs"/>
-              </a:defRPr>
-            </a:lvl3pPr>
-            <a:lvl4pPr marL="1600200" indent="-228600" algn="l" defTabSz="457200" rtl="0" eaLnBrk="1" latinLnBrk="0" hangingPunct="1">
-              <a:spcBef>
-                <a:spcPct val="20000"/>
-              </a:spcBef>
-              <a:buFont typeface="Arial"/>
-              <a:buChar char="–"/>
-              <a:defRPr sz="2000" kern="1200">
-                <a:solidFill>
-                  <a:schemeClr val="tx1"/>
-                </a:solidFill>
-                <a:latin typeface="+mn-lt"/>
-                <a:ea typeface="+mn-ea"/>
-                <a:cs typeface="+mn-cs"/>
-              </a:defRPr>
-            </a:lvl4pPr>
-            <a:lvl5pPr marL="2057400" indent="-228600" algn="l" defTabSz="457200" rtl="0" eaLnBrk="1" latinLnBrk="0" hangingPunct="1">
-              <a:spcBef>
-                <a:spcPct val="20000"/>
-              </a:spcBef>
-              <a:buFont typeface="Arial"/>
-              <a:buChar char="»"/>
-              <a:defRPr sz="2000" kern="1200">
-                <a:solidFill>
-                  <a:schemeClr val="tx1"/>
-                </a:solidFill>
-                <a:latin typeface="+mn-lt"/>
-                <a:ea typeface="+mn-ea"/>
-                <a:cs typeface="+mn-cs"/>
-              </a:defRPr>
-            </a:lvl5pPr>
-            <a:lvl6pPr marL="2514600" indent="-228600" algn="l" defTabSz="457200" rtl="0" eaLnBrk="1" latinLnBrk="0" hangingPunct="1">
-              <a:spcBef>
-                <a:spcPct val="20000"/>
-              </a:spcBef>
-              <a:buFont typeface="Arial"/>
-              <a:buChar char="•"/>
-              <a:defRPr sz="2000" kern="1200">
-                <a:solidFill>
-                  <a:schemeClr val="tx1"/>
-                </a:solidFill>
-                <a:latin typeface="+mn-lt"/>
-                <a:ea typeface="+mn-ea"/>
-                <a:cs typeface="+mn-cs"/>
-              </a:defRPr>
-            </a:lvl6pPr>
-            <a:lvl7pPr marL="2971800" indent="-228600" algn="l" defTabSz="457200" rtl="0" eaLnBrk="1" latinLnBrk="0" hangingPunct="1">
-              <a:spcBef>
-                <a:spcPct val="20000"/>
-              </a:spcBef>
-              <a:buFont typeface="Arial"/>
-              <a:buChar char="•"/>
-              <a:defRPr sz="2000" kern="1200">
-                <a:solidFill>
-                  <a:schemeClr val="tx1"/>
-                </a:solidFill>
-                <a:latin typeface="+mn-lt"/>
-                <a:ea typeface="+mn-ea"/>
-                <a:cs typeface="+mn-cs"/>
-              </a:defRPr>
-            </a:lvl7pPr>
-            <a:lvl8pPr marL="3429000" indent="-228600" algn="l" defTabSz="457200" rtl="0" eaLnBrk="1" latinLnBrk="0" hangingPunct="1">
-              <a:spcBef>
-                <a:spcPct val="20000"/>
-              </a:spcBef>
-              <a:buFont typeface="Arial"/>
-              <a:buChar char="•"/>
-              <a:defRPr sz="2000" kern="1200">
-                <a:solidFill>
-                  <a:schemeClr val="tx1"/>
-                </a:solidFill>
-                <a:latin typeface="+mn-lt"/>
-                <a:ea typeface="+mn-ea"/>
-                <a:cs typeface="+mn-cs"/>
-              </a:defRPr>
-            </a:lvl8pPr>
-            <a:lvl9pPr marL="3886200" indent="-228600" algn="l" defTabSz="457200" rtl="0" eaLnBrk="1" latinLnBrk="0" hangingPunct="1">
-              <a:spcBef>
-                <a:spcPct val="20000"/>
-              </a:spcBef>
-              <a:buFont typeface="Arial"/>
-              <a:buChar char="•"/>
-              <a:defRPr sz="2000" kern="1200">
-                <a:solidFill>
-                  <a:schemeClr val="tx1"/>
-                </a:solidFill>
-                <a:latin typeface="+mn-lt"/>
-                <a:ea typeface="+mn-ea"/>
-                <a:cs typeface="+mn-cs"/>
-              </a:defRPr>
-            </a:lvl9pPr>
-          </a:lstStyle>
-          <a:p>
-            <a:r>
-              <a:rPr lang="en-US" dirty="0" smtClean="0">
-                <a:latin typeface="Times New Roman" pitchFamily="18" charset="0"/>
-                <a:cs typeface="Times New Roman" pitchFamily="18" charset="0"/>
-              </a:rPr>
-              <a:t>The application works on any average mobile device which has GPS, camera and internet access.</a:t>
-            </a:r>
-          </a:p>
-          <a:p>
-            <a:endParaRPr lang="en-US" dirty="0" smtClean="0">
-              <a:latin typeface="Times New Roman" pitchFamily="18" charset="0"/>
-              <a:cs typeface="Times New Roman" pitchFamily="18" charset="0"/>
-            </a:endParaRPr>
-          </a:p>
-          <a:p>
-            <a:r>
-              <a:rPr lang="en-US" dirty="0" smtClean="0">
-                <a:latin typeface="Times New Roman" pitchFamily="18" charset="0"/>
-                <a:cs typeface="Times New Roman" pitchFamily="18" charset="0"/>
-              </a:rPr>
-              <a:t>The application works with all versions of android and independent of device form factors. </a:t>
-            </a:r>
-          </a:p>
-          <a:p>
-            <a:endParaRPr lang="en-US" dirty="0" smtClean="0">
-              <a:latin typeface="Times New Roman" pitchFamily="18" charset="0"/>
-              <a:cs typeface="Times New Roman" pitchFamily="18" charset="0"/>
-            </a:endParaRPr>
-          </a:p>
-          <a:p>
-            <a:r>
-              <a:rPr lang="en-US" dirty="0" smtClean="0">
-                <a:latin typeface="Times New Roman" pitchFamily="18" charset="0"/>
-                <a:cs typeface="Times New Roman" pitchFamily="18" charset="0"/>
-              </a:rPr>
-              <a:t>Works well with even the newest member of the android OS and the earlier versions .</a:t>
-            </a:r>
-            <a:endParaRPr lang="en-US" dirty="0">
-              <a:latin typeface="Times New Roman" pitchFamily="18" charset="0"/>
-              <a:cs typeface="Times New Roman" pitchFamily="18" charset="0"/>
-            </a:endParaRPr>
-          </a:p>
-        </p:txBody>
-      </p:sp>
-    </p:spTree>
-    <p:extLst>
-      <p:ext uri="{BB962C8B-B14F-4D97-AF65-F5344CB8AC3E}">
-        <p14:creationId xmlns:p14="http://schemas.microsoft.com/office/powerpoint/2010/main" val="1165125389"/>
-      </p:ext>
-    </p:extLst>
-  </p:cSld>
-  <p:clrMapOvr>
-    <a:masterClrMapping/>
-  </p:clrMapOvr>
-  <p:timing>
-    <p:tnLst>
-      <p:par>
-        <p:cTn xmlns:p14="http://schemas.microsoft.com/office/powerpoint/2010/main" id="1" dur="indefinite" restart="never" nodeType="tmRoot"/>
-      </p:par>
-    </p:tnLst>
-  </p:timing>
-</p:sld>
-</file>
-
-<file path=ppt/slides/slide12.xml><?xml version="1.0" encoding="utf-8"?>
-<p:sld xmlns:a="http://schemas.openxmlformats.org/drawingml/2006/main" xmlns:r="http://schemas.openxmlformats.org/officeDocument/2006/relationships" xmlns:p="http://schemas.openxmlformats.org/presentationml/2006/main">
-  <p:cSld>
-    <p:spTree>
-      <p:nvGrpSpPr>
-        <p:cNvPr id="1" name=""/>
-        <p:cNvGrpSpPr/>
-        <p:nvPr/>
-      </p:nvGrpSpPr>
-      <p:grpSpPr>
-        <a:xfrm>
-          <a:off x="0" y="0"/>
-          <a:ext cx="0" cy="0"/>
-          <a:chOff x="0" y="0"/>
-          <a:chExt cx="0" cy="0"/>
-        </a:xfrm>
-      </p:grpSpPr>
-      <p:sp>
-        <p:nvSpPr>
-          <p:cNvPr id="4" name="Title 3"/>
-          <p:cNvSpPr>
-            <a:spLocks noGrp="1"/>
-          </p:cNvSpPr>
-          <p:nvPr>
-            <p:ph type="title"/>
-          </p:nvPr>
-        </p:nvSpPr>
-        <p:spPr/>
-        <p:txBody>
-          <a:bodyPr>
-            <a:normAutofit/>
-          </a:bodyPr>
-          <a:lstStyle/>
-          <a:p>
-            <a:r>
-              <a:rPr lang="en-US" dirty="0" smtClean="0"/>
-              <a:t>FEASIBILITY STUDY</a:t>
-            </a:r>
-            <a:endParaRPr lang="en-US" dirty="0"/>
-          </a:p>
-        </p:txBody>
-      </p:sp>
-      <p:sp>
-        <p:nvSpPr>
-          <p:cNvPr id="3" name="Title 1"/>
-          <p:cNvSpPr txBox="1">
-            <a:spLocks/>
-          </p:cNvSpPr>
-          <p:nvPr/>
-        </p:nvSpPr>
-        <p:spPr>
-          <a:xfrm>
-            <a:off x="-1" y="1417638"/>
-            <a:ext cx="5112337" cy="812738"/>
-          </a:xfrm>
-          <a:prstGeom prst="rect">
-            <a:avLst/>
-          </a:prstGeom>
-        </p:spPr>
-        <p:txBody>
-          <a:bodyPr vert="horz" lIns="91440" tIns="45720" rIns="91440" bIns="45720" rtlCol="0" anchor="ctr">
-            <a:noAutofit/>
-          </a:bodyPr>
-          <a:lstStyle>
-            <a:lvl1pPr algn="ctr" defTabSz="457200" rtl="0" eaLnBrk="1" latinLnBrk="0" hangingPunct="1">
-              <a:spcBef>
-                <a:spcPct val="0"/>
-              </a:spcBef>
-              <a:buNone/>
-              <a:defRPr sz="4400" kern="1200">
-                <a:solidFill>
-                  <a:schemeClr val="tx1"/>
-                </a:solidFill>
-                <a:latin typeface="+mj-lt"/>
-                <a:ea typeface="+mj-ea"/>
-                <a:cs typeface="+mj-cs"/>
-              </a:defRPr>
-            </a:lvl1pPr>
-          </a:lstStyle>
-          <a:p>
-            <a:pPr algn="l"/>
-            <a:r>
-              <a:rPr lang="en-US" sz="3700" u="sng" dirty="0" smtClean="0"/>
-              <a:t>Operational Feasibility</a:t>
-            </a:r>
-            <a:endParaRPr lang="en-US" sz="3700" u="sng" dirty="0"/>
-          </a:p>
-        </p:txBody>
-      </p:sp>
-      <p:sp>
-        <p:nvSpPr>
-          <p:cNvPr id="5" name="Text Placeholder 5"/>
-          <p:cNvSpPr txBox="1">
-            <a:spLocks/>
-          </p:cNvSpPr>
-          <p:nvPr/>
-        </p:nvSpPr>
-        <p:spPr>
-          <a:xfrm>
-            <a:off x="157163" y="2230376"/>
-            <a:ext cx="8828087" cy="4183124"/>
-          </a:xfrm>
-          <a:prstGeom prst="rect">
-            <a:avLst/>
-          </a:prstGeom>
-        </p:spPr>
-        <p:txBody>
-          <a:bodyPr vert="horz" lIns="91440" tIns="45720" rIns="91440" bIns="45720" rtlCol="0">
-            <a:normAutofit fontScale="92500" lnSpcReduction="10000"/>
-          </a:bodyPr>
-          <a:lstStyle>
-            <a:lvl1pPr marL="342900" indent="-342900" algn="l" defTabSz="457200" rtl="0" eaLnBrk="1" latinLnBrk="0" hangingPunct="1">
-              <a:spcBef>
-                <a:spcPct val="20000"/>
-              </a:spcBef>
-              <a:buFont typeface="Arial"/>
-              <a:buChar char="•"/>
-              <a:defRPr sz="3200" kern="1200">
-                <a:solidFill>
-                  <a:schemeClr val="tx1"/>
-                </a:solidFill>
-                <a:latin typeface="+mn-lt"/>
-                <a:ea typeface="+mn-ea"/>
-                <a:cs typeface="+mn-cs"/>
-              </a:defRPr>
-            </a:lvl1pPr>
-            <a:lvl2pPr marL="742950" indent="-285750" algn="l" defTabSz="457200" rtl="0" eaLnBrk="1" latinLnBrk="0" hangingPunct="1">
-              <a:spcBef>
-                <a:spcPct val="20000"/>
-              </a:spcBef>
-              <a:buFont typeface="Arial"/>
-              <a:buChar char="–"/>
-              <a:defRPr sz="2800" kern="1200">
-                <a:solidFill>
-                  <a:schemeClr val="tx1"/>
-                </a:solidFill>
-                <a:latin typeface="+mn-lt"/>
-                <a:ea typeface="+mn-ea"/>
-                <a:cs typeface="+mn-cs"/>
-              </a:defRPr>
-            </a:lvl2pPr>
-            <a:lvl3pPr marL="1143000" indent="-228600" algn="l" defTabSz="457200" rtl="0" eaLnBrk="1" latinLnBrk="0" hangingPunct="1">
-              <a:spcBef>
-                <a:spcPct val="20000"/>
-              </a:spcBef>
-              <a:buFont typeface="Arial"/>
-              <a:buChar char="•"/>
-              <a:defRPr sz="2400" kern="1200">
-                <a:solidFill>
-                  <a:schemeClr val="tx1"/>
-                </a:solidFill>
-                <a:latin typeface="+mn-lt"/>
-                <a:ea typeface="+mn-ea"/>
-                <a:cs typeface="+mn-cs"/>
-              </a:defRPr>
-            </a:lvl3pPr>
-            <a:lvl4pPr marL="1600200" indent="-228600" algn="l" defTabSz="457200" rtl="0" eaLnBrk="1" latinLnBrk="0" hangingPunct="1">
-              <a:spcBef>
-                <a:spcPct val="20000"/>
-              </a:spcBef>
-              <a:buFont typeface="Arial"/>
-              <a:buChar char="–"/>
-              <a:defRPr sz="2000" kern="1200">
-                <a:solidFill>
-                  <a:schemeClr val="tx1"/>
-                </a:solidFill>
-                <a:latin typeface="+mn-lt"/>
-                <a:ea typeface="+mn-ea"/>
-                <a:cs typeface="+mn-cs"/>
-              </a:defRPr>
-            </a:lvl4pPr>
-            <a:lvl5pPr marL="2057400" indent="-228600" algn="l" defTabSz="457200" rtl="0" eaLnBrk="1" latinLnBrk="0" hangingPunct="1">
-              <a:spcBef>
-                <a:spcPct val="20000"/>
-              </a:spcBef>
-              <a:buFont typeface="Arial"/>
-              <a:buChar char="»"/>
-              <a:defRPr sz="2000" kern="1200">
-                <a:solidFill>
-                  <a:schemeClr val="tx1"/>
-                </a:solidFill>
-                <a:latin typeface="+mn-lt"/>
-                <a:ea typeface="+mn-ea"/>
-                <a:cs typeface="+mn-cs"/>
-              </a:defRPr>
-            </a:lvl5pPr>
-            <a:lvl6pPr marL="2514600" indent="-228600" algn="l" defTabSz="457200" rtl="0" eaLnBrk="1" latinLnBrk="0" hangingPunct="1">
-              <a:spcBef>
-                <a:spcPct val="20000"/>
-              </a:spcBef>
-              <a:buFont typeface="Arial"/>
-              <a:buChar char="•"/>
-              <a:defRPr sz="2000" kern="1200">
-                <a:solidFill>
-                  <a:schemeClr val="tx1"/>
-                </a:solidFill>
-                <a:latin typeface="+mn-lt"/>
-                <a:ea typeface="+mn-ea"/>
-                <a:cs typeface="+mn-cs"/>
-              </a:defRPr>
-            </a:lvl6pPr>
-            <a:lvl7pPr marL="2971800" indent="-228600" algn="l" defTabSz="457200" rtl="0" eaLnBrk="1" latinLnBrk="0" hangingPunct="1">
-              <a:spcBef>
-                <a:spcPct val="20000"/>
-              </a:spcBef>
-              <a:buFont typeface="Arial"/>
-              <a:buChar char="•"/>
-              <a:defRPr sz="2000" kern="1200">
-                <a:solidFill>
-                  <a:schemeClr val="tx1"/>
-                </a:solidFill>
-                <a:latin typeface="+mn-lt"/>
-                <a:ea typeface="+mn-ea"/>
-                <a:cs typeface="+mn-cs"/>
-              </a:defRPr>
-            </a:lvl7pPr>
-            <a:lvl8pPr marL="3429000" indent="-228600" algn="l" defTabSz="457200" rtl="0" eaLnBrk="1" latinLnBrk="0" hangingPunct="1">
-              <a:spcBef>
-                <a:spcPct val="20000"/>
-              </a:spcBef>
-              <a:buFont typeface="Arial"/>
-              <a:buChar char="•"/>
-              <a:defRPr sz="2000" kern="1200">
-                <a:solidFill>
-                  <a:schemeClr val="tx1"/>
-                </a:solidFill>
-                <a:latin typeface="+mn-lt"/>
-                <a:ea typeface="+mn-ea"/>
-                <a:cs typeface="+mn-cs"/>
-              </a:defRPr>
-            </a:lvl8pPr>
-            <a:lvl9pPr marL="3886200" indent="-228600" algn="l" defTabSz="457200" rtl="0" eaLnBrk="1" latinLnBrk="0" hangingPunct="1">
-              <a:spcBef>
-                <a:spcPct val="20000"/>
-              </a:spcBef>
-              <a:buFont typeface="Arial"/>
-              <a:buChar char="•"/>
-              <a:defRPr sz="2000" kern="1200">
-                <a:solidFill>
-                  <a:schemeClr val="tx1"/>
-                </a:solidFill>
-                <a:latin typeface="+mn-lt"/>
-                <a:ea typeface="+mn-ea"/>
-                <a:cs typeface="+mn-cs"/>
-              </a:defRPr>
-            </a:lvl9pPr>
-          </a:lstStyle>
-          <a:p>
-            <a:r>
-              <a:rPr lang="en-US" dirty="0" smtClean="0">
-                <a:latin typeface="Times New Roman" pitchFamily="18" charset="0"/>
-                <a:cs typeface="Times New Roman" pitchFamily="18" charset="0"/>
-              </a:rPr>
-              <a:t>The user does not require sound knowledge on android to operate the application. </a:t>
-            </a:r>
-          </a:p>
-          <a:p>
-            <a:endParaRPr lang="en-US" dirty="0" smtClean="0">
-              <a:latin typeface="Times New Roman" pitchFamily="18" charset="0"/>
-              <a:cs typeface="Times New Roman" pitchFamily="18" charset="0"/>
-            </a:endParaRPr>
-          </a:p>
-          <a:p>
-            <a:r>
-              <a:rPr lang="en-US" dirty="0" smtClean="0">
-                <a:latin typeface="Times New Roman" pitchFamily="18" charset="0"/>
-                <a:cs typeface="Times New Roman" pitchFamily="18" charset="0"/>
-              </a:rPr>
-              <a:t>It uses the device's GPS, camera and internet </a:t>
-            </a:r>
-            <a:r>
-              <a:rPr lang="en-US" dirty="0">
-                <a:latin typeface="Times New Roman" pitchFamily="18" charset="0"/>
-                <a:cs typeface="Times New Roman" pitchFamily="18" charset="0"/>
-              </a:rPr>
-              <a:t>a</a:t>
-            </a:r>
-            <a:r>
-              <a:rPr lang="en-US" dirty="0" smtClean="0">
-                <a:latin typeface="Times New Roman" pitchFamily="18" charset="0"/>
-                <a:cs typeface="Times New Roman" pitchFamily="18" charset="0"/>
-              </a:rPr>
-              <a:t>ccess to accurately spot the locations without users effort and uses the augmented reality to guide. </a:t>
-            </a:r>
-          </a:p>
-          <a:p>
-            <a:endParaRPr lang="en-US" dirty="0" smtClean="0">
-              <a:latin typeface="Times New Roman" pitchFamily="18" charset="0"/>
-              <a:cs typeface="Times New Roman" pitchFamily="18" charset="0"/>
-            </a:endParaRPr>
-          </a:p>
-          <a:p>
-            <a:r>
-              <a:rPr lang="en-US" dirty="0" smtClean="0">
-                <a:latin typeface="Times New Roman" pitchFamily="18" charset="0"/>
-                <a:cs typeface="Times New Roman" pitchFamily="18" charset="0"/>
-              </a:rPr>
-              <a:t>The installation of the application is easy and uses minimum resources of the device.</a:t>
-            </a:r>
-            <a:endParaRPr lang="en-US" dirty="0">
-              <a:latin typeface="Times New Roman" pitchFamily="18" charset="0"/>
-              <a:cs typeface="Times New Roman" pitchFamily="18" charset="0"/>
-            </a:endParaRPr>
-          </a:p>
-        </p:txBody>
-      </p:sp>
-    </p:spTree>
-    <p:extLst>
-      <p:ext uri="{BB962C8B-B14F-4D97-AF65-F5344CB8AC3E}">
-        <p14:creationId xmlns:p14="http://schemas.microsoft.com/office/powerpoint/2010/main" val="4177162616"/>
-      </p:ext>
-    </p:extLst>
-  </p:cSld>
-  <p:clrMapOvr>
-    <a:masterClrMapping/>
-  </p:clrMapOvr>
-  <p:timing>
-    <p:tnLst>
-      <p:par>
-        <p:cTn xmlns:p14="http://schemas.microsoft.com/office/powerpoint/2010/main" id="1" dur="indefinite" restart="never" nodeType="tmRoot"/>
-      </p:par>
-    </p:tnLst>
-  </p:timing>
-</p:sld>
-</file>
-
-<file path=ppt/slides/slide13.xml><?xml version="1.0" encoding="utf-8"?>
-<p:sld xmlns:a="http://schemas.openxmlformats.org/drawingml/2006/main" xmlns:r="http://schemas.openxmlformats.org/officeDocument/2006/relationships" xmlns:p="http://schemas.openxmlformats.org/presentationml/2006/main">
-  <p:cSld>
-    <p:spTree>
-      <p:nvGrpSpPr>
-        <p:cNvPr id="1" name=""/>
-        <p:cNvGrpSpPr/>
-        <p:nvPr/>
-      </p:nvGrpSpPr>
-      <p:grpSpPr>
-        <a:xfrm>
-          <a:off x="0" y="0"/>
-          <a:ext cx="0" cy="0"/>
-          <a:chOff x="0" y="0"/>
-          <a:chExt cx="0" cy="0"/>
-        </a:xfrm>
-      </p:grpSpPr>
-      <p:sp>
-        <p:nvSpPr>
-          <p:cNvPr id="4" name="Title 3"/>
-          <p:cNvSpPr>
-            <a:spLocks noGrp="1"/>
-          </p:cNvSpPr>
-          <p:nvPr>
-            <p:ph type="title"/>
-          </p:nvPr>
-        </p:nvSpPr>
-        <p:spPr>
-          <a:xfrm>
-            <a:off x="457200" y="30436"/>
-            <a:ext cx="8229600" cy="1143000"/>
-          </a:xfrm>
-        </p:spPr>
-        <p:txBody>
-          <a:bodyPr>
-            <a:normAutofit/>
-          </a:bodyPr>
-          <a:lstStyle/>
-          <a:p>
-            <a:r>
-              <a:rPr lang="en-US" dirty="0" smtClean="0"/>
-              <a:t>COST ESTIMATION</a:t>
-            </a:r>
-            <a:endParaRPr lang="en-US" dirty="0"/>
-          </a:p>
-        </p:txBody>
-      </p:sp>
-      <p:graphicFrame>
-        <p:nvGraphicFramePr>
-          <p:cNvPr id="3" name="Content Placeholder 3"/>
-          <p:cNvGraphicFramePr>
-            <a:graphicFrameLocks/>
-          </p:cNvGraphicFramePr>
-          <p:nvPr>
-            <p:extLst>
-              <p:ext uri="{D42A27DB-BD31-4B8C-83A1-F6EECF244321}">
-                <p14:modId xmlns:p14="http://schemas.microsoft.com/office/powerpoint/2010/main" val="2208169390"/>
-              </p:ext>
-            </p:extLst>
-          </p:nvPr>
-        </p:nvGraphicFramePr>
-        <p:xfrm>
-          <a:off x="457200" y="1173436"/>
-          <a:ext cx="8229600" cy="5543258"/>
-        </p:xfrm>
-        <a:graphic>
-          <a:graphicData uri="http://schemas.openxmlformats.org/drawingml/2006/table">
-            <a:tbl>
-              <a:tblPr firstRow="1" bandRow="1">
-                <a:tableStyleId>{5C22544A-7EE6-4342-B048-85BDC9FD1C3A}</a:tableStyleId>
-              </a:tblPr>
-              <a:tblGrid>
-                <a:gridCol w="4114800"/>
-                <a:gridCol w="4114800"/>
-              </a:tblGrid>
-              <a:tr h="781345">
-                <a:tc>
-                  <a:txBody>
-                    <a:bodyPr/>
-                    <a:lstStyle/>
-                    <a:p>
-                      <a:pPr algn="ctr"/>
-                      <a:r>
-                        <a:rPr lang="en-IN" sz="3200" dirty="0" smtClean="0">
-                          <a:latin typeface="Times New Roman" pitchFamily="18" charset="0"/>
-                          <a:cs typeface="Times New Roman" pitchFamily="18" charset="0"/>
-                        </a:rPr>
-                        <a:t>TASK</a:t>
-                      </a:r>
-                      <a:endParaRPr lang="en-IN" sz="3200" dirty="0">
-                        <a:latin typeface="Times New Roman" pitchFamily="18" charset="0"/>
-                        <a:cs typeface="Times New Roman" pitchFamily="18" charset="0"/>
-                      </a:endParaRPr>
-                    </a:p>
-                  </a:txBody>
-                  <a:tcPr>
-                    <a:solidFill>
-                      <a:schemeClr val="accent1"/>
-                    </a:solidFill>
-                  </a:tcPr>
-                </a:tc>
-                <a:tc>
-                  <a:txBody>
-                    <a:bodyPr/>
-                    <a:lstStyle/>
-                    <a:p>
-                      <a:pPr algn="l"/>
-                      <a:r>
-                        <a:rPr lang="en-IN" sz="3200" dirty="0" smtClean="0">
-                          <a:latin typeface="Times New Roman" pitchFamily="18" charset="0"/>
-                          <a:cs typeface="Times New Roman" pitchFamily="18" charset="0"/>
-                        </a:rPr>
-                        <a:t>PERCENTAGE OF OVERALL REPORT</a:t>
-                      </a:r>
-                      <a:endParaRPr lang="en-IN" sz="3200" dirty="0">
-                        <a:latin typeface="Times New Roman" pitchFamily="18" charset="0"/>
-                        <a:cs typeface="Times New Roman" pitchFamily="18" charset="0"/>
-                      </a:endParaRPr>
-                    </a:p>
-                  </a:txBody>
-                  <a:tcPr>
-                    <a:solidFill>
-                      <a:schemeClr val="accent1"/>
-                    </a:solidFill>
-                  </a:tcPr>
-                </a:tc>
-              </a:tr>
-              <a:tr h="639494">
-                <a:tc>
-                  <a:txBody>
-                    <a:bodyPr/>
-                    <a:lstStyle/>
-                    <a:p>
-                      <a:r>
-                        <a:rPr lang="en-IN" sz="3200" dirty="0" smtClean="0">
-                          <a:latin typeface="Times New Roman" pitchFamily="18" charset="0"/>
-                          <a:cs typeface="Times New Roman" pitchFamily="18" charset="0"/>
-                        </a:rPr>
-                        <a:t>Software</a:t>
-                      </a:r>
-                      <a:r>
-                        <a:rPr lang="en-IN" sz="3200" baseline="0" dirty="0" smtClean="0">
-                          <a:latin typeface="Times New Roman" pitchFamily="18" charset="0"/>
-                          <a:cs typeface="Times New Roman" pitchFamily="18" charset="0"/>
-                        </a:rPr>
-                        <a:t>  planning</a:t>
-                      </a:r>
-                      <a:endParaRPr lang="en-IN" sz="3200" dirty="0">
-                        <a:latin typeface="Times New Roman" pitchFamily="18" charset="0"/>
-                        <a:cs typeface="Times New Roman" pitchFamily="18" charset="0"/>
-                      </a:endParaRPr>
-                    </a:p>
-                  </a:txBody>
-                  <a:tcPr/>
-                </a:tc>
-                <a:tc>
-                  <a:txBody>
-                    <a:bodyPr/>
-                    <a:lstStyle/>
-                    <a:p>
-                      <a:r>
-                        <a:rPr lang="en-IN" sz="3200" dirty="0" smtClean="0">
-                          <a:latin typeface="Times New Roman" pitchFamily="18" charset="0"/>
-                          <a:cs typeface="Times New Roman" pitchFamily="18" charset="0"/>
-                        </a:rPr>
-                        <a:t>5%</a:t>
-                      </a:r>
-                      <a:endParaRPr lang="en-IN" sz="3200" dirty="0">
-                        <a:latin typeface="Times New Roman" pitchFamily="18" charset="0"/>
-                        <a:cs typeface="Times New Roman" pitchFamily="18" charset="0"/>
-                      </a:endParaRPr>
-                    </a:p>
-                  </a:txBody>
-                  <a:tcPr/>
-                </a:tc>
-              </a:tr>
-              <a:tr h="639494">
-                <a:tc>
-                  <a:txBody>
-                    <a:bodyPr/>
-                    <a:lstStyle/>
-                    <a:p>
-                      <a:r>
-                        <a:rPr lang="en-IN" sz="3200" dirty="0" smtClean="0">
-                          <a:latin typeface="Times New Roman" pitchFamily="18" charset="0"/>
-                          <a:cs typeface="Times New Roman" pitchFamily="18" charset="0"/>
-                        </a:rPr>
-                        <a:t>Software  requirements</a:t>
-                      </a:r>
-                      <a:endParaRPr lang="en-IN" sz="3200" dirty="0">
-                        <a:latin typeface="Times New Roman" pitchFamily="18" charset="0"/>
-                        <a:cs typeface="Times New Roman" pitchFamily="18" charset="0"/>
-                      </a:endParaRPr>
-                    </a:p>
-                  </a:txBody>
-                  <a:tcPr/>
-                </a:tc>
-                <a:tc>
-                  <a:txBody>
-                    <a:bodyPr/>
-                    <a:lstStyle/>
-                    <a:p>
-                      <a:r>
-                        <a:rPr lang="en-IN" sz="3200" baseline="0" dirty="0" smtClean="0">
-                          <a:latin typeface="Times New Roman" pitchFamily="18" charset="0"/>
-                          <a:cs typeface="Times New Roman" pitchFamily="18" charset="0"/>
-                        </a:rPr>
-                        <a:t>10%</a:t>
-                      </a:r>
-                      <a:endParaRPr lang="en-IN" sz="3200" baseline="0" dirty="0">
-                        <a:latin typeface="Times New Roman" pitchFamily="18" charset="0"/>
-                        <a:cs typeface="Times New Roman" pitchFamily="18" charset="0"/>
-                      </a:endParaRPr>
-                    </a:p>
-                  </a:txBody>
-                  <a:tcPr/>
-                </a:tc>
-              </a:tr>
-              <a:tr h="639494">
-                <a:tc>
-                  <a:txBody>
-                    <a:bodyPr/>
-                    <a:lstStyle/>
-                    <a:p>
-                      <a:r>
-                        <a:rPr lang="en-IN" sz="3200" dirty="0" smtClean="0">
-                          <a:latin typeface="Times New Roman" pitchFamily="18" charset="0"/>
-                          <a:cs typeface="Times New Roman" pitchFamily="18" charset="0"/>
-                        </a:rPr>
-                        <a:t>Software  design</a:t>
-                      </a:r>
-                      <a:endParaRPr lang="en-IN" sz="3200" dirty="0">
-                        <a:latin typeface="Times New Roman" pitchFamily="18" charset="0"/>
-                        <a:cs typeface="Times New Roman" pitchFamily="18" charset="0"/>
-                      </a:endParaRPr>
-                    </a:p>
-                  </a:txBody>
-                  <a:tcPr/>
-                </a:tc>
-                <a:tc>
-                  <a:txBody>
-                    <a:bodyPr/>
-                    <a:lstStyle/>
-                    <a:p>
-                      <a:r>
-                        <a:rPr lang="en-IN" sz="3200" dirty="0" smtClean="0">
-                          <a:latin typeface="Times New Roman" pitchFamily="18" charset="0"/>
-                          <a:cs typeface="Times New Roman" pitchFamily="18" charset="0"/>
-                        </a:rPr>
-                        <a:t>25%</a:t>
-                      </a:r>
-                      <a:endParaRPr lang="en-IN" sz="3200" dirty="0">
-                        <a:latin typeface="Times New Roman" pitchFamily="18" charset="0"/>
-                        <a:cs typeface="Times New Roman" pitchFamily="18" charset="0"/>
-                      </a:endParaRPr>
-                    </a:p>
-                  </a:txBody>
-                  <a:tcPr/>
-                </a:tc>
-              </a:tr>
-              <a:tr h="639494">
-                <a:tc>
-                  <a:txBody>
-                    <a:bodyPr/>
-                    <a:lstStyle/>
-                    <a:p>
-                      <a:r>
-                        <a:rPr lang="en-IN" sz="3200" dirty="0" smtClean="0">
-                          <a:latin typeface="Times New Roman" pitchFamily="18" charset="0"/>
-                          <a:cs typeface="Times New Roman" pitchFamily="18" charset="0"/>
-                        </a:rPr>
-                        <a:t>Coding  &amp;  unit  testing</a:t>
-                      </a:r>
-                      <a:endParaRPr lang="en-IN" sz="3200" dirty="0">
-                        <a:latin typeface="Times New Roman" pitchFamily="18" charset="0"/>
-                        <a:cs typeface="Times New Roman" pitchFamily="18" charset="0"/>
-                      </a:endParaRPr>
-                    </a:p>
-                  </a:txBody>
-                  <a:tcPr/>
-                </a:tc>
-                <a:tc>
-                  <a:txBody>
-                    <a:bodyPr/>
-                    <a:lstStyle/>
-                    <a:p>
-                      <a:r>
-                        <a:rPr lang="en-IN" sz="3200" dirty="0" smtClean="0">
-                          <a:latin typeface="Times New Roman" pitchFamily="18" charset="0"/>
-                          <a:cs typeface="Times New Roman" pitchFamily="18" charset="0"/>
-                        </a:rPr>
-                        <a:t>25%</a:t>
-                      </a:r>
-                      <a:endParaRPr lang="en-IN" sz="3200" dirty="0">
-                        <a:latin typeface="Times New Roman" pitchFamily="18" charset="0"/>
-                        <a:cs typeface="Times New Roman" pitchFamily="18" charset="0"/>
-                      </a:endParaRPr>
-                    </a:p>
-                  </a:txBody>
-                  <a:tcPr/>
-                </a:tc>
-              </a:tr>
-              <a:tr h="639494">
-                <a:tc>
-                  <a:txBody>
-                    <a:bodyPr/>
-                    <a:lstStyle/>
-                    <a:p>
-                      <a:r>
-                        <a:rPr lang="en-IN" sz="3200" dirty="0" smtClean="0">
-                          <a:latin typeface="Times New Roman" pitchFamily="18" charset="0"/>
-                          <a:cs typeface="Times New Roman" pitchFamily="18" charset="0"/>
-                        </a:rPr>
-                        <a:t>Integration  testing</a:t>
-                      </a:r>
-                      <a:endParaRPr lang="en-IN" sz="3200" dirty="0">
-                        <a:latin typeface="Times New Roman" pitchFamily="18" charset="0"/>
-                        <a:cs typeface="Times New Roman" pitchFamily="18" charset="0"/>
-                      </a:endParaRPr>
-                    </a:p>
-                  </a:txBody>
-                  <a:tcPr/>
-                </a:tc>
-                <a:tc>
-                  <a:txBody>
-                    <a:bodyPr/>
-                    <a:lstStyle/>
-                    <a:p>
-                      <a:r>
-                        <a:rPr lang="en-IN" sz="3200" dirty="0" smtClean="0">
-                          <a:latin typeface="Times New Roman" pitchFamily="18" charset="0"/>
-                          <a:cs typeface="Times New Roman" pitchFamily="18" charset="0"/>
-                        </a:rPr>
-                        <a:t>20%</a:t>
-                      </a:r>
-                      <a:endParaRPr lang="en-IN" sz="3200" dirty="0">
-                        <a:latin typeface="Times New Roman" pitchFamily="18" charset="0"/>
-                        <a:cs typeface="Times New Roman" pitchFamily="18" charset="0"/>
-                      </a:endParaRPr>
-                    </a:p>
-                  </a:txBody>
-                  <a:tcPr/>
-                </a:tc>
-              </a:tr>
-              <a:tr h="639494">
-                <a:tc>
-                  <a:txBody>
-                    <a:bodyPr/>
-                    <a:lstStyle/>
-                    <a:p>
-                      <a:r>
-                        <a:rPr lang="en-IN" sz="3200" dirty="0" smtClean="0">
-                          <a:latin typeface="Times New Roman" pitchFamily="18" charset="0"/>
-                          <a:cs typeface="Times New Roman" pitchFamily="18" charset="0"/>
-                        </a:rPr>
-                        <a:t>Validation  testing</a:t>
-                      </a:r>
-                      <a:endParaRPr lang="en-IN" sz="3200" dirty="0">
-                        <a:latin typeface="Times New Roman" pitchFamily="18" charset="0"/>
-                        <a:cs typeface="Times New Roman" pitchFamily="18" charset="0"/>
-                      </a:endParaRPr>
-                    </a:p>
-                  </a:txBody>
-                  <a:tcPr/>
-                </a:tc>
-                <a:tc>
-                  <a:txBody>
-                    <a:bodyPr/>
-                    <a:lstStyle/>
-                    <a:p>
-                      <a:r>
-                        <a:rPr lang="en-IN" sz="3200" dirty="0" smtClean="0">
-                          <a:latin typeface="Times New Roman" pitchFamily="18" charset="0"/>
-                          <a:cs typeface="Times New Roman" pitchFamily="18" charset="0"/>
-                        </a:rPr>
-                        <a:t>15%</a:t>
-                      </a:r>
-                      <a:endParaRPr lang="en-IN" sz="3200" dirty="0">
-                        <a:latin typeface="Times New Roman" pitchFamily="18" charset="0"/>
-                        <a:cs typeface="Times New Roman" pitchFamily="18" charset="0"/>
-                      </a:endParaRPr>
-                    </a:p>
-                  </a:txBody>
-                  <a:tcPr/>
-                </a:tc>
-              </a:tr>
-              <a:tr h="639494">
-                <a:tc>
-                  <a:txBody>
-                    <a:bodyPr/>
-                    <a:lstStyle/>
-                    <a:p>
-                      <a:r>
-                        <a:rPr lang="en-IN" sz="3200" dirty="0" smtClean="0">
-                          <a:latin typeface="Times New Roman" pitchFamily="18" charset="0"/>
-                          <a:cs typeface="Times New Roman" pitchFamily="18" charset="0"/>
-                        </a:rPr>
-                        <a:t>Total</a:t>
-                      </a:r>
-                      <a:endParaRPr lang="en-IN" sz="3200" dirty="0">
-                        <a:latin typeface="Times New Roman" pitchFamily="18" charset="0"/>
-                        <a:cs typeface="Times New Roman" pitchFamily="18" charset="0"/>
-                      </a:endParaRPr>
-                    </a:p>
-                  </a:txBody>
-                  <a:tcPr/>
-                </a:tc>
-                <a:tc>
-                  <a:txBody>
-                    <a:bodyPr/>
-                    <a:lstStyle/>
-                    <a:p>
-                      <a:r>
-                        <a:rPr lang="en-IN" sz="3200" dirty="0" smtClean="0">
-                          <a:latin typeface="Times New Roman" pitchFamily="18" charset="0"/>
-                          <a:cs typeface="Times New Roman" pitchFamily="18" charset="0"/>
-                        </a:rPr>
-                        <a:t>100%</a:t>
-                      </a:r>
-                      <a:endParaRPr lang="en-IN" sz="3200" dirty="0">
-                        <a:latin typeface="Times New Roman" pitchFamily="18" charset="0"/>
-                        <a:cs typeface="Times New Roman" pitchFamily="18" charset="0"/>
-                      </a:endParaRPr>
-                    </a:p>
-                  </a:txBody>
-                  <a:tcPr/>
-                </a:tc>
-              </a:tr>
-            </a:tbl>
-          </a:graphicData>
-        </a:graphic>
-      </p:graphicFrame>
-    </p:spTree>
-    <p:extLst>
-      <p:ext uri="{BB962C8B-B14F-4D97-AF65-F5344CB8AC3E}">
-        <p14:creationId xmlns:p14="http://schemas.microsoft.com/office/powerpoint/2010/main" val="2103924255"/>
-      </p:ext>
-    </p:extLst>
-  </p:cSld>
-  <p:clrMapOvr>
-    <a:masterClrMapping/>
-  </p:clrMapOvr>
-  <p:timing>
-    <p:tnLst>
-      <p:par>
-        <p:cTn xmlns:p14="http://schemas.microsoft.com/office/powerpoint/2010/main" id="1" dur="indefinite" restart="never" nodeType="tmRoot"/>
-      </p:par>
-    </p:tnLst>
-  </p:timing>
-</p:sld>
-</file>
-
-<file path=ppt/slides/slide14.xml><?xml version="1.0" encoding="utf-8"?>
-<p:sld xmlns:a="http://schemas.openxmlformats.org/drawingml/2006/main" xmlns:r="http://schemas.openxmlformats.org/officeDocument/2006/relationships" xmlns:p="http://schemas.openxmlformats.org/presentationml/2006/main">
-  <p:cSld>
-    <p:spTree>
-      <p:nvGrpSpPr>
-        <p:cNvPr id="1" name=""/>
-        <p:cNvGrpSpPr/>
-        <p:nvPr/>
-      </p:nvGrpSpPr>
-      <p:grpSpPr>
-        <a:xfrm>
-          <a:off x="0" y="0"/>
-          <a:ext cx="0" cy="0"/>
-          <a:chOff x="0" y="0"/>
-          <a:chExt cx="0" cy="0"/>
-        </a:xfrm>
-      </p:grpSpPr>
-      <p:sp>
-        <p:nvSpPr>
-          <p:cNvPr id="4" name="Title 3"/>
-          <p:cNvSpPr>
-            <a:spLocks noGrp="1"/>
-          </p:cNvSpPr>
-          <p:nvPr>
-            <p:ph type="title"/>
-          </p:nvPr>
-        </p:nvSpPr>
-        <p:spPr/>
-        <p:txBody>
-          <a:bodyPr>
-            <a:normAutofit/>
-          </a:bodyPr>
-          <a:lstStyle/>
-          <a:p>
-            <a:r>
-              <a:rPr lang="en-US" dirty="0" smtClean="0"/>
-              <a:t>FUNTIONAL REQUIREMENTS</a:t>
-            </a:r>
-            <a:endParaRPr lang="en-US" dirty="0"/>
-          </a:p>
-        </p:txBody>
-      </p:sp>
-      <p:sp>
-        <p:nvSpPr>
-          <p:cNvPr id="3" name="Content Placeholder 2"/>
-          <p:cNvSpPr txBox="1">
-            <a:spLocks/>
-          </p:cNvSpPr>
-          <p:nvPr/>
-        </p:nvSpPr>
-        <p:spPr>
-          <a:xfrm>
-            <a:off x="457200" y="1600200"/>
-            <a:ext cx="7467600" cy="4873752"/>
-          </a:xfrm>
-          <a:prstGeom prst="rect">
-            <a:avLst/>
-          </a:prstGeom>
-        </p:spPr>
-        <p:txBody>
-          <a:bodyPr anchor="t" anchorCtr="1">
-            <a:normAutofit/>
-          </a:bodyPr>
-          <a:lstStyle>
-            <a:lvl1pPr marL="342900" indent="-342900" algn="l" defTabSz="457200" rtl="0" eaLnBrk="1" latinLnBrk="0" hangingPunct="1">
-              <a:spcBef>
-                <a:spcPct val="20000"/>
-              </a:spcBef>
-              <a:buFont typeface="Arial"/>
-              <a:buChar char="•"/>
-              <a:defRPr sz="3200" kern="1200">
-                <a:solidFill>
-                  <a:schemeClr val="tx1"/>
-                </a:solidFill>
-                <a:latin typeface="+mn-lt"/>
-                <a:ea typeface="+mn-ea"/>
-                <a:cs typeface="+mn-cs"/>
-              </a:defRPr>
-            </a:lvl1pPr>
-            <a:lvl2pPr marL="742950" indent="-285750" algn="l" defTabSz="457200" rtl="0" eaLnBrk="1" latinLnBrk="0" hangingPunct="1">
-              <a:spcBef>
-                <a:spcPct val="20000"/>
-              </a:spcBef>
-              <a:buFont typeface="Arial"/>
-              <a:buChar char="–"/>
-              <a:defRPr sz="2800" kern="1200">
-                <a:solidFill>
-                  <a:schemeClr val="tx1"/>
-                </a:solidFill>
-                <a:latin typeface="+mn-lt"/>
-                <a:ea typeface="+mn-ea"/>
-                <a:cs typeface="+mn-cs"/>
-              </a:defRPr>
-            </a:lvl2pPr>
-            <a:lvl3pPr marL="1143000" indent="-228600" algn="l" defTabSz="457200" rtl="0" eaLnBrk="1" latinLnBrk="0" hangingPunct="1">
-              <a:spcBef>
-                <a:spcPct val="20000"/>
-              </a:spcBef>
-              <a:buFont typeface="Arial"/>
-              <a:buChar char="•"/>
-              <a:defRPr sz="2400" kern="1200">
-                <a:solidFill>
-                  <a:schemeClr val="tx1"/>
-                </a:solidFill>
-                <a:latin typeface="+mn-lt"/>
-                <a:ea typeface="+mn-ea"/>
-                <a:cs typeface="+mn-cs"/>
-              </a:defRPr>
-            </a:lvl3pPr>
-            <a:lvl4pPr marL="1600200" indent="-228600" algn="l" defTabSz="457200" rtl="0" eaLnBrk="1" latinLnBrk="0" hangingPunct="1">
-              <a:spcBef>
-                <a:spcPct val="20000"/>
-              </a:spcBef>
-              <a:buFont typeface="Arial"/>
-              <a:buChar char="–"/>
-              <a:defRPr sz="2000" kern="1200">
-                <a:solidFill>
-                  <a:schemeClr val="tx1"/>
-                </a:solidFill>
-                <a:latin typeface="+mn-lt"/>
-                <a:ea typeface="+mn-ea"/>
-                <a:cs typeface="+mn-cs"/>
-              </a:defRPr>
-            </a:lvl4pPr>
-            <a:lvl5pPr marL="2057400" indent="-228600" algn="l" defTabSz="457200" rtl="0" eaLnBrk="1" latinLnBrk="0" hangingPunct="1">
-              <a:spcBef>
-                <a:spcPct val="20000"/>
-              </a:spcBef>
-              <a:buFont typeface="Arial"/>
-              <a:buChar char="»"/>
-              <a:defRPr sz="2000" kern="1200">
-                <a:solidFill>
-                  <a:schemeClr val="tx1"/>
-                </a:solidFill>
-                <a:latin typeface="+mn-lt"/>
-                <a:ea typeface="+mn-ea"/>
-                <a:cs typeface="+mn-cs"/>
-              </a:defRPr>
-            </a:lvl5pPr>
-            <a:lvl6pPr marL="2514600" indent="-228600" algn="l" defTabSz="457200" rtl="0" eaLnBrk="1" latinLnBrk="0" hangingPunct="1">
-              <a:spcBef>
-                <a:spcPct val="20000"/>
-              </a:spcBef>
-              <a:buFont typeface="Arial"/>
-              <a:buChar char="•"/>
-              <a:defRPr sz="2000" kern="1200">
-                <a:solidFill>
-                  <a:schemeClr val="tx1"/>
-                </a:solidFill>
-                <a:latin typeface="+mn-lt"/>
-                <a:ea typeface="+mn-ea"/>
-                <a:cs typeface="+mn-cs"/>
-              </a:defRPr>
-            </a:lvl6pPr>
-            <a:lvl7pPr marL="2971800" indent="-228600" algn="l" defTabSz="457200" rtl="0" eaLnBrk="1" latinLnBrk="0" hangingPunct="1">
-              <a:spcBef>
-                <a:spcPct val="20000"/>
-              </a:spcBef>
-              <a:buFont typeface="Arial"/>
-              <a:buChar char="•"/>
-              <a:defRPr sz="2000" kern="1200">
-                <a:solidFill>
-                  <a:schemeClr val="tx1"/>
-                </a:solidFill>
-                <a:latin typeface="+mn-lt"/>
-                <a:ea typeface="+mn-ea"/>
-                <a:cs typeface="+mn-cs"/>
-              </a:defRPr>
-            </a:lvl7pPr>
-            <a:lvl8pPr marL="3429000" indent="-228600" algn="l" defTabSz="457200" rtl="0" eaLnBrk="1" latinLnBrk="0" hangingPunct="1">
-              <a:spcBef>
-                <a:spcPct val="20000"/>
-              </a:spcBef>
-              <a:buFont typeface="Arial"/>
-              <a:buChar char="•"/>
-              <a:defRPr sz="2000" kern="1200">
-                <a:solidFill>
-                  <a:schemeClr val="tx1"/>
-                </a:solidFill>
-                <a:latin typeface="+mn-lt"/>
-                <a:ea typeface="+mn-ea"/>
-                <a:cs typeface="+mn-cs"/>
-              </a:defRPr>
-            </a:lvl8pPr>
-            <a:lvl9pPr marL="3886200" indent="-228600" algn="l" defTabSz="457200" rtl="0" eaLnBrk="1" latinLnBrk="0" hangingPunct="1">
-              <a:spcBef>
-                <a:spcPct val="20000"/>
-              </a:spcBef>
-              <a:buFont typeface="Arial"/>
-              <a:buChar char="•"/>
-              <a:defRPr sz="2000" kern="1200">
-                <a:solidFill>
-                  <a:schemeClr val="tx1"/>
-                </a:solidFill>
-                <a:latin typeface="+mn-lt"/>
-                <a:ea typeface="+mn-ea"/>
-                <a:cs typeface="+mn-cs"/>
-              </a:defRPr>
-            </a:lvl9pPr>
-          </a:lstStyle>
-          <a:p>
-            <a:r>
-              <a:rPr lang="en-US" dirty="0" smtClean="0">
-                <a:latin typeface="Times New Roman" pitchFamily="18" charset="0"/>
-                <a:cs typeface="Times New Roman" pitchFamily="18" charset="0"/>
-              </a:rPr>
-              <a:t>Functional requirements identifies the necessary tasks to be accomplished.</a:t>
-            </a:r>
-          </a:p>
-          <a:p>
-            <a:r>
-              <a:rPr lang="en-US" dirty="0" smtClean="0">
-                <a:latin typeface="Times New Roman" pitchFamily="18" charset="0"/>
-                <a:cs typeface="Times New Roman" pitchFamily="18" charset="0"/>
-              </a:rPr>
-              <a:t>The functional requirements of our project includes  </a:t>
-            </a:r>
-          </a:p>
-          <a:p>
-            <a:pPr lvl="1"/>
-            <a:r>
-              <a:rPr lang="en-US" dirty="0" smtClean="0">
-                <a:latin typeface="Times New Roman" pitchFamily="18" charset="0"/>
-                <a:cs typeface="Times New Roman" pitchFamily="18" charset="0"/>
-              </a:rPr>
-              <a:t>Users availability of time.</a:t>
-            </a:r>
-          </a:p>
-          <a:p>
-            <a:pPr lvl="1"/>
-            <a:r>
-              <a:rPr lang="en-US" dirty="0" smtClean="0">
-                <a:latin typeface="Times New Roman" pitchFamily="18" charset="0"/>
-                <a:cs typeface="Times New Roman" pitchFamily="18" charset="0"/>
-              </a:rPr>
-              <a:t>His/her starting and ending destination.</a:t>
-            </a:r>
-          </a:p>
-          <a:p>
-            <a:pPr lvl="1"/>
-            <a:r>
-              <a:rPr lang="en-US" dirty="0" smtClean="0">
-                <a:latin typeface="Times New Roman" pitchFamily="18" charset="0"/>
-                <a:cs typeface="Times New Roman" pitchFamily="18" charset="0"/>
-              </a:rPr>
-              <a:t>Users choice of places to visit.</a:t>
-            </a:r>
-          </a:p>
-        </p:txBody>
-      </p:sp>
-    </p:spTree>
-    <p:extLst>
-      <p:ext uri="{BB962C8B-B14F-4D97-AF65-F5344CB8AC3E}">
-        <p14:creationId xmlns:p14="http://schemas.microsoft.com/office/powerpoint/2010/main" val="1079774974"/>
-      </p:ext>
-    </p:extLst>
-  </p:cSld>
-  <p:clrMapOvr>
-    <a:masterClrMapping/>
-  </p:clrMapOvr>
-  <p:timing>
-    <p:tnLst>
-      <p:par>
-        <p:cTn xmlns:p14="http://schemas.microsoft.com/office/powerpoint/2010/main" id="1" dur="indefinite" restart="never" nodeType="tmRoot"/>
-      </p:par>
-    </p:tnLst>
-  </p:timing>
-</p:sld>
-</file>
-
-<file path=ppt/slides/slide15.xml><?xml version="1.0" encoding="utf-8"?>
-<p:sld xmlns:a="http://schemas.openxmlformats.org/drawingml/2006/main" xmlns:r="http://schemas.openxmlformats.org/officeDocument/2006/relationships" xmlns:p="http://schemas.openxmlformats.org/presentationml/2006/main">
-  <p:cSld>
-    <p:spTree>
-      <p:nvGrpSpPr>
-        <p:cNvPr id="1" name=""/>
-        <p:cNvGrpSpPr/>
-        <p:nvPr/>
-      </p:nvGrpSpPr>
-      <p:grpSpPr>
-        <a:xfrm>
-          <a:off x="0" y="0"/>
-          <a:ext cx="0" cy="0"/>
-          <a:chOff x="0" y="0"/>
-          <a:chExt cx="0" cy="0"/>
-        </a:xfrm>
-      </p:grpSpPr>
-      <p:sp>
-        <p:nvSpPr>
-          <p:cNvPr id="4" name="Title 3"/>
-          <p:cNvSpPr>
-            <a:spLocks noGrp="1"/>
-          </p:cNvSpPr>
-          <p:nvPr>
-            <p:ph type="title"/>
-          </p:nvPr>
-        </p:nvSpPr>
-        <p:spPr/>
-        <p:txBody>
-          <a:bodyPr>
-            <a:normAutofit/>
-          </a:bodyPr>
-          <a:lstStyle/>
-          <a:p>
-            <a:r>
-              <a:rPr lang="en-US" dirty="0" smtClean="0"/>
-              <a:t>NON - FUNTIONAL REQUIREMENTS</a:t>
-            </a:r>
-            <a:endParaRPr lang="en-US" dirty="0"/>
-          </a:p>
-        </p:txBody>
-      </p:sp>
-      <p:sp>
-        <p:nvSpPr>
-          <p:cNvPr id="3" name="Text Placeholder 5"/>
-          <p:cNvSpPr txBox="1">
-            <a:spLocks/>
-          </p:cNvSpPr>
-          <p:nvPr/>
-        </p:nvSpPr>
-        <p:spPr>
-          <a:xfrm>
-            <a:off x="268288" y="1503363"/>
-            <a:ext cx="8653462" cy="4973637"/>
-          </a:xfrm>
-          <a:prstGeom prst="rect">
-            <a:avLst/>
-          </a:prstGeom>
-        </p:spPr>
-        <p:txBody>
-          <a:bodyPr vert="horz" lIns="91440" tIns="45720" rIns="91440" bIns="45720" rtlCol="0">
-            <a:normAutofit fontScale="92500" lnSpcReduction="10000"/>
-          </a:bodyPr>
-          <a:lstStyle>
-            <a:lvl1pPr marL="342900" indent="-342900" algn="l" defTabSz="457200" rtl="0" eaLnBrk="1" latinLnBrk="0" hangingPunct="1">
-              <a:spcBef>
-                <a:spcPct val="20000"/>
-              </a:spcBef>
-              <a:buFont typeface="Arial"/>
-              <a:buChar char="•"/>
-              <a:defRPr sz="3200" kern="1200">
-                <a:solidFill>
-                  <a:schemeClr val="tx1"/>
-                </a:solidFill>
-                <a:latin typeface="+mn-lt"/>
-                <a:ea typeface="+mn-ea"/>
-                <a:cs typeface="+mn-cs"/>
-              </a:defRPr>
-            </a:lvl1pPr>
-            <a:lvl2pPr marL="742950" indent="-285750" algn="l" defTabSz="457200" rtl="0" eaLnBrk="1" latinLnBrk="0" hangingPunct="1">
-              <a:spcBef>
-                <a:spcPct val="20000"/>
-              </a:spcBef>
-              <a:buFont typeface="Arial"/>
-              <a:buChar char="–"/>
-              <a:defRPr sz="2800" kern="1200">
-                <a:solidFill>
-                  <a:schemeClr val="tx1"/>
-                </a:solidFill>
-                <a:latin typeface="+mn-lt"/>
-                <a:ea typeface="+mn-ea"/>
-                <a:cs typeface="+mn-cs"/>
-              </a:defRPr>
-            </a:lvl2pPr>
-            <a:lvl3pPr marL="1143000" indent="-228600" algn="l" defTabSz="457200" rtl="0" eaLnBrk="1" latinLnBrk="0" hangingPunct="1">
-              <a:spcBef>
-                <a:spcPct val="20000"/>
-              </a:spcBef>
-              <a:buFont typeface="Arial"/>
-              <a:buChar char="•"/>
-              <a:defRPr sz="2400" kern="1200">
-                <a:solidFill>
-                  <a:schemeClr val="tx1"/>
-                </a:solidFill>
-                <a:latin typeface="+mn-lt"/>
-                <a:ea typeface="+mn-ea"/>
-                <a:cs typeface="+mn-cs"/>
-              </a:defRPr>
-            </a:lvl3pPr>
-            <a:lvl4pPr marL="1600200" indent="-228600" algn="l" defTabSz="457200" rtl="0" eaLnBrk="1" latinLnBrk="0" hangingPunct="1">
-              <a:spcBef>
-                <a:spcPct val="20000"/>
-              </a:spcBef>
-              <a:buFont typeface="Arial"/>
-              <a:buChar char="–"/>
-              <a:defRPr sz="2000" kern="1200">
-                <a:solidFill>
-                  <a:schemeClr val="tx1"/>
-                </a:solidFill>
-                <a:latin typeface="+mn-lt"/>
-                <a:ea typeface="+mn-ea"/>
-                <a:cs typeface="+mn-cs"/>
-              </a:defRPr>
-            </a:lvl4pPr>
-            <a:lvl5pPr marL="2057400" indent="-228600" algn="l" defTabSz="457200" rtl="0" eaLnBrk="1" latinLnBrk="0" hangingPunct="1">
-              <a:spcBef>
-                <a:spcPct val="20000"/>
-              </a:spcBef>
-              <a:buFont typeface="Arial"/>
-              <a:buChar char="»"/>
-              <a:defRPr sz="2000" kern="1200">
-                <a:solidFill>
-                  <a:schemeClr val="tx1"/>
-                </a:solidFill>
-                <a:latin typeface="+mn-lt"/>
-                <a:ea typeface="+mn-ea"/>
-                <a:cs typeface="+mn-cs"/>
-              </a:defRPr>
-            </a:lvl5pPr>
-            <a:lvl6pPr marL="2514600" indent="-228600" algn="l" defTabSz="457200" rtl="0" eaLnBrk="1" latinLnBrk="0" hangingPunct="1">
-              <a:spcBef>
-                <a:spcPct val="20000"/>
-              </a:spcBef>
-              <a:buFont typeface="Arial"/>
-              <a:buChar char="•"/>
-              <a:defRPr sz="2000" kern="1200">
-                <a:solidFill>
-                  <a:schemeClr val="tx1"/>
-                </a:solidFill>
-                <a:latin typeface="+mn-lt"/>
-                <a:ea typeface="+mn-ea"/>
-                <a:cs typeface="+mn-cs"/>
-              </a:defRPr>
-            </a:lvl6pPr>
-            <a:lvl7pPr marL="2971800" indent="-228600" algn="l" defTabSz="457200" rtl="0" eaLnBrk="1" latinLnBrk="0" hangingPunct="1">
-              <a:spcBef>
-                <a:spcPct val="20000"/>
-              </a:spcBef>
-              <a:buFont typeface="Arial"/>
-              <a:buChar char="•"/>
-              <a:defRPr sz="2000" kern="1200">
-                <a:solidFill>
-                  <a:schemeClr val="tx1"/>
-                </a:solidFill>
-                <a:latin typeface="+mn-lt"/>
-                <a:ea typeface="+mn-ea"/>
-                <a:cs typeface="+mn-cs"/>
-              </a:defRPr>
-            </a:lvl7pPr>
-            <a:lvl8pPr marL="3429000" indent="-228600" algn="l" defTabSz="457200" rtl="0" eaLnBrk="1" latinLnBrk="0" hangingPunct="1">
-              <a:spcBef>
-                <a:spcPct val="20000"/>
-              </a:spcBef>
-              <a:buFont typeface="Arial"/>
-              <a:buChar char="•"/>
-              <a:defRPr sz="2000" kern="1200">
-                <a:solidFill>
-                  <a:schemeClr val="tx1"/>
-                </a:solidFill>
-                <a:latin typeface="+mn-lt"/>
-                <a:ea typeface="+mn-ea"/>
-                <a:cs typeface="+mn-cs"/>
-              </a:defRPr>
-            </a:lvl8pPr>
-            <a:lvl9pPr marL="3886200" indent="-228600" algn="l" defTabSz="457200" rtl="0" eaLnBrk="1" latinLnBrk="0" hangingPunct="1">
-              <a:spcBef>
-                <a:spcPct val="20000"/>
-              </a:spcBef>
-              <a:buFont typeface="Arial"/>
-              <a:buChar char="•"/>
-              <a:defRPr sz="2000" kern="1200">
-                <a:solidFill>
-                  <a:schemeClr val="tx1"/>
-                </a:solidFill>
-                <a:latin typeface="+mn-lt"/>
-                <a:ea typeface="+mn-ea"/>
-                <a:cs typeface="+mn-cs"/>
-              </a:defRPr>
-            </a:lvl9pPr>
-          </a:lstStyle>
-          <a:p>
             <a:pPr marL="301752" lvl="1" indent="0">
               <a:buFont typeface="Arial"/>
               <a:buNone/>
@@ -5332,7 +6450,7 @@
 </p:sld>
 </file>
 
-<file path=ppt/slides/slide16.xml><?xml version="1.0" encoding="utf-8"?>
+<file path=ppt/slides/slide7.xml><?xml version="1.0" encoding="utf-8"?>
 <p:sld xmlns:a="http://schemas.openxmlformats.org/drawingml/2006/main" xmlns:r="http://schemas.openxmlformats.org/officeDocument/2006/relationships" xmlns:p="http://schemas.openxmlformats.org/presentationml/2006/main">
   <p:cSld>
     <p:spTree>
@@ -5644,7 +6762,7 @@
 </p:sld>
 </file>
 
-<file path=ppt/slides/slide17.xml><?xml version="1.0" encoding="utf-8"?>
+<file path=ppt/slides/slide8.xml><?xml version="1.0" encoding="utf-8"?>
 <p:sld xmlns:a="http://schemas.openxmlformats.org/drawingml/2006/main" xmlns:r="http://schemas.openxmlformats.org/officeDocument/2006/relationships" xmlns:p="http://schemas.openxmlformats.org/presentationml/2006/main">
   <p:cSld>
     <p:spTree>
@@ -6447,2766 +7565,6 @@
     <p:extLst>
       <p:ext uri="{BB962C8B-B14F-4D97-AF65-F5344CB8AC3E}">
         <p14:creationId xmlns:p14="http://schemas.microsoft.com/office/powerpoint/2010/main" val="1484827292"/>
-      </p:ext>
-    </p:extLst>
-  </p:cSld>
-  <p:clrMapOvr>
-    <a:masterClrMapping/>
-  </p:clrMapOvr>
-  <p:timing>
-    <p:tnLst>
-      <p:par>
-        <p:cTn xmlns:p14="http://schemas.microsoft.com/office/powerpoint/2010/main" id="1" dur="indefinite" restart="never" nodeType="tmRoot"/>
-      </p:par>
-    </p:tnLst>
-  </p:timing>
-</p:sld>
-</file>
-
-<file path=ppt/slides/slide18.xml><?xml version="1.0" encoding="utf-8"?>
-<p:sld xmlns:a="http://schemas.openxmlformats.org/drawingml/2006/main" xmlns:r="http://schemas.openxmlformats.org/officeDocument/2006/relationships" xmlns:p="http://schemas.openxmlformats.org/presentationml/2006/main">
-  <p:cSld>
-    <p:spTree>
-      <p:nvGrpSpPr>
-        <p:cNvPr id="1" name=""/>
-        <p:cNvGrpSpPr/>
-        <p:nvPr/>
-      </p:nvGrpSpPr>
-      <p:grpSpPr>
-        <a:xfrm>
-          <a:off x="0" y="0"/>
-          <a:ext cx="0" cy="0"/>
-          <a:chOff x="0" y="0"/>
-          <a:chExt cx="0" cy="0"/>
-        </a:xfrm>
-      </p:grpSpPr>
-      <p:sp>
-        <p:nvSpPr>
-          <p:cNvPr id="4" name="Title 3"/>
-          <p:cNvSpPr>
-            <a:spLocks noGrp="1"/>
-          </p:cNvSpPr>
-          <p:nvPr>
-            <p:ph type="title"/>
-          </p:nvPr>
-        </p:nvSpPr>
-        <p:spPr/>
-        <p:txBody>
-          <a:bodyPr>
-            <a:normAutofit/>
-          </a:bodyPr>
-          <a:lstStyle/>
-          <a:p>
-            <a:r>
-              <a:rPr lang="en-US" dirty="0" smtClean="0"/>
-              <a:t>SYSTEM ARCHITECTURE</a:t>
-            </a:r>
-            <a:endParaRPr lang="en-US" dirty="0"/>
-          </a:p>
-        </p:txBody>
-      </p:sp>
-      <p:sp>
-        <p:nvSpPr>
-          <p:cNvPr id="5" name="Rounded Rectangle 4"/>
-          <p:cNvSpPr>
-            <a:spLocks noChangeAspect="1"/>
-          </p:cNvSpPr>
-          <p:nvPr/>
-        </p:nvSpPr>
-        <p:spPr>
-          <a:xfrm>
-            <a:off x="457200" y="1570962"/>
-            <a:ext cx="1488165" cy="720080"/>
-          </a:xfrm>
-          <a:prstGeom prst="roundRect">
-            <a:avLst/>
-          </a:prstGeom>
-          <a:noFill/>
-          <a:ln w="57150">
-            <a:solidFill>
-              <a:schemeClr val="tx1"/>
-            </a:solidFill>
-            <a:miter lim="800000"/>
-          </a:ln>
-        </p:spPr>
-        <p:style>
-          <a:lnRef idx="2">
-            <a:schemeClr val="accent1">
-              <a:shade val="50000"/>
-            </a:schemeClr>
-          </a:lnRef>
-          <a:fillRef idx="1">
-            <a:schemeClr val="accent1"/>
-          </a:fillRef>
-          <a:effectRef idx="0">
-            <a:schemeClr val="accent1"/>
-          </a:effectRef>
-          <a:fontRef idx="minor">
-            <a:schemeClr val="lt1"/>
-          </a:fontRef>
-        </p:style>
-        <p:txBody>
-          <a:bodyPr rtlCol="0" anchor="ctr"/>
-          <a:lstStyle/>
-          <a:p>
-            <a:pPr algn="ctr"/>
-            <a:r>
-              <a:rPr lang="en-US" b="1" dirty="0" smtClean="0">
-                <a:solidFill>
-                  <a:schemeClr val="tx1"/>
-                </a:solidFill>
-                <a:latin typeface="Times New Roman" pitchFamily="18" charset="0"/>
-                <a:cs typeface="Times New Roman" pitchFamily="18" charset="0"/>
-              </a:rPr>
-              <a:t>TOURIST PLACES</a:t>
-            </a:r>
-            <a:endParaRPr lang="en-IN" b="1" dirty="0">
-              <a:solidFill>
-                <a:schemeClr val="tx1"/>
-              </a:solidFill>
-              <a:latin typeface="Times New Roman" pitchFamily="18" charset="0"/>
-              <a:cs typeface="Times New Roman" pitchFamily="18" charset="0"/>
-            </a:endParaRPr>
-          </a:p>
-        </p:txBody>
-      </p:sp>
-      <p:sp>
-        <p:nvSpPr>
-          <p:cNvPr id="6" name="Rounded Rectangle 5"/>
-          <p:cNvSpPr>
-            <a:spLocks noChangeAspect="1"/>
-          </p:cNvSpPr>
-          <p:nvPr/>
-        </p:nvSpPr>
-        <p:spPr>
-          <a:xfrm>
-            <a:off x="457200" y="2528772"/>
-            <a:ext cx="1488165" cy="720080"/>
-          </a:xfrm>
-          <a:prstGeom prst="roundRect">
-            <a:avLst/>
-          </a:prstGeom>
-          <a:noFill/>
-          <a:ln w="57150">
-            <a:solidFill>
-              <a:schemeClr val="tx1"/>
-            </a:solidFill>
-            <a:miter lim="800000"/>
-          </a:ln>
-        </p:spPr>
-        <p:style>
-          <a:lnRef idx="2">
-            <a:schemeClr val="accent1">
-              <a:shade val="50000"/>
-            </a:schemeClr>
-          </a:lnRef>
-          <a:fillRef idx="1">
-            <a:schemeClr val="accent1"/>
-          </a:fillRef>
-          <a:effectRef idx="0">
-            <a:schemeClr val="accent1"/>
-          </a:effectRef>
-          <a:fontRef idx="minor">
-            <a:schemeClr val="lt1"/>
-          </a:fontRef>
-        </p:style>
-        <p:txBody>
-          <a:bodyPr rtlCol="0" anchor="ctr"/>
-          <a:lstStyle/>
-          <a:p>
-            <a:pPr algn="ctr"/>
-            <a:r>
-              <a:rPr lang="en-US" b="1" dirty="0" smtClean="0">
-                <a:solidFill>
-                  <a:schemeClr val="tx1"/>
-                </a:solidFill>
-                <a:latin typeface="Times New Roman" pitchFamily="18" charset="0"/>
-                <a:cs typeface="Times New Roman" pitchFamily="18" charset="0"/>
-              </a:rPr>
-              <a:t>SITE -SEEING</a:t>
-            </a:r>
-            <a:endParaRPr lang="en-IN" b="1" dirty="0">
-              <a:solidFill>
-                <a:schemeClr val="tx1"/>
-              </a:solidFill>
-              <a:latin typeface="Times New Roman" pitchFamily="18" charset="0"/>
-              <a:cs typeface="Times New Roman" pitchFamily="18" charset="0"/>
-            </a:endParaRPr>
-          </a:p>
-        </p:txBody>
-      </p:sp>
-      <p:sp>
-        <p:nvSpPr>
-          <p:cNvPr id="7" name="Rounded Rectangle 6"/>
-          <p:cNvSpPr>
-            <a:spLocks noChangeAspect="1"/>
-          </p:cNvSpPr>
-          <p:nvPr/>
-        </p:nvSpPr>
-        <p:spPr>
-          <a:xfrm>
-            <a:off x="457200" y="4610880"/>
-            <a:ext cx="1488165" cy="720080"/>
-          </a:xfrm>
-          <a:prstGeom prst="roundRect">
-            <a:avLst/>
-          </a:prstGeom>
-          <a:noFill/>
-          <a:ln w="57150">
-            <a:solidFill>
-              <a:schemeClr val="tx1"/>
-            </a:solidFill>
-            <a:miter lim="800000"/>
-          </a:ln>
-        </p:spPr>
-        <p:style>
-          <a:lnRef idx="2">
-            <a:schemeClr val="accent1">
-              <a:shade val="50000"/>
-            </a:schemeClr>
-          </a:lnRef>
-          <a:fillRef idx="1">
-            <a:schemeClr val="accent1"/>
-          </a:fillRef>
-          <a:effectRef idx="0">
-            <a:schemeClr val="accent1"/>
-          </a:effectRef>
-          <a:fontRef idx="minor">
-            <a:schemeClr val="lt1"/>
-          </a:fontRef>
-        </p:style>
-        <p:txBody>
-          <a:bodyPr rtlCol="0" anchor="ctr"/>
-          <a:lstStyle/>
-          <a:p>
-            <a:pPr algn="ctr"/>
-            <a:r>
-              <a:rPr lang="en-US" b="1" dirty="0" smtClean="0">
-                <a:solidFill>
-                  <a:schemeClr val="tx1"/>
-                </a:solidFill>
-                <a:latin typeface="Times New Roman" pitchFamily="18" charset="0"/>
-                <a:cs typeface="Times New Roman" pitchFamily="18" charset="0"/>
-              </a:rPr>
-              <a:t>SHOPPING</a:t>
-            </a:r>
-            <a:endParaRPr lang="en-IN" b="1" dirty="0">
-              <a:solidFill>
-                <a:schemeClr val="tx1"/>
-              </a:solidFill>
-              <a:latin typeface="Times New Roman" pitchFamily="18" charset="0"/>
-              <a:cs typeface="Times New Roman" pitchFamily="18" charset="0"/>
-            </a:endParaRPr>
-          </a:p>
-        </p:txBody>
-      </p:sp>
-      <p:sp>
-        <p:nvSpPr>
-          <p:cNvPr id="8" name="Rounded Rectangle 7"/>
-          <p:cNvSpPr>
-            <a:spLocks noChangeAspect="1"/>
-          </p:cNvSpPr>
-          <p:nvPr/>
-        </p:nvSpPr>
-        <p:spPr>
-          <a:xfrm>
-            <a:off x="3016251" y="3980965"/>
-            <a:ext cx="1642878" cy="1436122"/>
-          </a:xfrm>
-          <a:prstGeom prst="roundRect">
-            <a:avLst/>
-          </a:prstGeom>
-          <a:noFill/>
-          <a:ln w="57150">
-            <a:solidFill>
-              <a:schemeClr val="tx1"/>
-            </a:solidFill>
-            <a:miter lim="800000"/>
-          </a:ln>
-        </p:spPr>
-        <p:style>
-          <a:lnRef idx="2">
-            <a:schemeClr val="accent1">
-              <a:shade val="50000"/>
-            </a:schemeClr>
-          </a:lnRef>
-          <a:fillRef idx="1">
-            <a:schemeClr val="accent1"/>
-          </a:fillRef>
-          <a:effectRef idx="0">
-            <a:schemeClr val="accent1"/>
-          </a:effectRef>
-          <a:fontRef idx="minor">
-            <a:schemeClr val="lt1"/>
-          </a:fontRef>
-        </p:style>
-        <p:txBody>
-          <a:bodyPr rtlCol="0" anchor="ctr"/>
-          <a:lstStyle/>
-          <a:p>
-            <a:pPr algn="ctr"/>
-            <a:r>
-              <a:rPr lang="en-US" b="1" dirty="0" smtClean="0">
-                <a:solidFill>
-                  <a:schemeClr val="tx1"/>
-                </a:solidFill>
-                <a:latin typeface="Times New Roman" pitchFamily="18" charset="0"/>
-                <a:cs typeface="Times New Roman" pitchFamily="18" charset="0"/>
-              </a:rPr>
-              <a:t>STARTING AND ENDING LOCATION</a:t>
-            </a:r>
-            <a:endParaRPr lang="en-IN" b="1" dirty="0">
-              <a:solidFill>
-                <a:schemeClr val="tx1"/>
-              </a:solidFill>
-              <a:latin typeface="Times New Roman" pitchFamily="18" charset="0"/>
-              <a:cs typeface="Times New Roman" pitchFamily="18" charset="0"/>
-            </a:endParaRPr>
-          </a:p>
-        </p:txBody>
-      </p:sp>
-      <p:sp>
-        <p:nvSpPr>
-          <p:cNvPr id="9" name="Rounded Rectangle 8"/>
-          <p:cNvSpPr>
-            <a:spLocks noChangeAspect="1"/>
-          </p:cNvSpPr>
-          <p:nvPr/>
-        </p:nvSpPr>
-        <p:spPr>
-          <a:xfrm>
-            <a:off x="2762906" y="1570961"/>
-            <a:ext cx="2110719" cy="4836081"/>
-          </a:xfrm>
-          <a:prstGeom prst="roundRect">
-            <a:avLst/>
-          </a:prstGeom>
-          <a:noFill/>
-          <a:ln w="57150">
-            <a:solidFill>
-              <a:schemeClr val="tx1"/>
-            </a:solidFill>
-            <a:miter lim="800000"/>
-          </a:ln>
-        </p:spPr>
-        <p:style>
-          <a:lnRef idx="2">
-            <a:schemeClr val="accent1">
-              <a:shade val="50000"/>
-            </a:schemeClr>
-          </a:lnRef>
-          <a:fillRef idx="1">
-            <a:schemeClr val="accent1"/>
-          </a:fillRef>
-          <a:effectRef idx="0">
-            <a:schemeClr val="accent1"/>
-          </a:effectRef>
-          <a:fontRef idx="minor">
-            <a:schemeClr val="lt1"/>
-          </a:fontRef>
-        </p:style>
-        <p:txBody>
-          <a:bodyPr rtlCol="0" anchor="ctr"/>
-          <a:lstStyle/>
-          <a:p>
-            <a:pPr algn="ctr"/>
-            <a:endParaRPr lang="en-IN" sz="1200" b="1" dirty="0">
-              <a:solidFill>
-                <a:schemeClr val="tx1"/>
-              </a:solidFill>
-              <a:latin typeface="Times New Roman" pitchFamily="18" charset="0"/>
-              <a:cs typeface="Times New Roman" pitchFamily="18" charset="0"/>
-            </a:endParaRPr>
-          </a:p>
-        </p:txBody>
-      </p:sp>
-      <p:sp>
-        <p:nvSpPr>
-          <p:cNvPr id="10" name="Rounded Rectangle 9"/>
-          <p:cNvSpPr>
-            <a:spLocks noChangeAspect="1"/>
-          </p:cNvSpPr>
-          <p:nvPr/>
-        </p:nvSpPr>
-        <p:spPr>
-          <a:xfrm>
-            <a:off x="457200" y="3615510"/>
-            <a:ext cx="1488165" cy="720080"/>
-          </a:xfrm>
-          <a:prstGeom prst="roundRect">
-            <a:avLst/>
-          </a:prstGeom>
-          <a:noFill/>
-          <a:ln w="57150">
-            <a:solidFill>
-              <a:schemeClr val="tx1"/>
-            </a:solidFill>
-            <a:miter lim="800000"/>
-          </a:ln>
-        </p:spPr>
-        <p:style>
-          <a:lnRef idx="2">
-            <a:schemeClr val="accent1">
-              <a:shade val="50000"/>
-            </a:schemeClr>
-          </a:lnRef>
-          <a:fillRef idx="1">
-            <a:schemeClr val="accent1"/>
-          </a:fillRef>
-          <a:effectRef idx="0">
-            <a:schemeClr val="accent1"/>
-          </a:effectRef>
-          <a:fontRef idx="minor">
-            <a:schemeClr val="lt1"/>
-          </a:fontRef>
-        </p:style>
-        <p:txBody>
-          <a:bodyPr rtlCol="0" anchor="ctr"/>
-          <a:lstStyle/>
-          <a:p>
-            <a:pPr algn="ctr"/>
-            <a:r>
-              <a:rPr lang="en-US" sz="1400" b="1" dirty="0" smtClean="0">
-                <a:solidFill>
-                  <a:schemeClr val="tx1"/>
-                </a:solidFill>
-                <a:latin typeface="Times New Roman" pitchFamily="18" charset="0"/>
-                <a:cs typeface="Times New Roman" pitchFamily="18" charset="0"/>
-              </a:rPr>
-              <a:t>FAVORITE PLACES</a:t>
-            </a:r>
-            <a:endParaRPr lang="en-IN" sz="1400" b="1" dirty="0">
-              <a:solidFill>
-                <a:schemeClr val="tx1"/>
-              </a:solidFill>
-              <a:latin typeface="Times New Roman" pitchFamily="18" charset="0"/>
-              <a:cs typeface="Times New Roman" pitchFamily="18" charset="0"/>
-            </a:endParaRPr>
-          </a:p>
-        </p:txBody>
-      </p:sp>
-      <p:sp>
-        <p:nvSpPr>
-          <p:cNvPr id="12" name="Rounded Rectangle 11"/>
-          <p:cNvSpPr>
-            <a:spLocks noChangeAspect="1"/>
-          </p:cNvSpPr>
-          <p:nvPr/>
-        </p:nvSpPr>
-        <p:spPr>
-          <a:xfrm>
-            <a:off x="468336" y="5686962"/>
-            <a:ext cx="1488165" cy="720080"/>
-          </a:xfrm>
-          <a:prstGeom prst="roundRect">
-            <a:avLst/>
-          </a:prstGeom>
-          <a:noFill/>
-          <a:ln w="57150">
-            <a:solidFill>
-              <a:schemeClr val="tx1"/>
-            </a:solidFill>
-            <a:miter lim="800000"/>
-          </a:ln>
-        </p:spPr>
-        <p:style>
-          <a:lnRef idx="2">
-            <a:schemeClr val="accent1">
-              <a:shade val="50000"/>
-            </a:schemeClr>
-          </a:lnRef>
-          <a:fillRef idx="1">
-            <a:schemeClr val="accent1"/>
-          </a:fillRef>
-          <a:effectRef idx="0">
-            <a:schemeClr val="accent1"/>
-          </a:effectRef>
-          <a:fontRef idx="minor">
-            <a:schemeClr val="lt1"/>
-          </a:fontRef>
-        </p:style>
-        <p:txBody>
-          <a:bodyPr rtlCol="0" anchor="ctr"/>
-          <a:lstStyle/>
-          <a:p>
-            <a:pPr algn="ctr"/>
-            <a:r>
-              <a:rPr lang="en-US" b="1" dirty="0" smtClean="0">
-                <a:solidFill>
-                  <a:schemeClr val="tx1"/>
-                </a:solidFill>
-                <a:latin typeface="Times New Roman" pitchFamily="18" charset="0"/>
-                <a:cs typeface="Times New Roman" pitchFamily="18" charset="0"/>
-              </a:rPr>
-              <a:t>FOOD</a:t>
-            </a:r>
-            <a:endParaRPr lang="en-IN" b="1" dirty="0">
-              <a:solidFill>
-                <a:schemeClr val="tx1"/>
-              </a:solidFill>
-              <a:latin typeface="Times New Roman" pitchFamily="18" charset="0"/>
-              <a:cs typeface="Times New Roman" pitchFamily="18" charset="0"/>
-            </a:endParaRPr>
-          </a:p>
-        </p:txBody>
-      </p:sp>
-      <p:sp>
-        <p:nvSpPr>
-          <p:cNvPr id="13" name="Right Arrow 12"/>
-          <p:cNvSpPr>
-            <a:spLocks noChangeAspect="1"/>
-          </p:cNvSpPr>
-          <p:nvPr/>
-        </p:nvSpPr>
-        <p:spPr>
-          <a:xfrm>
-            <a:off x="1945365" y="1823002"/>
-            <a:ext cx="806405" cy="216000"/>
-          </a:xfrm>
-          <a:prstGeom prst="rightArrow">
-            <a:avLst/>
-          </a:prstGeom>
-          <a:solidFill>
-            <a:schemeClr val="tx1"/>
-          </a:solidFill>
-          <a:ln w="12700">
-            <a:miter lim="800000"/>
-          </a:ln>
-        </p:spPr>
-        <p:style>
-          <a:lnRef idx="2">
-            <a:schemeClr val="accent1">
-              <a:shade val="50000"/>
-            </a:schemeClr>
-          </a:lnRef>
-          <a:fillRef idx="1">
-            <a:schemeClr val="accent1"/>
-          </a:fillRef>
-          <a:effectRef idx="0">
-            <a:schemeClr val="accent1"/>
-          </a:effectRef>
-          <a:fontRef idx="minor">
-            <a:schemeClr val="lt1"/>
-          </a:fontRef>
-        </p:style>
-        <p:txBody>
-          <a:bodyPr rtlCol="0" anchor="ctr"/>
-          <a:lstStyle/>
-          <a:p>
-            <a:pPr algn="ctr"/>
-            <a:endParaRPr lang="en-IN">
-              <a:latin typeface="Times New Roman" pitchFamily="18" charset="0"/>
-              <a:cs typeface="Times New Roman" pitchFamily="18" charset="0"/>
-            </a:endParaRPr>
-          </a:p>
-        </p:txBody>
-      </p:sp>
-      <p:sp>
-        <p:nvSpPr>
-          <p:cNvPr id="14" name="Right Arrow 13"/>
-          <p:cNvSpPr>
-            <a:spLocks noChangeAspect="1"/>
-          </p:cNvSpPr>
-          <p:nvPr/>
-        </p:nvSpPr>
-        <p:spPr>
-          <a:xfrm>
-            <a:off x="4919918" y="2088782"/>
-            <a:ext cx="755109" cy="202260"/>
-          </a:xfrm>
-          <a:prstGeom prst="rightArrow">
-            <a:avLst/>
-          </a:prstGeom>
-          <a:solidFill>
-            <a:schemeClr val="tx1"/>
-          </a:solidFill>
-          <a:ln w="12700">
-            <a:miter lim="800000"/>
-          </a:ln>
-        </p:spPr>
-        <p:style>
-          <a:lnRef idx="2">
-            <a:schemeClr val="accent1">
-              <a:shade val="50000"/>
-            </a:schemeClr>
-          </a:lnRef>
-          <a:fillRef idx="1">
-            <a:schemeClr val="accent1"/>
-          </a:fillRef>
-          <a:effectRef idx="0">
-            <a:schemeClr val="accent1"/>
-          </a:effectRef>
-          <a:fontRef idx="minor">
-            <a:schemeClr val="lt1"/>
-          </a:fontRef>
-        </p:style>
-        <p:txBody>
-          <a:bodyPr rtlCol="0" anchor="ctr"/>
-          <a:lstStyle/>
-          <a:p>
-            <a:pPr algn="ctr"/>
-            <a:endParaRPr lang="en-IN">
-              <a:latin typeface="Times New Roman" pitchFamily="18" charset="0"/>
-              <a:cs typeface="Times New Roman" pitchFamily="18" charset="0"/>
-            </a:endParaRPr>
-          </a:p>
-        </p:txBody>
-      </p:sp>
-      <p:sp>
-        <p:nvSpPr>
-          <p:cNvPr id="17" name="Right Arrow 16"/>
-          <p:cNvSpPr>
-            <a:spLocks noChangeAspect="1"/>
-          </p:cNvSpPr>
-          <p:nvPr/>
-        </p:nvSpPr>
-        <p:spPr>
-          <a:xfrm rot="5400000">
-            <a:off x="6379726" y="2982726"/>
-            <a:ext cx="806405" cy="216000"/>
-          </a:xfrm>
-          <a:prstGeom prst="rightArrow">
-            <a:avLst/>
-          </a:prstGeom>
-          <a:solidFill>
-            <a:schemeClr val="tx1"/>
-          </a:solidFill>
-          <a:ln w="12700">
-            <a:miter lim="800000"/>
-          </a:ln>
-        </p:spPr>
-        <p:style>
-          <a:lnRef idx="2">
-            <a:schemeClr val="accent1">
-              <a:shade val="50000"/>
-            </a:schemeClr>
-          </a:lnRef>
-          <a:fillRef idx="1">
-            <a:schemeClr val="accent1"/>
-          </a:fillRef>
-          <a:effectRef idx="0">
-            <a:schemeClr val="accent1"/>
-          </a:effectRef>
-          <a:fontRef idx="minor">
-            <a:schemeClr val="lt1"/>
-          </a:fontRef>
-        </p:style>
-        <p:txBody>
-          <a:bodyPr rtlCol="0" anchor="ctr"/>
-          <a:lstStyle/>
-          <a:p>
-            <a:pPr algn="ctr"/>
-            <a:endParaRPr lang="en-IN">
-              <a:latin typeface="Times New Roman" pitchFamily="18" charset="0"/>
-              <a:cs typeface="Times New Roman" pitchFamily="18" charset="0"/>
-            </a:endParaRPr>
-          </a:p>
-        </p:txBody>
-      </p:sp>
-      <p:sp>
-        <p:nvSpPr>
-          <p:cNvPr id="23" name="Rounded Rectangle 22"/>
-          <p:cNvSpPr>
-            <a:spLocks noChangeAspect="1"/>
-          </p:cNvSpPr>
-          <p:nvPr/>
-        </p:nvSpPr>
-        <p:spPr>
-          <a:xfrm>
-            <a:off x="3016251" y="2781029"/>
-            <a:ext cx="1642877" cy="720080"/>
-          </a:xfrm>
-          <a:prstGeom prst="roundRect">
-            <a:avLst/>
-          </a:prstGeom>
-          <a:noFill/>
-          <a:ln w="57150">
-            <a:solidFill>
-              <a:schemeClr val="tx1"/>
-            </a:solidFill>
-            <a:miter lim="800000"/>
-          </a:ln>
-        </p:spPr>
-        <p:style>
-          <a:lnRef idx="2">
-            <a:schemeClr val="accent1">
-              <a:shade val="50000"/>
-            </a:schemeClr>
-          </a:lnRef>
-          <a:fillRef idx="1">
-            <a:schemeClr val="accent1"/>
-          </a:fillRef>
-          <a:effectRef idx="0">
-            <a:schemeClr val="accent1"/>
-          </a:effectRef>
-          <a:fontRef idx="minor">
-            <a:schemeClr val="lt1"/>
-          </a:fontRef>
-        </p:style>
-        <p:txBody>
-          <a:bodyPr rtlCol="0" anchor="ctr"/>
-          <a:lstStyle/>
-          <a:p>
-            <a:pPr algn="ctr"/>
-            <a:r>
-              <a:rPr lang="en-US" sz="1400" b="1" dirty="0" smtClean="0">
-                <a:solidFill>
-                  <a:schemeClr val="tx1"/>
-                </a:solidFill>
-                <a:latin typeface="Times New Roman" pitchFamily="18" charset="0"/>
-                <a:cs typeface="Times New Roman" pitchFamily="18" charset="0"/>
-              </a:rPr>
-              <a:t>USER TIME</a:t>
-            </a:r>
-            <a:endParaRPr lang="en-IN" sz="1400" b="1" dirty="0">
-              <a:solidFill>
-                <a:schemeClr val="tx1"/>
-              </a:solidFill>
-              <a:latin typeface="Times New Roman" pitchFamily="18" charset="0"/>
-              <a:cs typeface="Times New Roman" pitchFamily="18" charset="0"/>
-            </a:endParaRPr>
-          </a:p>
-        </p:txBody>
-      </p:sp>
-      <p:sp>
-        <p:nvSpPr>
-          <p:cNvPr id="26" name="Right Arrow 25"/>
-          <p:cNvSpPr>
-            <a:spLocks noChangeAspect="1"/>
-          </p:cNvSpPr>
-          <p:nvPr/>
-        </p:nvSpPr>
-        <p:spPr>
-          <a:xfrm>
-            <a:off x="1945365" y="2781099"/>
-            <a:ext cx="806405" cy="216000"/>
-          </a:xfrm>
-          <a:prstGeom prst="rightArrow">
-            <a:avLst/>
-          </a:prstGeom>
-          <a:solidFill>
-            <a:schemeClr val="tx1"/>
-          </a:solidFill>
-          <a:ln w="12700">
-            <a:miter lim="800000"/>
-          </a:ln>
-        </p:spPr>
-        <p:style>
-          <a:lnRef idx="2">
-            <a:schemeClr val="accent1">
-              <a:shade val="50000"/>
-            </a:schemeClr>
-          </a:lnRef>
-          <a:fillRef idx="1">
-            <a:schemeClr val="accent1"/>
-          </a:fillRef>
-          <a:effectRef idx="0">
-            <a:schemeClr val="accent1"/>
-          </a:effectRef>
-          <a:fontRef idx="minor">
-            <a:schemeClr val="lt1"/>
-          </a:fontRef>
-        </p:style>
-        <p:txBody>
-          <a:bodyPr rtlCol="0" anchor="ctr"/>
-          <a:lstStyle/>
-          <a:p>
-            <a:pPr algn="ctr"/>
-            <a:endParaRPr lang="en-IN">
-              <a:latin typeface="Times New Roman" pitchFamily="18" charset="0"/>
-              <a:cs typeface="Times New Roman" pitchFamily="18" charset="0"/>
-            </a:endParaRPr>
-          </a:p>
-        </p:txBody>
-      </p:sp>
-      <p:sp>
-        <p:nvSpPr>
-          <p:cNvPr id="27" name="Right Arrow 26"/>
-          <p:cNvSpPr>
-            <a:spLocks noChangeAspect="1"/>
-          </p:cNvSpPr>
-          <p:nvPr/>
-        </p:nvSpPr>
-        <p:spPr>
-          <a:xfrm>
-            <a:off x="1956501" y="3831510"/>
-            <a:ext cx="806405" cy="216000"/>
-          </a:xfrm>
-          <a:prstGeom prst="rightArrow">
-            <a:avLst/>
-          </a:prstGeom>
-          <a:solidFill>
-            <a:schemeClr val="tx1"/>
-          </a:solidFill>
-          <a:ln w="12700">
-            <a:miter lim="800000"/>
-          </a:ln>
-        </p:spPr>
-        <p:style>
-          <a:lnRef idx="2">
-            <a:schemeClr val="accent1">
-              <a:shade val="50000"/>
-            </a:schemeClr>
-          </a:lnRef>
-          <a:fillRef idx="1">
-            <a:schemeClr val="accent1"/>
-          </a:fillRef>
-          <a:effectRef idx="0">
-            <a:schemeClr val="accent1"/>
-          </a:effectRef>
-          <a:fontRef idx="minor">
-            <a:schemeClr val="lt1"/>
-          </a:fontRef>
-        </p:style>
-        <p:txBody>
-          <a:bodyPr rtlCol="0" anchor="ctr"/>
-          <a:lstStyle/>
-          <a:p>
-            <a:pPr algn="ctr"/>
-            <a:endParaRPr lang="en-IN">
-              <a:latin typeface="Times New Roman" pitchFamily="18" charset="0"/>
-              <a:cs typeface="Times New Roman" pitchFamily="18" charset="0"/>
-            </a:endParaRPr>
-          </a:p>
-        </p:txBody>
-      </p:sp>
-      <p:sp>
-        <p:nvSpPr>
-          <p:cNvPr id="28" name="Right Arrow 27"/>
-          <p:cNvSpPr>
-            <a:spLocks noChangeAspect="1"/>
-          </p:cNvSpPr>
-          <p:nvPr/>
-        </p:nvSpPr>
-        <p:spPr>
-          <a:xfrm>
-            <a:off x="1945365" y="4907345"/>
-            <a:ext cx="806405" cy="216000"/>
-          </a:xfrm>
-          <a:prstGeom prst="rightArrow">
-            <a:avLst/>
-          </a:prstGeom>
-          <a:solidFill>
-            <a:schemeClr val="tx1"/>
-          </a:solidFill>
-          <a:ln w="12700">
-            <a:miter lim="800000"/>
-          </a:ln>
-        </p:spPr>
-        <p:style>
-          <a:lnRef idx="2">
-            <a:schemeClr val="accent1">
-              <a:shade val="50000"/>
-            </a:schemeClr>
-          </a:lnRef>
-          <a:fillRef idx="1">
-            <a:schemeClr val="accent1"/>
-          </a:fillRef>
-          <a:effectRef idx="0">
-            <a:schemeClr val="accent1"/>
-          </a:effectRef>
-          <a:fontRef idx="minor">
-            <a:schemeClr val="lt1"/>
-          </a:fontRef>
-        </p:style>
-        <p:txBody>
-          <a:bodyPr rtlCol="0" anchor="ctr"/>
-          <a:lstStyle/>
-          <a:p>
-            <a:pPr algn="ctr"/>
-            <a:endParaRPr lang="en-IN">
-              <a:latin typeface="Times New Roman" pitchFamily="18" charset="0"/>
-              <a:cs typeface="Times New Roman" pitchFamily="18" charset="0"/>
-            </a:endParaRPr>
-          </a:p>
-        </p:txBody>
-      </p:sp>
-      <p:sp>
-        <p:nvSpPr>
-          <p:cNvPr id="29" name="Right Arrow 28"/>
-          <p:cNvSpPr>
-            <a:spLocks noChangeAspect="1"/>
-          </p:cNvSpPr>
-          <p:nvPr/>
-        </p:nvSpPr>
-        <p:spPr>
-          <a:xfrm>
-            <a:off x="1956501" y="5915183"/>
-            <a:ext cx="806405" cy="216000"/>
-          </a:xfrm>
-          <a:prstGeom prst="rightArrow">
-            <a:avLst/>
-          </a:prstGeom>
-          <a:solidFill>
-            <a:schemeClr val="tx1"/>
-          </a:solidFill>
-          <a:ln w="12700">
-            <a:miter lim="800000"/>
-          </a:ln>
-        </p:spPr>
-        <p:style>
-          <a:lnRef idx="2">
-            <a:schemeClr val="accent1">
-              <a:shade val="50000"/>
-            </a:schemeClr>
-          </a:lnRef>
-          <a:fillRef idx="1">
-            <a:schemeClr val="accent1"/>
-          </a:fillRef>
-          <a:effectRef idx="0">
-            <a:schemeClr val="accent1"/>
-          </a:effectRef>
-          <a:fontRef idx="minor">
-            <a:schemeClr val="lt1"/>
-          </a:fontRef>
-        </p:style>
-        <p:txBody>
-          <a:bodyPr rtlCol="0" anchor="ctr"/>
-          <a:lstStyle/>
-          <a:p>
-            <a:pPr algn="ctr"/>
-            <a:endParaRPr lang="en-IN">
-              <a:latin typeface="Times New Roman" pitchFamily="18" charset="0"/>
-              <a:cs typeface="Times New Roman" pitchFamily="18" charset="0"/>
-            </a:endParaRPr>
-          </a:p>
-        </p:txBody>
-      </p:sp>
-      <p:sp>
-        <p:nvSpPr>
-          <p:cNvPr id="30" name="Rounded Rectangle 29"/>
-          <p:cNvSpPr>
-            <a:spLocks noChangeAspect="1"/>
-          </p:cNvSpPr>
-          <p:nvPr/>
-        </p:nvSpPr>
-        <p:spPr>
-          <a:xfrm>
-            <a:off x="5724525" y="1729713"/>
-            <a:ext cx="2110719" cy="919277"/>
-          </a:xfrm>
-          <a:prstGeom prst="roundRect">
-            <a:avLst/>
-          </a:prstGeom>
-          <a:noFill/>
-          <a:ln w="57150">
-            <a:solidFill>
-              <a:schemeClr val="tx1"/>
-            </a:solidFill>
-            <a:miter lim="800000"/>
-          </a:ln>
-        </p:spPr>
-        <p:style>
-          <a:lnRef idx="2">
-            <a:schemeClr val="accent1">
-              <a:shade val="50000"/>
-            </a:schemeClr>
-          </a:lnRef>
-          <a:fillRef idx="1">
-            <a:schemeClr val="accent1"/>
-          </a:fillRef>
-          <a:effectRef idx="0">
-            <a:schemeClr val="accent1"/>
-          </a:effectRef>
-          <a:fontRef idx="minor">
-            <a:schemeClr val="lt1"/>
-          </a:fontRef>
-        </p:style>
-        <p:txBody>
-          <a:bodyPr rtlCol="0" anchor="ctr"/>
-          <a:lstStyle/>
-          <a:p>
-            <a:pPr algn="ctr"/>
-            <a:r>
-              <a:rPr lang="en-IN" sz="1200" b="1" dirty="0" smtClean="0">
-                <a:solidFill>
-                  <a:schemeClr val="tx1"/>
-                </a:solidFill>
-                <a:latin typeface="Times New Roman" pitchFamily="18" charset="0"/>
-                <a:cs typeface="Times New Roman" pitchFamily="18" charset="0"/>
-              </a:rPr>
-              <a:t>RECOMMENDATION  </a:t>
-            </a:r>
-            <a:endParaRPr lang="en-IN" sz="1200" b="1" dirty="0">
-              <a:solidFill>
-                <a:schemeClr val="tx1"/>
-              </a:solidFill>
-              <a:latin typeface="Times New Roman" pitchFamily="18" charset="0"/>
-              <a:cs typeface="Times New Roman" pitchFamily="18" charset="0"/>
-            </a:endParaRPr>
-          </a:p>
-        </p:txBody>
-      </p:sp>
-      <p:sp>
-        <p:nvSpPr>
-          <p:cNvPr id="32" name="Rounded Rectangle 31"/>
-          <p:cNvSpPr>
-            <a:spLocks noChangeAspect="1"/>
-          </p:cNvSpPr>
-          <p:nvPr/>
-        </p:nvSpPr>
-        <p:spPr>
-          <a:xfrm>
-            <a:off x="5727569" y="3530621"/>
-            <a:ext cx="2110719" cy="919277"/>
-          </a:xfrm>
-          <a:prstGeom prst="roundRect">
-            <a:avLst/>
-          </a:prstGeom>
-          <a:noFill/>
-          <a:ln w="57150">
-            <a:solidFill>
-              <a:schemeClr val="tx1"/>
-            </a:solidFill>
-            <a:miter lim="800000"/>
-          </a:ln>
-        </p:spPr>
-        <p:style>
-          <a:lnRef idx="2">
-            <a:schemeClr val="accent1">
-              <a:shade val="50000"/>
-            </a:schemeClr>
-          </a:lnRef>
-          <a:fillRef idx="1">
-            <a:schemeClr val="accent1"/>
-          </a:fillRef>
-          <a:effectRef idx="0">
-            <a:schemeClr val="accent1"/>
-          </a:effectRef>
-          <a:fontRef idx="minor">
-            <a:schemeClr val="lt1"/>
-          </a:fontRef>
-        </p:style>
-        <p:txBody>
-          <a:bodyPr rtlCol="0" anchor="ctr"/>
-          <a:lstStyle/>
-          <a:p>
-            <a:pPr algn="ctr"/>
-            <a:r>
-              <a:rPr lang="en-IN" sz="1200" b="1" dirty="0" smtClean="0">
-                <a:solidFill>
-                  <a:schemeClr val="tx1"/>
-                </a:solidFill>
-                <a:latin typeface="Times New Roman" pitchFamily="18" charset="0"/>
-                <a:cs typeface="Times New Roman" pitchFamily="18" charset="0"/>
-              </a:rPr>
-              <a:t>MAP GUIDE</a:t>
-            </a:r>
-            <a:endParaRPr lang="en-IN" sz="1200" b="1" dirty="0">
-              <a:solidFill>
-                <a:schemeClr val="tx1"/>
-              </a:solidFill>
-              <a:latin typeface="Times New Roman" pitchFamily="18" charset="0"/>
-              <a:cs typeface="Times New Roman" pitchFamily="18" charset="0"/>
-            </a:endParaRPr>
-          </a:p>
-        </p:txBody>
-      </p:sp>
-      <p:sp>
-        <p:nvSpPr>
-          <p:cNvPr id="33" name="Rounded Rectangle 32"/>
-          <p:cNvSpPr>
-            <a:spLocks noChangeAspect="1"/>
-          </p:cNvSpPr>
-          <p:nvPr/>
-        </p:nvSpPr>
-        <p:spPr>
-          <a:xfrm>
-            <a:off x="6763929" y="5284071"/>
-            <a:ext cx="1379946" cy="919277"/>
-          </a:xfrm>
-          <a:prstGeom prst="roundRect">
-            <a:avLst/>
-          </a:prstGeom>
-          <a:noFill/>
-          <a:ln w="57150">
-            <a:solidFill>
-              <a:schemeClr val="tx1"/>
-            </a:solidFill>
-            <a:miter lim="800000"/>
-          </a:ln>
-        </p:spPr>
-        <p:style>
-          <a:lnRef idx="2">
-            <a:schemeClr val="accent1">
-              <a:shade val="50000"/>
-            </a:schemeClr>
-          </a:lnRef>
-          <a:fillRef idx="1">
-            <a:schemeClr val="accent1"/>
-          </a:fillRef>
-          <a:effectRef idx="0">
-            <a:schemeClr val="accent1"/>
-          </a:effectRef>
-          <a:fontRef idx="minor">
-            <a:schemeClr val="lt1"/>
-          </a:fontRef>
-        </p:style>
-        <p:txBody>
-          <a:bodyPr rtlCol="0" anchor="ctr"/>
-          <a:lstStyle/>
-          <a:p>
-            <a:pPr algn="ctr"/>
-            <a:r>
-              <a:rPr lang="en-IN" sz="1200" b="1" dirty="0" smtClean="0">
-                <a:solidFill>
-                  <a:schemeClr val="tx1"/>
-                </a:solidFill>
-                <a:latin typeface="Times New Roman" pitchFamily="18" charset="0"/>
-                <a:cs typeface="Times New Roman" pitchFamily="18" charset="0"/>
-              </a:rPr>
-              <a:t>AUGMENTED REALITY</a:t>
-            </a:r>
-            <a:endParaRPr lang="en-IN" sz="1200" b="1" dirty="0">
-              <a:solidFill>
-                <a:schemeClr val="tx1"/>
-              </a:solidFill>
-              <a:latin typeface="Times New Roman" pitchFamily="18" charset="0"/>
-              <a:cs typeface="Times New Roman" pitchFamily="18" charset="0"/>
-            </a:endParaRPr>
-          </a:p>
-        </p:txBody>
-      </p:sp>
-      <p:sp>
-        <p:nvSpPr>
-          <p:cNvPr id="34" name="Right Arrow 33"/>
-          <p:cNvSpPr>
-            <a:spLocks noChangeAspect="1"/>
-          </p:cNvSpPr>
-          <p:nvPr/>
-        </p:nvSpPr>
-        <p:spPr>
-          <a:xfrm rot="5400000">
-            <a:off x="5760600" y="4760977"/>
-            <a:ext cx="806405" cy="216000"/>
-          </a:xfrm>
-          <a:prstGeom prst="rightArrow">
-            <a:avLst/>
-          </a:prstGeom>
-          <a:solidFill>
-            <a:schemeClr val="tx1"/>
-          </a:solidFill>
-          <a:ln w="12700">
-            <a:miter lim="800000"/>
-          </a:ln>
-        </p:spPr>
-        <p:style>
-          <a:lnRef idx="2">
-            <a:schemeClr val="accent1">
-              <a:shade val="50000"/>
-            </a:schemeClr>
-          </a:lnRef>
-          <a:fillRef idx="1">
-            <a:schemeClr val="accent1"/>
-          </a:fillRef>
-          <a:effectRef idx="0">
-            <a:schemeClr val="accent1"/>
-          </a:effectRef>
-          <a:fontRef idx="minor">
-            <a:schemeClr val="lt1"/>
-          </a:fontRef>
-        </p:style>
-        <p:txBody>
-          <a:bodyPr rtlCol="0" anchor="ctr"/>
-          <a:lstStyle/>
-          <a:p>
-            <a:pPr algn="ctr"/>
-            <a:endParaRPr lang="en-IN">
-              <a:latin typeface="Times New Roman" pitchFamily="18" charset="0"/>
-              <a:cs typeface="Times New Roman" pitchFamily="18" charset="0"/>
-            </a:endParaRPr>
-          </a:p>
-        </p:txBody>
-      </p:sp>
-      <p:sp>
-        <p:nvSpPr>
-          <p:cNvPr id="35" name="Rounded Rectangle 34"/>
-          <p:cNvSpPr>
-            <a:spLocks noChangeAspect="1"/>
-          </p:cNvSpPr>
-          <p:nvPr/>
-        </p:nvSpPr>
-        <p:spPr>
-          <a:xfrm>
-            <a:off x="5600569" y="5284071"/>
-            <a:ext cx="916447" cy="919277"/>
-          </a:xfrm>
-          <a:prstGeom prst="roundRect">
-            <a:avLst/>
-          </a:prstGeom>
-          <a:noFill/>
-          <a:ln w="57150">
-            <a:solidFill>
-              <a:schemeClr val="tx1"/>
-            </a:solidFill>
-            <a:miter lim="800000"/>
-          </a:ln>
-        </p:spPr>
-        <p:style>
-          <a:lnRef idx="2">
-            <a:schemeClr val="accent1">
-              <a:shade val="50000"/>
-            </a:schemeClr>
-          </a:lnRef>
-          <a:fillRef idx="1">
-            <a:schemeClr val="accent1"/>
-          </a:fillRef>
-          <a:effectRef idx="0">
-            <a:schemeClr val="accent1"/>
-          </a:effectRef>
-          <a:fontRef idx="minor">
-            <a:schemeClr val="lt1"/>
-          </a:fontRef>
-        </p:style>
-        <p:txBody>
-          <a:bodyPr rtlCol="0" anchor="ctr"/>
-          <a:lstStyle/>
-          <a:p>
-            <a:pPr algn="ctr"/>
-            <a:r>
-              <a:rPr lang="en-IN" sz="1200" b="1" dirty="0" smtClean="0">
-                <a:solidFill>
-                  <a:schemeClr val="tx1"/>
-                </a:solidFill>
-                <a:latin typeface="Times New Roman" pitchFamily="18" charset="0"/>
-                <a:cs typeface="Times New Roman" pitchFamily="18" charset="0"/>
-              </a:rPr>
-              <a:t>OCR</a:t>
-            </a:r>
-            <a:endParaRPr lang="en-IN" sz="1200" b="1" dirty="0">
-              <a:solidFill>
-                <a:schemeClr val="tx1"/>
-              </a:solidFill>
-              <a:latin typeface="Times New Roman" pitchFamily="18" charset="0"/>
-              <a:cs typeface="Times New Roman" pitchFamily="18" charset="0"/>
-            </a:endParaRPr>
-          </a:p>
-        </p:txBody>
-      </p:sp>
-      <p:sp>
-        <p:nvSpPr>
-          <p:cNvPr id="36" name="Right Arrow 35"/>
-          <p:cNvSpPr>
-            <a:spLocks noChangeAspect="1"/>
-          </p:cNvSpPr>
-          <p:nvPr/>
-        </p:nvSpPr>
-        <p:spPr>
-          <a:xfrm rot="5400000">
-            <a:off x="7008375" y="4772869"/>
-            <a:ext cx="806405" cy="216000"/>
-          </a:xfrm>
-          <a:prstGeom prst="rightArrow">
-            <a:avLst/>
-          </a:prstGeom>
-          <a:solidFill>
-            <a:schemeClr val="tx1"/>
-          </a:solidFill>
-          <a:ln w="12700">
-            <a:miter lim="800000"/>
-          </a:ln>
-        </p:spPr>
-        <p:style>
-          <a:lnRef idx="2">
-            <a:schemeClr val="accent1">
-              <a:shade val="50000"/>
-            </a:schemeClr>
-          </a:lnRef>
-          <a:fillRef idx="1">
-            <a:schemeClr val="accent1"/>
-          </a:fillRef>
-          <a:effectRef idx="0">
-            <a:schemeClr val="accent1"/>
-          </a:effectRef>
-          <a:fontRef idx="minor">
-            <a:schemeClr val="lt1"/>
-          </a:fontRef>
-        </p:style>
-        <p:txBody>
-          <a:bodyPr rtlCol="0" anchor="ctr"/>
-          <a:lstStyle/>
-          <a:p>
-            <a:pPr algn="ctr"/>
-            <a:endParaRPr lang="en-IN">
-              <a:latin typeface="Times New Roman" pitchFamily="18" charset="0"/>
-              <a:cs typeface="Times New Roman" pitchFamily="18" charset="0"/>
-            </a:endParaRPr>
-          </a:p>
-        </p:txBody>
-      </p:sp>
-    </p:spTree>
-    <p:extLst>
-      <p:ext uri="{BB962C8B-B14F-4D97-AF65-F5344CB8AC3E}">
-        <p14:creationId xmlns:p14="http://schemas.microsoft.com/office/powerpoint/2010/main" val="1686361186"/>
-      </p:ext>
-    </p:extLst>
-  </p:cSld>
-  <p:clrMapOvr>
-    <a:masterClrMapping/>
-  </p:clrMapOvr>
-  <p:timing>
-    <p:tnLst>
-      <p:par>
-        <p:cTn xmlns:p14="http://schemas.microsoft.com/office/powerpoint/2010/main" id="1" dur="indefinite" restart="never" nodeType="tmRoot"/>
-      </p:par>
-    </p:tnLst>
-  </p:timing>
-</p:sld>
-</file>
-
-<file path=ppt/slides/slide19.xml><?xml version="1.0" encoding="utf-8"?>
-<p:sld xmlns:a="http://schemas.openxmlformats.org/drawingml/2006/main" xmlns:r="http://schemas.openxmlformats.org/officeDocument/2006/relationships" xmlns:p="http://schemas.openxmlformats.org/presentationml/2006/main">
-  <p:cSld>
-    <p:spTree>
-      <p:nvGrpSpPr>
-        <p:cNvPr id="1" name=""/>
-        <p:cNvGrpSpPr/>
-        <p:nvPr/>
-      </p:nvGrpSpPr>
-      <p:grpSpPr>
-        <a:xfrm>
-          <a:off x="0" y="0"/>
-          <a:ext cx="0" cy="0"/>
-          <a:chOff x="0" y="0"/>
-          <a:chExt cx="0" cy="0"/>
-        </a:xfrm>
-      </p:grpSpPr>
-      <p:sp>
-        <p:nvSpPr>
-          <p:cNvPr id="4" name="Title 3"/>
-          <p:cNvSpPr>
-            <a:spLocks noGrp="1"/>
-          </p:cNvSpPr>
-          <p:nvPr>
-            <p:ph type="title"/>
-          </p:nvPr>
-        </p:nvSpPr>
-        <p:spPr/>
-        <p:txBody>
-          <a:bodyPr>
-            <a:normAutofit/>
-          </a:bodyPr>
-          <a:lstStyle/>
-          <a:p>
-            <a:r>
-              <a:rPr lang="en-US" dirty="0" smtClean="0"/>
-              <a:t>STATUS OF THE PROJECT</a:t>
-            </a:r>
-            <a:endParaRPr lang="en-US" dirty="0"/>
-          </a:p>
-        </p:txBody>
-      </p:sp>
-      <p:sp>
-        <p:nvSpPr>
-          <p:cNvPr id="3" name="Content Placeholder 2"/>
-          <p:cNvSpPr txBox="1">
-            <a:spLocks/>
-          </p:cNvSpPr>
-          <p:nvPr/>
-        </p:nvSpPr>
-        <p:spPr>
-          <a:xfrm>
-            <a:off x="457200" y="2240280"/>
-            <a:ext cx="8229600" cy="4389120"/>
-          </a:xfrm>
-          <a:prstGeom prst="rect">
-            <a:avLst/>
-          </a:prstGeom>
-        </p:spPr>
-        <p:txBody>
-          <a:bodyPr/>
-          <a:lstStyle>
-            <a:lvl1pPr marL="342900" indent="-342900" algn="l" defTabSz="457200" rtl="0" eaLnBrk="1" latinLnBrk="0" hangingPunct="1">
-              <a:spcBef>
-                <a:spcPct val="20000"/>
-              </a:spcBef>
-              <a:buFont typeface="Arial"/>
-              <a:buChar char="•"/>
-              <a:defRPr sz="3200" kern="1200">
-                <a:solidFill>
-                  <a:schemeClr val="tx1"/>
-                </a:solidFill>
-                <a:latin typeface="+mn-lt"/>
-                <a:ea typeface="+mn-ea"/>
-                <a:cs typeface="+mn-cs"/>
-              </a:defRPr>
-            </a:lvl1pPr>
-            <a:lvl2pPr marL="742950" indent="-285750" algn="l" defTabSz="457200" rtl="0" eaLnBrk="1" latinLnBrk="0" hangingPunct="1">
-              <a:spcBef>
-                <a:spcPct val="20000"/>
-              </a:spcBef>
-              <a:buFont typeface="Arial"/>
-              <a:buChar char="–"/>
-              <a:defRPr sz="2800" kern="1200">
-                <a:solidFill>
-                  <a:schemeClr val="tx1"/>
-                </a:solidFill>
-                <a:latin typeface="+mn-lt"/>
-                <a:ea typeface="+mn-ea"/>
-                <a:cs typeface="+mn-cs"/>
-              </a:defRPr>
-            </a:lvl2pPr>
-            <a:lvl3pPr marL="1143000" indent="-228600" algn="l" defTabSz="457200" rtl="0" eaLnBrk="1" latinLnBrk="0" hangingPunct="1">
-              <a:spcBef>
-                <a:spcPct val="20000"/>
-              </a:spcBef>
-              <a:buFont typeface="Arial"/>
-              <a:buChar char="•"/>
-              <a:defRPr sz="2400" kern="1200">
-                <a:solidFill>
-                  <a:schemeClr val="tx1"/>
-                </a:solidFill>
-                <a:latin typeface="+mn-lt"/>
-                <a:ea typeface="+mn-ea"/>
-                <a:cs typeface="+mn-cs"/>
-              </a:defRPr>
-            </a:lvl3pPr>
-            <a:lvl4pPr marL="1600200" indent="-228600" algn="l" defTabSz="457200" rtl="0" eaLnBrk="1" latinLnBrk="0" hangingPunct="1">
-              <a:spcBef>
-                <a:spcPct val="20000"/>
-              </a:spcBef>
-              <a:buFont typeface="Arial"/>
-              <a:buChar char="–"/>
-              <a:defRPr sz="2000" kern="1200">
-                <a:solidFill>
-                  <a:schemeClr val="tx1"/>
-                </a:solidFill>
-                <a:latin typeface="+mn-lt"/>
-                <a:ea typeface="+mn-ea"/>
-                <a:cs typeface="+mn-cs"/>
-              </a:defRPr>
-            </a:lvl4pPr>
-            <a:lvl5pPr marL="2057400" indent="-228600" algn="l" defTabSz="457200" rtl="0" eaLnBrk="1" latinLnBrk="0" hangingPunct="1">
-              <a:spcBef>
-                <a:spcPct val="20000"/>
-              </a:spcBef>
-              <a:buFont typeface="Arial"/>
-              <a:buChar char="»"/>
-              <a:defRPr sz="2000" kern="1200">
-                <a:solidFill>
-                  <a:schemeClr val="tx1"/>
-                </a:solidFill>
-                <a:latin typeface="+mn-lt"/>
-                <a:ea typeface="+mn-ea"/>
-                <a:cs typeface="+mn-cs"/>
-              </a:defRPr>
-            </a:lvl5pPr>
-            <a:lvl6pPr marL="2514600" indent="-228600" algn="l" defTabSz="457200" rtl="0" eaLnBrk="1" latinLnBrk="0" hangingPunct="1">
-              <a:spcBef>
-                <a:spcPct val="20000"/>
-              </a:spcBef>
-              <a:buFont typeface="Arial"/>
-              <a:buChar char="•"/>
-              <a:defRPr sz="2000" kern="1200">
-                <a:solidFill>
-                  <a:schemeClr val="tx1"/>
-                </a:solidFill>
-                <a:latin typeface="+mn-lt"/>
-                <a:ea typeface="+mn-ea"/>
-                <a:cs typeface="+mn-cs"/>
-              </a:defRPr>
-            </a:lvl6pPr>
-            <a:lvl7pPr marL="2971800" indent="-228600" algn="l" defTabSz="457200" rtl="0" eaLnBrk="1" latinLnBrk="0" hangingPunct="1">
-              <a:spcBef>
-                <a:spcPct val="20000"/>
-              </a:spcBef>
-              <a:buFont typeface="Arial"/>
-              <a:buChar char="•"/>
-              <a:defRPr sz="2000" kern="1200">
-                <a:solidFill>
-                  <a:schemeClr val="tx1"/>
-                </a:solidFill>
-                <a:latin typeface="+mn-lt"/>
-                <a:ea typeface="+mn-ea"/>
-                <a:cs typeface="+mn-cs"/>
-              </a:defRPr>
-            </a:lvl7pPr>
-            <a:lvl8pPr marL="3429000" indent="-228600" algn="l" defTabSz="457200" rtl="0" eaLnBrk="1" latinLnBrk="0" hangingPunct="1">
-              <a:spcBef>
-                <a:spcPct val="20000"/>
-              </a:spcBef>
-              <a:buFont typeface="Arial"/>
-              <a:buChar char="•"/>
-              <a:defRPr sz="2000" kern="1200">
-                <a:solidFill>
-                  <a:schemeClr val="tx1"/>
-                </a:solidFill>
-                <a:latin typeface="+mn-lt"/>
-                <a:ea typeface="+mn-ea"/>
-                <a:cs typeface="+mn-cs"/>
-              </a:defRPr>
-            </a:lvl8pPr>
-            <a:lvl9pPr marL="3886200" indent="-228600" algn="l" defTabSz="457200" rtl="0" eaLnBrk="1" latinLnBrk="0" hangingPunct="1">
-              <a:spcBef>
-                <a:spcPct val="20000"/>
-              </a:spcBef>
-              <a:buFont typeface="Arial"/>
-              <a:buChar char="•"/>
-              <a:defRPr sz="2000" kern="1200">
-                <a:solidFill>
-                  <a:schemeClr val="tx1"/>
-                </a:solidFill>
-                <a:latin typeface="+mn-lt"/>
-                <a:ea typeface="+mn-ea"/>
-                <a:cs typeface="+mn-cs"/>
-              </a:defRPr>
-            </a:lvl9pPr>
-          </a:lstStyle>
-          <a:p>
-            <a:r>
-              <a:rPr lang="en-IN" dirty="0" smtClean="0">
-                <a:latin typeface="Times New Roman" pitchFamily="18" charset="0"/>
-                <a:cs typeface="Times New Roman" pitchFamily="18" charset="0"/>
-              </a:rPr>
-              <a:t>Requirement analysis phase of the project is in progress.</a:t>
-            </a:r>
-            <a:endParaRPr lang="en-IN" dirty="0"/>
-          </a:p>
-        </p:txBody>
-      </p:sp>
-    </p:spTree>
-    <p:extLst>
-      <p:ext uri="{BB962C8B-B14F-4D97-AF65-F5344CB8AC3E}">
-        <p14:creationId xmlns:p14="http://schemas.microsoft.com/office/powerpoint/2010/main" val="443961324"/>
-      </p:ext>
-    </p:extLst>
-  </p:cSld>
-  <p:clrMapOvr>
-    <a:masterClrMapping/>
-  </p:clrMapOvr>
-  <p:timing>
-    <p:tnLst>
-      <p:par>
-        <p:cTn xmlns:p14="http://schemas.microsoft.com/office/powerpoint/2010/main" id="1" dur="indefinite" restart="never" nodeType="tmRoot"/>
-      </p:par>
-    </p:tnLst>
-  </p:timing>
-</p:sld>
-</file>
-
-<file path=ppt/slides/slide2.xml><?xml version="1.0" encoding="utf-8"?>
-<p:sld xmlns:a="http://schemas.openxmlformats.org/drawingml/2006/main" xmlns:r="http://schemas.openxmlformats.org/officeDocument/2006/relationships" xmlns:p="http://schemas.openxmlformats.org/presentationml/2006/main">
-  <p:cSld>
-    <p:spTree>
-      <p:nvGrpSpPr>
-        <p:cNvPr id="1" name=""/>
-        <p:cNvGrpSpPr/>
-        <p:nvPr/>
-      </p:nvGrpSpPr>
-      <p:grpSpPr>
-        <a:xfrm>
-          <a:off x="0" y="0"/>
-          <a:ext cx="0" cy="0"/>
-          <a:chOff x="0" y="0"/>
-          <a:chExt cx="0" cy="0"/>
-        </a:xfrm>
-      </p:grpSpPr>
-      <p:sp>
-        <p:nvSpPr>
-          <p:cNvPr id="4" name="Title 3"/>
-          <p:cNvSpPr>
-            <a:spLocks noGrp="1"/>
-          </p:cNvSpPr>
-          <p:nvPr>
-            <p:ph type="title"/>
-          </p:nvPr>
-        </p:nvSpPr>
-        <p:spPr/>
-        <p:txBody>
-          <a:bodyPr/>
-          <a:lstStyle/>
-          <a:p>
-            <a:r>
-              <a:rPr lang="en-US" dirty="0" smtClean="0"/>
-              <a:t>INTRODUCTION</a:t>
-            </a:r>
-            <a:endParaRPr lang="en-US" dirty="0"/>
-          </a:p>
-        </p:txBody>
-      </p:sp>
-      <p:sp>
-        <p:nvSpPr>
-          <p:cNvPr id="2" name="TextBox 1"/>
-          <p:cNvSpPr txBox="1"/>
-          <p:nvPr/>
-        </p:nvSpPr>
-        <p:spPr>
-          <a:xfrm>
-            <a:off x="457200" y="1841500"/>
-            <a:ext cx="8229600" cy="4031873"/>
-          </a:xfrm>
-          <a:prstGeom prst="rect">
-            <a:avLst/>
-          </a:prstGeom>
-          <a:noFill/>
-        </p:spPr>
-        <p:txBody>
-          <a:bodyPr wrap="square" rtlCol="0">
-            <a:spAutoFit/>
-          </a:bodyPr>
-          <a:lstStyle/>
-          <a:p>
-            <a:pPr marL="285750" indent="-285750">
-              <a:buFontTx/>
-              <a:buChar char="•"/>
-            </a:pPr>
-            <a:r>
-              <a:rPr lang="en-US" sz="3200" dirty="0" smtClean="0"/>
-              <a:t>Tourism is A major asset to any country’s economic wealth.</a:t>
-            </a:r>
-          </a:p>
-          <a:p>
-            <a:pPr marL="285750" indent="-285750">
-              <a:buFontTx/>
-              <a:buChar char="•"/>
-            </a:pPr>
-            <a:endParaRPr lang="en-US" sz="3200" dirty="0" smtClean="0"/>
-          </a:p>
-          <a:p>
-            <a:pPr marL="285750" indent="-285750">
-              <a:buFontTx/>
-              <a:buChar char="•"/>
-            </a:pPr>
-            <a:r>
-              <a:rPr lang="en-US" sz="3200" dirty="0" smtClean="0"/>
-              <a:t>It helps share culture and tradition in a global scale.</a:t>
-            </a:r>
-          </a:p>
-          <a:p>
-            <a:pPr marL="285750" indent="-285750">
-              <a:buFontTx/>
-              <a:buChar char="•"/>
-            </a:pPr>
-            <a:endParaRPr lang="en-US" sz="3200" dirty="0" smtClean="0"/>
-          </a:p>
-          <a:p>
-            <a:pPr marL="285750" indent="-285750">
-              <a:buFontTx/>
-              <a:buChar char="•"/>
-            </a:pPr>
-            <a:r>
-              <a:rPr lang="en-US" sz="3200" dirty="0" smtClean="0"/>
-              <a:t>It enhances the social being of the human race.</a:t>
-            </a:r>
-            <a:endParaRPr lang="en-US" sz="3200" dirty="0"/>
-          </a:p>
-        </p:txBody>
-      </p:sp>
-    </p:spTree>
-    <p:extLst>
-      <p:ext uri="{BB962C8B-B14F-4D97-AF65-F5344CB8AC3E}">
-        <p14:creationId xmlns:p14="http://schemas.microsoft.com/office/powerpoint/2010/main" val="920313806"/>
-      </p:ext>
-    </p:extLst>
-  </p:cSld>
-  <p:clrMapOvr>
-    <a:masterClrMapping/>
-  </p:clrMapOvr>
-  <p:timing>
-    <p:tnLst>
-      <p:par>
-        <p:cTn xmlns:p14="http://schemas.microsoft.com/office/powerpoint/2010/main" id="1" dur="indefinite" restart="never" nodeType="tmRoot"/>
-      </p:par>
-    </p:tnLst>
-  </p:timing>
-</p:sld>
-</file>
-
-<file path=ppt/slides/slide20.xml><?xml version="1.0" encoding="utf-8"?>
-<p:sld xmlns:a="http://schemas.openxmlformats.org/drawingml/2006/main" xmlns:r="http://schemas.openxmlformats.org/officeDocument/2006/relationships" xmlns:p="http://schemas.openxmlformats.org/presentationml/2006/main">
-  <p:cSld>
-    <p:spTree>
-      <p:nvGrpSpPr>
-        <p:cNvPr id="1" name=""/>
-        <p:cNvGrpSpPr/>
-        <p:nvPr/>
-      </p:nvGrpSpPr>
-      <p:grpSpPr>
-        <a:xfrm>
-          <a:off x="0" y="0"/>
-          <a:ext cx="0" cy="0"/>
-          <a:chOff x="0" y="0"/>
-          <a:chExt cx="0" cy="0"/>
-        </a:xfrm>
-      </p:grpSpPr>
-      <p:sp>
-        <p:nvSpPr>
-          <p:cNvPr id="4" name="Title 3"/>
-          <p:cNvSpPr>
-            <a:spLocks noGrp="1"/>
-          </p:cNvSpPr>
-          <p:nvPr>
-            <p:ph type="title"/>
-          </p:nvPr>
-        </p:nvSpPr>
-        <p:spPr/>
-        <p:txBody>
-          <a:bodyPr>
-            <a:normAutofit fontScale="90000"/>
-          </a:bodyPr>
-          <a:lstStyle/>
-          <a:p>
-            <a:r>
-              <a:rPr lang="en-US" dirty="0" smtClean="0"/>
-              <a:t>REFERENCES</a:t>
-            </a:r>
-            <a:r>
-              <a:rPr lang="en-US" dirty="0"/>
-              <a:t/>
-            </a:r>
-            <a:br>
-              <a:rPr lang="en-US" dirty="0"/>
-            </a:br>
-            <a:endParaRPr lang="en-US" dirty="0"/>
-          </a:p>
-        </p:txBody>
-      </p:sp>
-      <p:sp>
-        <p:nvSpPr>
-          <p:cNvPr id="3" name="TextBox 2"/>
-          <p:cNvSpPr txBox="1"/>
-          <p:nvPr/>
-        </p:nvSpPr>
-        <p:spPr>
-          <a:xfrm>
-            <a:off x="457200" y="1841500"/>
-            <a:ext cx="8229600" cy="3539430"/>
-          </a:xfrm>
-          <a:prstGeom prst="rect">
-            <a:avLst/>
-          </a:prstGeom>
-          <a:noFill/>
-        </p:spPr>
-        <p:txBody>
-          <a:bodyPr wrap="square" rtlCol="0">
-            <a:spAutoFit/>
-          </a:bodyPr>
-          <a:lstStyle/>
-          <a:p>
-            <a:pPr marL="285750" indent="-285750">
-              <a:buFontTx/>
-              <a:buChar char="•"/>
-            </a:pPr>
-            <a:r>
-              <a:rPr lang="en-US" sz="3200" dirty="0" smtClean="0">
-                <a:solidFill>
-                  <a:srgbClr val="000000"/>
-                </a:solidFill>
-              </a:rPr>
-              <a:t>[1] </a:t>
-            </a:r>
-            <a:r>
-              <a:rPr lang="en-US" sz="3200" dirty="0">
-                <a:hlinkClick r:id="rId2"/>
-              </a:rPr>
-              <a:t>http://www.pocketguideapp.com</a:t>
-            </a:r>
-            <a:endParaRPr lang="en-US" sz="3200" dirty="0"/>
-          </a:p>
-          <a:p>
-            <a:pPr marL="285750" indent="-285750">
-              <a:buFontTx/>
-              <a:buChar char="•"/>
-            </a:pPr>
-            <a:endParaRPr lang="en-US" sz="3200" dirty="0"/>
-          </a:p>
-          <a:p>
-            <a:pPr marL="285750" indent="-285750">
-              <a:buFontTx/>
-              <a:buChar char="•"/>
-            </a:pPr>
-            <a:r>
-              <a:rPr lang="en-US" sz="3200" dirty="0" smtClean="0"/>
-              <a:t>[2] </a:t>
-            </a:r>
-            <a:r>
-              <a:rPr lang="en-US" sz="3200" dirty="0">
-                <a:hlinkClick r:id="rId3"/>
-              </a:rPr>
-              <a:t>http://www.tripadvisor.com</a:t>
-            </a:r>
-            <a:endParaRPr lang="en-US" sz="3200" dirty="0"/>
-          </a:p>
-          <a:p>
-            <a:pPr marL="285750" indent="-285750">
-              <a:buFontTx/>
-              <a:buChar char="•"/>
-            </a:pPr>
-            <a:endParaRPr lang="en-US" sz="3200" dirty="0" smtClean="0"/>
-          </a:p>
-          <a:p>
-            <a:pPr marL="285750" indent="-285750">
-              <a:buFontTx/>
-              <a:buChar char="•"/>
-            </a:pPr>
-            <a:r>
-              <a:rPr lang="en-US" sz="3200" dirty="0" smtClean="0"/>
-              <a:t>[3] </a:t>
-            </a:r>
-            <a:r>
-              <a:rPr lang="en-US" sz="3200" dirty="0">
-                <a:hlinkClick r:id="rId4"/>
-              </a:rPr>
-              <a:t>http://www.guidepal.com</a:t>
-            </a:r>
-            <a:endParaRPr lang="en-US" sz="3200" dirty="0"/>
-          </a:p>
-          <a:p>
-            <a:pPr marL="285750" indent="-285750">
-              <a:buFontTx/>
-              <a:buChar char="•"/>
-            </a:pPr>
-            <a:endParaRPr lang="en-US" sz="3200" dirty="0"/>
-          </a:p>
-          <a:p>
-            <a:pPr marL="285750" indent="-285750">
-              <a:buFontTx/>
-              <a:buChar char="•"/>
-            </a:pPr>
-            <a:endParaRPr lang="en-US" sz="3200" dirty="0"/>
-          </a:p>
-        </p:txBody>
-      </p:sp>
-    </p:spTree>
-    <p:extLst>
-      <p:ext uri="{BB962C8B-B14F-4D97-AF65-F5344CB8AC3E}">
-        <p14:creationId xmlns:p14="http://schemas.microsoft.com/office/powerpoint/2010/main" val="293310544"/>
-      </p:ext>
-    </p:extLst>
-  </p:cSld>
-  <p:clrMapOvr>
-    <a:masterClrMapping/>
-  </p:clrMapOvr>
-  <p:timing>
-    <p:tnLst>
-      <p:par>
-        <p:cTn xmlns:p14="http://schemas.microsoft.com/office/powerpoint/2010/main" id="1" dur="indefinite" restart="never" nodeType="tmRoot"/>
-      </p:par>
-    </p:tnLst>
-  </p:timing>
-</p:sld>
-</file>
-
-<file path=ppt/slides/slide3.xml><?xml version="1.0" encoding="utf-8"?>
-<p:sld xmlns:a="http://schemas.openxmlformats.org/drawingml/2006/main" xmlns:r="http://schemas.openxmlformats.org/officeDocument/2006/relationships" xmlns:p="http://schemas.openxmlformats.org/presentationml/2006/main">
-  <p:cSld>
-    <p:spTree>
-      <p:nvGrpSpPr>
-        <p:cNvPr id="1" name=""/>
-        <p:cNvGrpSpPr/>
-        <p:nvPr/>
-      </p:nvGrpSpPr>
-      <p:grpSpPr>
-        <a:xfrm>
-          <a:off x="0" y="0"/>
-          <a:ext cx="0" cy="0"/>
-          <a:chOff x="0" y="0"/>
-          <a:chExt cx="0" cy="0"/>
-        </a:xfrm>
-      </p:grpSpPr>
-      <p:sp>
-        <p:nvSpPr>
-          <p:cNvPr id="2" name="TextBox 1"/>
-          <p:cNvSpPr txBox="1"/>
-          <p:nvPr/>
-        </p:nvSpPr>
-        <p:spPr>
-          <a:xfrm>
-            <a:off x="457200" y="1841500"/>
-            <a:ext cx="8229600" cy="4524315"/>
-          </a:xfrm>
-          <a:prstGeom prst="rect">
-            <a:avLst/>
-          </a:prstGeom>
-          <a:noFill/>
-        </p:spPr>
-        <p:txBody>
-          <a:bodyPr wrap="square" rtlCol="0">
-            <a:spAutoFit/>
-          </a:bodyPr>
-          <a:lstStyle/>
-          <a:p>
-            <a:pPr marL="285750" indent="-285750">
-              <a:buFontTx/>
-              <a:buChar char="•"/>
-            </a:pPr>
-            <a:r>
-              <a:rPr lang="en-US" sz="3200" dirty="0" smtClean="0"/>
-              <a:t>There is no single application on mobile devices which can provide all the details and helpful features.</a:t>
-            </a:r>
-          </a:p>
-          <a:p>
-            <a:pPr marL="285750" indent="-285750">
-              <a:buFontTx/>
-              <a:buChar char="•"/>
-            </a:pPr>
-            <a:endParaRPr lang="en-US" sz="3200" dirty="0" smtClean="0"/>
-          </a:p>
-          <a:p>
-            <a:pPr marL="285750" indent="-285750">
-              <a:buFontTx/>
-              <a:buChar char="•"/>
-            </a:pPr>
-            <a:r>
-              <a:rPr lang="en-US" sz="3200" dirty="0" smtClean="0"/>
-              <a:t>The details for the near-by emergency centers are hard to find.</a:t>
-            </a:r>
-          </a:p>
-          <a:p>
-            <a:pPr marL="285750" indent="-285750">
-              <a:buFontTx/>
-              <a:buChar char="•"/>
-            </a:pPr>
-            <a:endParaRPr lang="en-US" sz="3200" dirty="0" smtClean="0"/>
-          </a:p>
-          <a:p>
-            <a:pPr marL="285750" indent="-285750">
-              <a:buFontTx/>
-              <a:buChar char="•"/>
-            </a:pPr>
-            <a:r>
-              <a:rPr lang="en-US" sz="3200" dirty="0" smtClean="0"/>
-              <a:t>Language barrier hasn’t been taken into account.  </a:t>
-            </a:r>
-            <a:endParaRPr lang="en-US" sz="3200" dirty="0"/>
-          </a:p>
-        </p:txBody>
-      </p:sp>
-      <p:sp>
-        <p:nvSpPr>
-          <p:cNvPr id="6" name="Title 1"/>
-          <p:cNvSpPr txBox="1">
-            <a:spLocks/>
-          </p:cNvSpPr>
-          <p:nvPr/>
-        </p:nvSpPr>
-        <p:spPr>
-          <a:xfrm>
-            <a:off x="130247" y="782718"/>
-            <a:ext cx="6237513" cy="660340"/>
-          </a:xfrm>
-          <a:prstGeom prst="rect">
-            <a:avLst/>
-          </a:prstGeom>
-        </p:spPr>
-        <p:txBody>
-          <a:bodyPr vert="horz" lIns="91440" tIns="45720" rIns="91440" bIns="45720" rtlCol="0" anchor="ctr">
-            <a:noAutofit/>
-          </a:bodyPr>
-          <a:lstStyle>
-            <a:lvl1pPr algn="ctr" defTabSz="457200" rtl="0" eaLnBrk="1" latinLnBrk="0" hangingPunct="1">
-              <a:spcBef>
-                <a:spcPct val="0"/>
-              </a:spcBef>
-              <a:buNone/>
-              <a:defRPr sz="4400" kern="1200">
-                <a:solidFill>
-                  <a:schemeClr val="tx1"/>
-                </a:solidFill>
-                <a:latin typeface="+mj-lt"/>
-                <a:ea typeface="+mj-ea"/>
-                <a:cs typeface="+mj-cs"/>
-              </a:defRPr>
-            </a:lvl1pPr>
-          </a:lstStyle>
-          <a:p>
-            <a:pPr algn="l"/>
-            <a:r>
-              <a:rPr lang="en-US" sz="4100" dirty="0" smtClean="0"/>
-              <a:t>a). </a:t>
-            </a:r>
-            <a:r>
-              <a:rPr lang="en-US" sz="4100" u="sng" dirty="0" smtClean="0"/>
-              <a:t>Identification of Need</a:t>
-            </a:r>
-            <a:endParaRPr lang="en-US" sz="4100" u="sng" dirty="0"/>
-          </a:p>
-        </p:txBody>
-      </p:sp>
-    </p:spTree>
-    <p:extLst>
-      <p:ext uri="{BB962C8B-B14F-4D97-AF65-F5344CB8AC3E}">
-        <p14:creationId xmlns:p14="http://schemas.microsoft.com/office/powerpoint/2010/main" val="1643782485"/>
-      </p:ext>
-    </p:extLst>
-  </p:cSld>
-  <p:clrMapOvr>
-    <a:masterClrMapping/>
-  </p:clrMapOvr>
-  <p:timing>
-    <p:tnLst>
-      <p:par>
-        <p:cTn xmlns:p14="http://schemas.microsoft.com/office/powerpoint/2010/main" id="1" dur="indefinite" restart="never" nodeType="tmRoot"/>
-      </p:par>
-    </p:tnLst>
-  </p:timing>
-</p:sld>
-</file>
-
-<file path=ppt/slides/slide4.xml><?xml version="1.0" encoding="utf-8"?>
-<p:sld xmlns:a="http://schemas.openxmlformats.org/drawingml/2006/main" xmlns:r="http://schemas.openxmlformats.org/officeDocument/2006/relationships" xmlns:p="http://schemas.openxmlformats.org/presentationml/2006/main">
-  <p:cSld>
-    <p:spTree>
-      <p:nvGrpSpPr>
-        <p:cNvPr id="1" name=""/>
-        <p:cNvGrpSpPr/>
-        <p:nvPr/>
-      </p:nvGrpSpPr>
-      <p:grpSpPr>
-        <a:xfrm>
-          <a:off x="0" y="0"/>
-          <a:ext cx="0" cy="0"/>
-          <a:chOff x="0" y="0"/>
-          <a:chExt cx="0" cy="0"/>
-        </a:xfrm>
-      </p:grpSpPr>
-      <p:sp>
-        <p:nvSpPr>
-          <p:cNvPr id="4" name="Title 3"/>
-          <p:cNvSpPr>
-            <a:spLocks noGrp="1"/>
-          </p:cNvSpPr>
-          <p:nvPr>
-            <p:ph type="title"/>
-          </p:nvPr>
-        </p:nvSpPr>
-        <p:spPr>
-          <a:xfrm>
-            <a:off x="457200" y="307198"/>
-            <a:ext cx="8229600" cy="1143000"/>
-          </a:xfrm>
-        </p:spPr>
-        <p:txBody>
-          <a:bodyPr/>
-          <a:lstStyle/>
-          <a:p>
-            <a:r>
-              <a:rPr lang="en-US" dirty="0" smtClean="0"/>
-              <a:t>OBJECTIVE OF THE PROJECT</a:t>
-            </a:r>
-            <a:endParaRPr lang="en-US" dirty="0"/>
-          </a:p>
-        </p:txBody>
-      </p:sp>
-      <p:sp>
-        <p:nvSpPr>
-          <p:cNvPr id="3" name="TextBox 2"/>
-          <p:cNvSpPr txBox="1"/>
-          <p:nvPr/>
-        </p:nvSpPr>
-        <p:spPr>
-          <a:xfrm>
-            <a:off x="457200" y="1874060"/>
-            <a:ext cx="8229600" cy="5016757"/>
-          </a:xfrm>
-          <a:prstGeom prst="rect">
-            <a:avLst/>
-          </a:prstGeom>
-          <a:noFill/>
-        </p:spPr>
-        <p:txBody>
-          <a:bodyPr wrap="square" rtlCol="0">
-            <a:spAutoFit/>
-          </a:bodyPr>
-          <a:lstStyle/>
-          <a:p>
-            <a:pPr marL="285750" indent="-285750">
-              <a:buFontTx/>
-              <a:buChar char="•"/>
-            </a:pPr>
-            <a:r>
-              <a:rPr lang="en-US" sz="3200" dirty="0" smtClean="0"/>
-              <a:t>To bridge the gap between tourist and tourism places.</a:t>
-            </a:r>
-          </a:p>
-          <a:p>
-            <a:pPr marL="285750" indent="-285750">
-              <a:buFontTx/>
-              <a:buChar char="•"/>
-            </a:pPr>
-            <a:endParaRPr lang="en-US" sz="3200" dirty="0" smtClean="0"/>
-          </a:p>
-          <a:p>
-            <a:pPr marL="285750" indent="-285750">
-              <a:buFontTx/>
-              <a:buChar char="•"/>
-            </a:pPr>
-            <a:r>
-              <a:rPr lang="en-US" sz="3200" dirty="0" smtClean="0"/>
-              <a:t>To over come the language barrier which is been a great issue for travellers.</a:t>
-            </a:r>
-          </a:p>
-          <a:p>
-            <a:pPr marL="285750" indent="-285750">
-              <a:buFontTx/>
-              <a:buChar char="•"/>
-            </a:pPr>
-            <a:endParaRPr lang="en-US" sz="3200" dirty="0"/>
-          </a:p>
-          <a:p>
-            <a:pPr marL="285750" indent="-285750">
-              <a:buFontTx/>
-              <a:buChar char="•"/>
-            </a:pPr>
-            <a:r>
-              <a:rPr lang="en-US" sz="3200" dirty="0" smtClean="0"/>
-              <a:t>It provides the history to give the full insight of the place.</a:t>
-            </a:r>
-          </a:p>
-          <a:p>
-            <a:pPr marL="285750" indent="-285750">
-              <a:buFontTx/>
-              <a:buChar char="•"/>
-            </a:pPr>
-            <a:endParaRPr lang="en-US" sz="3200" dirty="0" smtClean="0"/>
-          </a:p>
-          <a:p>
-            <a:pPr marL="285750" indent="-285750">
-              <a:buFontTx/>
-              <a:buChar char="•"/>
-            </a:pPr>
-            <a:endParaRPr lang="en-US" sz="3200" dirty="0" smtClean="0"/>
-          </a:p>
-        </p:txBody>
-      </p:sp>
-    </p:spTree>
-    <p:extLst>
-      <p:ext uri="{BB962C8B-B14F-4D97-AF65-F5344CB8AC3E}">
-        <p14:creationId xmlns:p14="http://schemas.microsoft.com/office/powerpoint/2010/main" val="1234136891"/>
-      </p:ext>
-    </p:extLst>
-  </p:cSld>
-  <p:clrMapOvr>
-    <a:masterClrMapping/>
-  </p:clrMapOvr>
-  <p:timing>
-    <p:tnLst>
-      <p:par>
-        <p:cTn xmlns:p14="http://schemas.microsoft.com/office/powerpoint/2010/main" id="1" dur="indefinite" restart="never" nodeType="tmRoot"/>
-      </p:par>
-    </p:tnLst>
-  </p:timing>
-</p:sld>
-</file>
-
-<file path=ppt/slides/slide5.xml><?xml version="1.0" encoding="utf-8"?>
-<p:sld xmlns:a="http://schemas.openxmlformats.org/drawingml/2006/main" xmlns:r="http://schemas.openxmlformats.org/officeDocument/2006/relationships" xmlns:p="http://schemas.openxmlformats.org/presentationml/2006/main">
-  <p:cSld>
-    <p:spTree>
-      <p:nvGrpSpPr>
-        <p:cNvPr id="1" name=""/>
-        <p:cNvGrpSpPr/>
-        <p:nvPr/>
-      </p:nvGrpSpPr>
-      <p:grpSpPr>
-        <a:xfrm>
-          <a:off x="0" y="0"/>
-          <a:ext cx="0" cy="0"/>
-          <a:chOff x="0" y="0"/>
-          <a:chExt cx="0" cy="0"/>
-        </a:xfrm>
-      </p:grpSpPr>
-      <p:sp>
-        <p:nvSpPr>
-          <p:cNvPr id="2" name="Title 1"/>
-          <p:cNvSpPr>
-            <a:spLocks noGrp="1"/>
-          </p:cNvSpPr>
-          <p:nvPr>
-            <p:ph type="title"/>
-          </p:nvPr>
-        </p:nvSpPr>
-        <p:spPr/>
-        <p:txBody>
-          <a:bodyPr/>
-          <a:lstStyle/>
-          <a:p>
-            <a:r>
-              <a:rPr lang="en-US" dirty="0" smtClean="0"/>
-              <a:t>LITERATURE SURVEY</a:t>
-            </a:r>
-            <a:endParaRPr lang="en-US" dirty="0"/>
-          </a:p>
-        </p:txBody>
-      </p:sp>
-      <p:sp>
-        <p:nvSpPr>
-          <p:cNvPr id="3" name="Title 1"/>
-          <p:cNvSpPr txBox="1">
-            <a:spLocks/>
-          </p:cNvSpPr>
-          <p:nvPr/>
-        </p:nvSpPr>
-        <p:spPr>
-          <a:xfrm>
-            <a:off x="0" y="1417638"/>
-            <a:ext cx="4054050" cy="660340"/>
-          </a:xfrm>
-          <a:prstGeom prst="rect">
-            <a:avLst/>
-          </a:prstGeom>
-        </p:spPr>
-        <p:txBody>
-          <a:bodyPr vert="horz" lIns="91440" tIns="45720" rIns="91440" bIns="45720" rtlCol="0" anchor="ctr">
-            <a:normAutofit fontScale="92500" lnSpcReduction="10000"/>
-          </a:bodyPr>
-          <a:lstStyle>
-            <a:lvl1pPr algn="ctr" defTabSz="457200" rtl="0" eaLnBrk="1" latinLnBrk="0" hangingPunct="1">
-              <a:spcBef>
-                <a:spcPct val="0"/>
-              </a:spcBef>
-              <a:buNone/>
-              <a:defRPr sz="4400" kern="1200">
-                <a:solidFill>
-                  <a:schemeClr val="tx1"/>
-                </a:solidFill>
-                <a:latin typeface="+mj-lt"/>
-                <a:ea typeface="+mj-ea"/>
-                <a:cs typeface="+mj-cs"/>
-              </a:defRPr>
-            </a:lvl1pPr>
-          </a:lstStyle>
-          <a:p>
-            <a:r>
-              <a:rPr lang="en-US" dirty="0" smtClean="0"/>
-              <a:t>a) </a:t>
-            </a:r>
-            <a:r>
-              <a:rPr lang="en-US" u="sng" dirty="0" smtClean="0"/>
-              <a:t>Previous Works</a:t>
-            </a:r>
-            <a:endParaRPr lang="en-US" u="sng" dirty="0"/>
-          </a:p>
-        </p:txBody>
-      </p:sp>
-      <p:sp>
-        <p:nvSpPr>
-          <p:cNvPr id="4" name="TextBox 3"/>
-          <p:cNvSpPr txBox="1"/>
-          <p:nvPr/>
-        </p:nvSpPr>
-        <p:spPr>
-          <a:xfrm>
-            <a:off x="457200" y="2148636"/>
-            <a:ext cx="8229600" cy="4524315"/>
-          </a:xfrm>
-          <a:prstGeom prst="rect">
-            <a:avLst/>
-          </a:prstGeom>
-          <a:noFill/>
-        </p:spPr>
-        <p:txBody>
-          <a:bodyPr wrap="square" rtlCol="0">
-            <a:spAutoFit/>
-          </a:bodyPr>
-          <a:lstStyle/>
-          <a:p>
-            <a:pPr marL="285750" indent="-285750">
-              <a:buFontTx/>
-              <a:buChar char="•"/>
-            </a:pPr>
-            <a:r>
-              <a:rPr lang="en-US" sz="3200" dirty="0" smtClean="0"/>
-              <a:t>Pocket Guide[1]:</a:t>
-            </a:r>
-          </a:p>
-          <a:p>
-            <a:pPr marL="742950" lvl="1" indent="-285750">
-              <a:buFontTx/>
-              <a:buChar char="•"/>
-            </a:pPr>
-            <a:r>
-              <a:rPr lang="en-US" sz="3200" dirty="0" smtClean="0"/>
-              <a:t>It is a audio travelling guide created by </a:t>
-            </a:r>
-            <a:r>
-              <a:rPr lang="en-US" sz="3200" dirty="0" err="1"/>
-              <a:t>PocketGuide</a:t>
-            </a:r>
-            <a:r>
-              <a:rPr lang="en-US" sz="3200" dirty="0"/>
-              <a:t> </a:t>
-            </a:r>
-            <a:r>
-              <a:rPr lang="en-US" sz="3200" dirty="0" smtClean="0"/>
-              <a:t>Inc.</a:t>
-            </a:r>
-          </a:p>
-          <a:p>
-            <a:pPr marL="285750" indent="-285750">
-              <a:buFontTx/>
-              <a:buChar char="•"/>
-            </a:pPr>
-            <a:endParaRPr lang="en-US" sz="3200" dirty="0" smtClean="0"/>
-          </a:p>
-          <a:p>
-            <a:pPr marL="285750" indent="-285750">
-              <a:buFontTx/>
-              <a:buChar char="•"/>
-            </a:pPr>
-            <a:r>
-              <a:rPr lang="en-US" sz="3200" dirty="0" smtClean="0"/>
-              <a:t>Trip Advisor City Guide [2]:</a:t>
-            </a:r>
-          </a:p>
-          <a:p>
-            <a:pPr marL="742950" lvl="1" indent="-285750">
-              <a:buFontTx/>
-              <a:buChar char="•"/>
-            </a:pPr>
-            <a:r>
-              <a:rPr lang="en-US" sz="3200" dirty="0" smtClean="0"/>
-              <a:t>Mainly focused on hotels and restaurants rather than the places. </a:t>
-            </a:r>
-          </a:p>
-          <a:p>
-            <a:endParaRPr lang="en-US" sz="3200" dirty="0" smtClean="0"/>
-          </a:p>
-          <a:p>
-            <a:pPr marL="285750" indent="-285750">
-              <a:buFontTx/>
-              <a:buChar char="•"/>
-            </a:pPr>
-            <a:endParaRPr lang="en-US" sz="3200" dirty="0" smtClean="0"/>
-          </a:p>
-        </p:txBody>
-      </p:sp>
-    </p:spTree>
-    <p:extLst>
-      <p:ext uri="{BB962C8B-B14F-4D97-AF65-F5344CB8AC3E}">
-        <p14:creationId xmlns:p14="http://schemas.microsoft.com/office/powerpoint/2010/main" val="1532559881"/>
-      </p:ext>
-    </p:extLst>
-  </p:cSld>
-  <p:clrMapOvr>
-    <a:masterClrMapping/>
-  </p:clrMapOvr>
-  <p:timing>
-    <p:tnLst>
-      <p:par>
-        <p:cTn xmlns:p14="http://schemas.microsoft.com/office/powerpoint/2010/main" id="1" dur="indefinite" restart="never" nodeType="tmRoot"/>
-      </p:par>
-    </p:tnLst>
-  </p:timing>
-</p:sld>
-</file>
-
-<file path=ppt/slides/slide6.xml><?xml version="1.0" encoding="utf-8"?>
-<p:sld xmlns:a="http://schemas.openxmlformats.org/drawingml/2006/main" xmlns:r="http://schemas.openxmlformats.org/officeDocument/2006/relationships" xmlns:p="http://schemas.openxmlformats.org/presentationml/2006/main">
-  <p:cSld>
-    <p:spTree>
-      <p:nvGrpSpPr>
-        <p:cNvPr id="1" name=""/>
-        <p:cNvGrpSpPr/>
-        <p:nvPr/>
-      </p:nvGrpSpPr>
-      <p:grpSpPr>
-        <a:xfrm>
-          <a:off x="0" y="0"/>
-          <a:ext cx="0" cy="0"/>
-          <a:chOff x="0" y="0"/>
-          <a:chExt cx="0" cy="0"/>
-        </a:xfrm>
-      </p:grpSpPr>
-      <p:sp>
-        <p:nvSpPr>
-          <p:cNvPr id="2" name="Title 1"/>
-          <p:cNvSpPr>
-            <a:spLocks noGrp="1"/>
-          </p:cNvSpPr>
-          <p:nvPr>
-            <p:ph type="title"/>
-          </p:nvPr>
-        </p:nvSpPr>
-        <p:spPr/>
-        <p:txBody>
-          <a:bodyPr/>
-          <a:lstStyle/>
-          <a:p>
-            <a:r>
-              <a:rPr lang="en-US" dirty="0" smtClean="0"/>
-              <a:t>LITERATURE SURVEY</a:t>
-            </a:r>
-            <a:endParaRPr lang="en-US" dirty="0"/>
-          </a:p>
-        </p:txBody>
-      </p:sp>
-      <p:sp>
-        <p:nvSpPr>
-          <p:cNvPr id="3" name="Title 1"/>
-          <p:cNvSpPr txBox="1">
-            <a:spLocks/>
-          </p:cNvSpPr>
-          <p:nvPr/>
-        </p:nvSpPr>
-        <p:spPr>
-          <a:xfrm>
-            <a:off x="0" y="1417637"/>
-            <a:ext cx="5258868" cy="861579"/>
-          </a:xfrm>
-          <a:prstGeom prst="rect">
-            <a:avLst/>
-          </a:prstGeom>
-        </p:spPr>
-        <p:txBody>
-          <a:bodyPr vert="horz" lIns="91440" tIns="45720" rIns="91440" bIns="45720" rtlCol="0" anchor="ctr">
-            <a:noAutofit/>
-          </a:bodyPr>
-          <a:lstStyle>
-            <a:lvl1pPr algn="ctr" defTabSz="457200" rtl="0" eaLnBrk="1" latinLnBrk="0" hangingPunct="1">
-              <a:spcBef>
-                <a:spcPct val="0"/>
-              </a:spcBef>
-              <a:buNone/>
-              <a:defRPr sz="4400" kern="1200">
-                <a:solidFill>
-                  <a:schemeClr val="tx1"/>
-                </a:solidFill>
-                <a:latin typeface="+mj-lt"/>
-                <a:ea typeface="+mj-ea"/>
-                <a:cs typeface="+mj-cs"/>
-              </a:defRPr>
-            </a:lvl1pPr>
-          </a:lstStyle>
-          <a:p>
-            <a:r>
-              <a:rPr lang="en-US" sz="4000" dirty="0" smtClean="0"/>
-              <a:t>b)  </a:t>
-            </a:r>
-            <a:r>
-              <a:rPr lang="en-US" sz="4000" u="sng" dirty="0" smtClean="0"/>
-              <a:t>Other Related Works</a:t>
-            </a:r>
-            <a:endParaRPr lang="en-US" sz="4000" u="sng" dirty="0"/>
-          </a:p>
-        </p:txBody>
-      </p:sp>
-      <p:sp>
-        <p:nvSpPr>
-          <p:cNvPr id="4" name="TextBox 3"/>
-          <p:cNvSpPr txBox="1"/>
-          <p:nvPr/>
-        </p:nvSpPr>
-        <p:spPr>
-          <a:xfrm>
-            <a:off x="457200" y="2406051"/>
-            <a:ext cx="8229600" cy="3539430"/>
-          </a:xfrm>
-          <a:prstGeom prst="rect">
-            <a:avLst/>
-          </a:prstGeom>
-          <a:noFill/>
-        </p:spPr>
-        <p:txBody>
-          <a:bodyPr wrap="square" rtlCol="0">
-            <a:spAutoFit/>
-          </a:bodyPr>
-          <a:lstStyle/>
-          <a:p>
-            <a:pPr marL="285750" indent="-285750">
-              <a:buFontTx/>
-              <a:buChar char="•"/>
-            </a:pPr>
-            <a:r>
-              <a:rPr lang="en-US" sz="3200" dirty="0" smtClean="0"/>
-              <a:t>Guide Pal [3]:</a:t>
-            </a:r>
-          </a:p>
-          <a:p>
-            <a:pPr marL="742950" lvl="1" indent="-285750">
-              <a:buFontTx/>
-              <a:buChar char="•"/>
-            </a:pPr>
-            <a:r>
-              <a:rPr lang="en-US" sz="3200" dirty="0" smtClean="0"/>
-              <a:t>Similar to foursquare where the details of the places are added by the users itself.</a:t>
-            </a:r>
-          </a:p>
-          <a:p>
-            <a:pPr lvl="1"/>
-            <a:endParaRPr lang="en-US" sz="3200" dirty="0" smtClean="0"/>
-          </a:p>
-          <a:p>
-            <a:pPr marL="285750" indent="-285750">
-              <a:buFontTx/>
-              <a:buChar char="•"/>
-            </a:pPr>
-            <a:endParaRPr lang="en-US" sz="3200" dirty="0" smtClean="0"/>
-          </a:p>
-          <a:p>
-            <a:endParaRPr lang="en-US" sz="3200" dirty="0" smtClean="0"/>
-          </a:p>
-          <a:p>
-            <a:pPr marL="285750" indent="-285750">
-              <a:buFontTx/>
-              <a:buChar char="•"/>
-            </a:pPr>
-            <a:endParaRPr lang="en-US" sz="3200" dirty="0" smtClean="0"/>
-          </a:p>
-        </p:txBody>
-      </p:sp>
-    </p:spTree>
-    <p:extLst>
-      <p:ext uri="{BB962C8B-B14F-4D97-AF65-F5344CB8AC3E}">
-        <p14:creationId xmlns:p14="http://schemas.microsoft.com/office/powerpoint/2010/main" val="1804885851"/>
-      </p:ext>
-    </p:extLst>
-  </p:cSld>
-  <p:clrMapOvr>
-    <a:masterClrMapping/>
-  </p:clrMapOvr>
-  <p:timing>
-    <p:tnLst>
-      <p:par>
-        <p:cTn xmlns:p14="http://schemas.microsoft.com/office/powerpoint/2010/main" id="1" dur="indefinite" restart="never" nodeType="tmRoot"/>
-      </p:par>
-    </p:tnLst>
-  </p:timing>
-</p:sld>
-</file>
-
-<file path=ppt/slides/slide7.xml><?xml version="1.0" encoding="utf-8"?>
-<p:sld xmlns:a="http://schemas.openxmlformats.org/drawingml/2006/main" xmlns:r="http://schemas.openxmlformats.org/officeDocument/2006/relationships" xmlns:p="http://schemas.openxmlformats.org/presentationml/2006/main">
-  <p:cSld>
-    <p:spTree>
-      <p:nvGrpSpPr>
-        <p:cNvPr id="1" name=""/>
-        <p:cNvGrpSpPr/>
-        <p:nvPr/>
-      </p:nvGrpSpPr>
-      <p:grpSpPr>
-        <a:xfrm>
-          <a:off x="0" y="0"/>
-          <a:ext cx="0" cy="0"/>
-          <a:chOff x="0" y="0"/>
-          <a:chExt cx="0" cy="0"/>
-        </a:xfrm>
-      </p:grpSpPr>
-      <p:sp>
-        <p:nvSpPr>
-          <p:cNvPr id="4" name="Title 3"/>
-          <p:cNvSpPr>
-            <a:spLocks noGrp="1"/>
-          </p:cNvSpPr>
-          <p:nvPr>
-            <p:ph type="title"/>
-          </p:nvPr>
-        </p:nvSpPr>
-        <p:spPr/>
-        <p:txBody>
-          <a:bodyPr/>
-          <a:lstStyle/>
-          <a:p>
-            <a:r>
-              <a:rPr lang="en-US" dirty="0" smtClean="0"/>
-              <a:t>EXISITING SYSTEM</a:t>
-            </a:r>
-            <a:endParaRPr lang="en-US" dirty="0"/>
-          </a:p>
-        </p:txBody>
-      </p:sp>
-      <p:sp>
-        <p:nvSpPr>
-          <p:cNvPr id="3" name="TextBox 2"/>
-          <p:cNvSpPr txBox="1"/>
-          <p:nvPr/>
-        </p:nvSpPr>
-        <p:spPr>
-          <a:xfrm>
-            <a:off x="457200" y="1841500"/>
-            <a:ext cx="8229600" cy="3046988"/>
-          </a:xfrm>
-          <a:prstGeom prst="rect">
-            <a:avLst/>
-          </a:prstGeom>
-          <a:noFill/>
-        </p:spPr>
-        <p:txBody>
-          <a:bodyPr wrap="square" rtlCol="0">
-            <a:spAutoFit/>
-          </a:bodyPr>
-          <a:lstStyle/>
-          <a:p>
-            <a:pPr marL="285750" indent="-285750">
-              <a:buFontTx/>
-              <a:buChar char="•"/>
-            </a:pPr>
-            <a:r>
-              <a:rPr lang="en-US" sz="3200" dirty="0" smtClean="0"/>
-              <a:t>Current system offers only the hotel and travel references.</a:t>
-            </a:r>
-          </a:p>
-          <a:p>
-            <a:pPr marL="285750" indent="-285750">
-              <a:buFontTx/>
-              <a:buChar char="•"/>
-            </a:pPr>
-            <a:endParaRPr lang="en-US" sz="3200" dirty="0" smtClean="0"/>
-          </a:p>
-          <a:p>
-            <a:pPr marL="285750" indent="-285750">
-              <a:buFontTx/>
-              <a:buChar char="•"/>
-            </a:pPr>
-            <a:r>
-              <a:rPr lang="en-US" sz="3200" dirty="0" smtClean="0"/>
-              <a:t>Some provide travellers personal reviews which are subject to his/her personal interest.</a:t>
-            </a:r>
-          </a:p>
-          <a:p>
-            <a:endParaRPr lang="en-US" sz="3200" dirty="0"/>
-          </a:p>
-        </p:txBody>
-      </p:sp>
-    </p:spTree>
-    <p:extLst>
-      <p:ext uri="{BB962C8B-B14F-4D97-AF65-F5344CB8AC3E}">
-        <p14:creationId xmlns:p14="http://schemas.microsoft.com/office/powerpoint/2010/main" val="2645834447"/>
-      </p:ext>
-    </p:extLst>
-  </p:cSld>
-  <p:clrMapOvr>
-    <a:masterClrMapping/>
-  </p:clrMapOvr>
-  <p:timing>
-    <p:tnLst>
-      <p:par>
-        <p:cTn xmlns:p14="http://schemas.microsoft.com/office/powerpoint/2010/main" id="1" dur="indefinite" restart="never" nodeType="tmRoot"/>
-      </p:par>
-    </p:tnLst>
-  </p:timing>
-</p:sld>
-</file>
-
-<file path=ppt/slides/slide8.xml><?xml version="1.0" encoding="utf-8"?>
-<p:sld xmlns:a="http://schemas.openxmlformats.org/drawingml/2006/main" xmlns:r="http://schemas.openxmlformats.org/officeDocument/2006/relationships" xmlns:p="http://schemas.openxmlformats.org/presentationml/2006/main">
-  <p:cSld>
-    <p:spTree>
-      <p:nvGrpSpPr>
-        <p:cNvPr id="1" name=""/>
-        <p:cNvGrpSpPr/>
-        <p:nvPr/>
-      </p:nvGrpSpPr>
-      <p:grpSpPr>
-        <a:xfrm>
-          <a:off x="0" y="0"/>
-          <a:ext cx="0" cy="0"/>
-          <a:chOff x="0" y="0"/>
-          <a:chExt cx="0" cy="0"/>
-        </a:xfrm>
-      </p:grpSpPr>
-      <p:sp>
-        <p:nvSpPr>
-          <p:cNvPr id="2" name="Title 1"/>
-          <p:cNvSpPr>
-            <a:spLocks noGrp="1"/>
-          </p:cNvSpPr>
-          <p:nvPr>
-            <p:ph type="title"/>
-          </p:nvPr>
-        </p:nvSpPr>
-        <p:spPr/>
-        <p:txBody>
-          <a:bodyPr/>
-          <a:lstStyle/>
-          <a:p>
-            <a:r>
-              <a:rPr lang="en-US" dirty="0" smtClean="0"/>
-              <a:t>PROBLEM STATEMENT</a:t>
-            </a:r>
-            <a:endParaRPr lang="en-US" dirty="0"/>
-          </a:p>
-        </p:txBody>
-      </p:sp>
-      <p:sp>
-        <p:nvSpPr>
-          <p:cNvPr id="3" name="TextBox 2"/>
-          <p:cNvSpPr txBox="1"/>
-          <p:nvPr/>
-        </p:nvSpPr>
-        <p:spPr>
-          <a:xfrm>
-            <a:off x="457200" y="1470774"/>
-            <a:ext cx="8229600" cy="4524315"/>
-          </a:xfrm>
-          <a:prstGeom prst="rect">
-            <a:avLst/>
-          </a:prstGeom>
-          <a:noFill/>
-        </p:spPr>
-        <p:txBody>
-          <a:bodyPr wrap="square" rtlCol="0">
-            <a:spAutoFit/>
-          </a:bodyPr>
-          <a:lstStyle/>
-          <a:p>
-            <a:r>
-              <a:rPr lang="en-US" sz="3200" dirty="0" smtClean="0"/>
-              <a:t>All of this existing app have the following problems:</a:t>
-            </a:r>
-          </a:p>
-          <a:p>
-            <a:endParaRPr lang="en-US" sz="3200" dirty="0"/>
-          </a:p>
-          <a:p>
-            <a:pPr marL="285750" indent="-285750">
-              <a:buFontTx/>
-              <a:buChar char="•"/>
-            </a:pPr>
-            <a:r>
-              <a:rPr lang="en-US" sz="3200" dirty="0"/>
-              <a:t>NOT </a:t>
-            </a:r>
-            <a:r>
-              <a:rPr lang="en-US" sz="3200" dirty="0" smtClean="0"/>
-              <a:t>RELIABLE/EFFICIENT. </a:t>
-            </a:r>
-            <a:endParaRPr lang="en-US" sz="3200" dirty="0"/>
-          </a:p>
-          <a:p>
-            <a:pPr marL="285750" indent="-285750">
-              <a:buFontTx/>
-              <a:buChar char="•"/>
-            </a:pPr>
-            <a:endParaRPr lang="en-US" sz="3200" dirty="0"/>
-          </a:p>
-          <a:p>
-            <a:pPr marL="285750" indent="-285750">
-              <a:buFontTx/>
-              <a:buChar char="•"/>
-            </a:pPr>
-            <a:r>
-              <a:rPr lang="en-US" sz="3200" dirty="0" smtClean="0"/>
-              <a:t>LANGUAGE BARRIER. </a:t>
-            </a:r>
-            <a:endParaRPr lang="en-US" sz="3200" dirty="0"/>
-          </a:p>
-          <a:p>
-            <a:pPr marL="285750" indent="-285750">
-              <a:buFontTx/>
-              <a:buChar char="•"/>
-            </a:pPr>
-            <a:endParaRPr lang="en-US" sz="3200" dirty="0"/>
-          </a:p>
-          <a:p>
-            <a:pPr marL="285750" indent="-285750">
-              <a:buFontTx/>
-              <a:buChar char="•"/>
-            </a:pPr>
-            <a:r>
-              <a:rPr lang="en-US" sz="3200" dirty="0"/>
-              <a:t>LACK OF INFROMATION.  </a:t>
-            </a:r>
-          </a:p>
-          <a:p>
-            <a:endParaRPr lang="en-US" sz="3200" dirty="0" smtClean="0"/>
-          </a:p>
-        </p:txBody>
-      </p:sp>
-    </p:spTree>
-    <p:extLst>
-      <p:ext uri="{BB962C8B-B14F-4D97-AF65-F5344CB8AC3E}">
-        <p14:creationId xmlns:p14="http://schemas.microsoft.com/office/powerpoint/2010/main" val="1144523970"/>
       </p:ext>
     </p:extLst>
   </p:cSld>
@@ -9259,114 +7617,16 @@
           <a:p>
             <a:r>
               <a:rPr lang="en-US" dirty="0" smtClean="0"/>
-              <a:t>PROPOSED SYSTEM</a:t>
+              <a:t>HARDWARE SPECIFICATION</a:t>
             </a:r>
             <a:endParaRPr lang="en-US" dirty="0"/>
-          </a:p>
-        </p:txBody>
-      </p:sp>
-      <p:sp>
-        <p:nvSpPr>
-          <p:cNvPr id="3" name="TextBox 2"/>
-          <p:cNvSpPr txBox="1"/>
-          <p:nvPr/>
-        </p:nvSpPr>
-        <p:spPr>
-          <a:xfrm>
-            <a:off x="457200" y="1841500"/>
-            <a:ext cx="8229600" cy="5509200"/>
-          </a:xfrm>
-          <a:prstGeom prst="rect">
-            <a:avLst/>
-          </a:prstGeom>
-          <a:noFill/>
-        </p:spPr>
-        <p:txBody>
-          <a:bodyPr wrap="square" rtlCol="0">
-            <a:spAutoFit/>
-          </a:bodyPr>
-          <a:lstStyle/>
-          <a:p>
-            <a:pPr marL="285750" indent="-285750">
-              <a:buFontTx/>
-              <a:buChar char="•"/>
-            </a:pPr>
-            <a:r>
-              <a:rPr lang="en-US" sz="3200" dirty="0" smtClean="0"/>
-              <a:t>Start to end step-by-step guide.</a:t>
-            </a:r>
-          </a:p>
-          <a:p>
-            <a:pPr marL="285750" indent="-285750">
-              <a:buFontTx/>
-              <a:buChar char="•"/>
-            </a:pPr>
-            <a:endParaRPr lang="en-US" sz="3200" dirty="0" smtClean="0"/>
-          </a:p>
-          <a:p>
-            <a:pPr marL="285750" indent="-285750">
-              <a:buFontTx/>
-              <a:buChar char="•"/>
-            </a:pPr>
-            <a:r>
-              <a:rPr lang="en-US" sz="3200" dirty="0" smtClean="0"/>
-              <a:t>Guide places through augmented reality and map navigation.</a:t>
-            </a:r>
-          </a:p>
-          <a:p>
-            <a:pPr marL="285750" indent="-285750">
-              <a:buFontTx/>
-              <a:buChar char="•"/>
-            </a:pPr>
-            <a:endParaRPr lang="en-US" sz="3200" dirty="0" smtClean="0"/>
-          </a:p>
-          <a:p>
-            <a:pPr marL="285750" indent="-285750">
-              <a:buFontTx/>
-              <a:buChar char="•"/>
-            </a:pPr>
-            <a:r>
-              <a:rPr lang="en-US" sz="3200" dirty="0" smtClean="0"/>
-              <a:t>Suggestions recommended based on user interest.</a:t>
-            </a:r>
-          </a:p>
-          <a:p>
-            <a:pPr marL="285750" indent="-285750">
-              <a:buFontTx/>
-              <a:buChar char="•"/>
-            </a:pPr>
-            <a:endParaRPr lang="en-US" sz="3200" dirty="0" smtClean="0"/>
-          </a:p>
-          <a:p>
-            <a:pPr marL="285750" indent="-285750">
-              <a:buFontTx/>
-              <a:buChar char="•"/>
-            </a:pPr>
-            <a:r>
-              <a:rPr lang="en-US" sz="3200" dirty="0" smtClean="0"/>
-              <a:t>OCR help to break the language barrier.</a:t>
-            </a:r>
-          </a:p>
-          <a:p>
-            <a:pPr marL="285750" indent="-285750">
-              <a:buFontTx/>
-              <a:buChar char="•"/>
-            </a:pPr>
-            <a:endParaRPr lang="en-US" sz="3200" dirty="0" smtClean="0"/>
-          </a:p>
-          <a:p>
-            <a:pPr marL="285750" indent="-285750">
-              <a:buFontTx/>
-              <a:buChar char="•"/>
-            </a:pPr>
-            <a:endParaRPr lang="en-US" sz="3200" dirty="0"/>
           </a:p>
         </p:txBody>
       </p:sp>
     </p:spTree>
     <p:extLst>
       <p:ext uri="{BB962C8B-B14F-4D97-AF65-F5344CB8AC3E}">
-        <p14:creationId xmlns:p14="http://schemas.microsoft.com/office/powerpoint/2010/main" val="3387159888"/>
+        <p14:creationId xmlns:p14="http://schemas.microsoft.com/office/powerpoint/2010/main" val="3129850155"/>
       </p:ext>
     </p:extLst>
   </p:cSld>

--- a/Silde/Group 4.pptx
+++ b/Silde/Group 4.pptx
@@ -3122,8 +3122,8 @@
         </p:nvSpPr>
         <p:spPr>
           <a:xfrm>
-            <a:off x="857250" y="381000"/>
-            <a:ext cx="7143750" cy="1569660"/>
+            <a:off x="857250" y="893133"/>
+            <a:ext cx="7143750" cy="1323439"/>
           </a:xfrm>
           <a:prstGeom prst="rect">
             <a:avLst/>
@@ -3138,13 +3138,13 @@
           <a:p>
             <a:pPr algn="ctr"/>
             <a:r>
-              <a:rPr lang="en-US" sz="4800" b="1" dirty="0" smtClean="0">
+              <a:rPr lang="en-US" sz="8000" b="1" dirty="0" smtClean="0">
                 <a:latin typeface="Times New Roman"/>
                 <a:cs typeface="Times New Roman"/>
               </a:rPr>
-              <a:t>Personal Tour Guide with Augmented Reality</a:t>
-            </a:r>
-            <a:endParaRPr lang="en-US" sz="4800" b="1" dirty="0">
+              <a:t>INNCITY</a:t>
+            </a:r>
+            <a:endParaRPr lang="en-US" sz="8000" b="1" dirty="0">
               <a:latin typeface="Times New Roman"/>
               <a:cs typeface="Times New Roman"/>
             </a:endParaRPr>
@@ -3159,8 +3159,8 @@
         </p:nvSpPr>
         <p:spPr>
           <a:xfrm>
-            <a:off x="4778375" y="4762500"/>
-            <a:ext cx="4191001" cy="1938992"/>
+            <a:off x="5100627" y="4364382"/>
+            <a:ext cx="4191001" cy="2308324"/>
           </a:xfrm>
           <a:prstGeom prst="rect">
             <a:avLst/>
@@ -3174,6 +3174,12 @@
           <a:lstStyle/>
           <a:p>
             <a:r>
+              <a:rPr lang="en-US" sz="2400" b="1" u="sng" dirty="0" smtClean="0"/>
+              <a:t>GROUP MEMBERS:</a:t>
+            </a:r>
+          </a:p>
+          <a:p>
+            <a:r>
               <a:rPr lang="en-US" sz="2400" dirty="0" smtClean="0"/>
               <a:t>ALEN THOMAS (5)</a:t>
             </a:r>
@@ -3245,8 +3251,8 @@
         </p:nvSpPr>
         <p:spPr>
           <a:xfrm>
-            <a:off x="2095500" y="2047875"/>
-            <a:ext cx="4873625" cy="584776"/>
+            <a:off x="4071129" y="3754083"/>
+            <a:ext cx="4873625" cy="646331"/>
           </a:xfrm>
           <a:prstGeom prst="rect">
             <a:avLst/>
@@ -3261,10 +3267,10 @@
           <a:p>
             <a:pPr algn="ctr"/>
             <a:r>
-              <a:rPr lang="en-US" sz="3200" b="1" dirty="0" smtClean="0"/>
+              <a:rPr lang="en-US" sz="3600" b="1" dirty="0" smtClean="0"/>
               <a:t>GROUP NO: 04</a:t>
             </a:r>
-            <a:endParaRPr lang="en-US" sz="3200" b="1" dirty="0"/>
+            <a:endParaRPr lang="en-US" sz="3600" b="1" dirty="0"/>
           </a:p>
         </p:txBody>
       </p:sp>
@@ -3276,8 +3282,8 @@
         </p:nvSpPr>
         <p:spPr>
           <a:xfrm>
-            <a:off x="1508126" y="2914650"/>
-            <a:ext cx="5835650" cy="954107"/>
+            <a:off x="366298" y="4876245"/>
+            <a:ext cx="3553183" cy="1200328"/>
           </a:xfrm>
           <a:prstGeom prst="rect">
             <a:avLst/>
@@ -3292,25 +3298,55 @@
           <a:p>
             <a:pPr algn="ctr"/>
             <a:r>
-              <a:rPr lang="en-US" sz="2800" b="1" dirty="0" smtClean="0"/>
-              <a:t>PROJECT GUIDE: MS. GREESHMA K</a:t>
+              <a:rPr lang="en-US" sz="2400" b="1" dirty="0" smtClean="0"/>
+              <a:t>PROJECT GUIDE: </a:t>
             </a:r>
           </a:p>
           <a:p>
             <a:pPr algn="ctr"/>
             <a:r>
-              <a:rPr lang="en-US" sz="2800" b="1" dirty="0" smtClean="0"/>
-              <a:t>(Asst. Professor CSE </a:t>
-            </a:r>
-            <a:r>
-              <a:rPr lang="en-US" sz="2800" b="1" dirty="0" err="1" smtClean="0"/>
-              <a:t>Dept</a:t>
-            </a:r>
-            <a:r>
-              <a:rPr lang="en-US" sz="2800" b="1" dirty="0" smtClean="0"/>
-              <a:t>)</a:t>
-            </a:r>
-            <a:endParaRPr lang="en-US" sz="2800" b="1" dirty="0"/>
+              <a:rPr lang="en-US" sz="2400" dirty="0" smtClean="0"/>
+              <a:t>MS. GREESHMA K</a:t>
+            </a:r>
+          </a:p>
+          <a:p>
+            <a:pPr algn="ctr"/>
+            <a:r>
+              <a:rPr lang="en-US" sz="2400" dirty="0" smtClean="0"/>
+              <a:t>(Asst. Professor CSE Dept.)</a:t>
+            </a:r>
+            <a:endParaRPr lang="en-US" sz="2400" dirty="0"/>
+          </a:p>
+        </p:txBody>
+      </p:sp>
+      <p:sp>
+        <p:nvSpPr>
+          <p:cNvPr id="9" name="TextBox 8"/>
+          <p:cNvSpPr txBox="1"/>
+          <p:nvPr/>
+        </p:nvSpPr>
+        <p:spPr>
+          <a:xfrm>
+            <a:off x="2100433" y="2315439"/>
+            <a:ext cx="4873625" cy="646331"/>
+          </a:xfrm>
+          <a:prstGeom prst="rect">
+            <a:avLst/>
+          </a:prstGeom>
+          <a:noFill/>
+        </p:spPr>
+        <p:txBody>
+          <a:bodyPr wrap="square" rtlCol="0">
+            <a:spAutoFit/>
+          </a:bodyPr>
+          <a:lstStyle/>
+          <a:p>
+            <a:pPr algn="ctr"/>
+            <a:r>
+              <a:rPr lang="en-US" sz="3600" i="1" dirty="0" smtClean="0"/>
+              <a:t>Presented By,</a:t>
+            </a:r>
+            <a:endParaRPr lang="en-US" sz="3600" i="1" dirty="0"/>
           </a:p>
         </p:txBody>
       </p:sp>
@@ -5095,11 +5131,7 @@
           <a:p>
             <a:r>
               <a:rPr lang="en-US" dirty="0" smtClean="0"/>
-              <a:t>OUT</a:t>
-            </a:r>
-            <a:r>
-              <a:rPr lang="en-US" dirty="0" smtClean="0"/>
-              <a:t>PUT DESCRIPTION</a:t>
+              <a:t>OUTPUT DESCRIPTION</a:t>
             </a:r>
             <a:endParaRPr lang="en-US" dirty="0"/>
           </a:p>
@@ -5523,10 +5555,10 @@
           <a:lstStyle/>
           <a:p>
             <a:r>
-              <a:rPr lang="en-US" dirty="0" smtClean="0"/>
+              <a:rPr lang="en-US" sz="6600" dirty="0" smtClean="0"/>
               <a:t>THANK YOU</a:t>
             </a:r>
-            <a:endParaRPr lang="en-US" dirty="0"/>
+            <a:endParaRPr lang="en-US" sz="6600" dirty="0"/>
           </a:p>
         </p:txBody>
       </p:sp>

--- a/Silde/Group 4.pptx
+++ b/Silde/Group 4.pptx
@@ -307,7 +307,8 @@
           <a:p>
             <a:fld id="{599F5FF4-9C1B-F64C-8935-59EC43A08F66}" type="datetimeFigureOut">
               <a:rPr lang="en-US" smtClean="0"/>
-              <a:t>13/09/14</a:t>
+              <a:pPr/>
+              <a:t>9/16/2014</a:t>
             </a:fld>
             <a:endParaRPr lang="en-US"/>
           </a:p>
@@ -349,6 +350,7 @@
           <a:p>
             <a:fld id="{898C2278-162D-484A-A64B-C891DAB5F0B5}" type="slidenum">
               <a:rPr lang="en-US" smtClean="0"/>
+              <a:pPr/>
               <a:t>‹#›</a:t>
             </a:fld>
             <a:endParaRPr lang="en-US"/>
@@ -358,7 +360,7 @@
     </p:spTree>
     <p:extLst>
       <p:ext uri="{BB962C8B-B14F-4D97-AF65-F5344CB8AC3E}">
-        <p14:creationId xmlns:p14="http://schemas.microsoft.com/office/powerpoint/2010/main" val="3403680424"/>
+        <p14:creationId xmlns:p14="http://schemas.microsoft.com/office/powerpoint/2010/main" xmlns="" val="3403680424"/>
       </p:ext>
     </p:extLst>
   </p:cSld>
@@ -477,7 +479,8 @@
           <a:p>
             <a:fld id="{599F5FF4-9C1B-F64C-8935-59EC43A08F66}" type="datetimeFigureOut">
               <a:rPr lang="en-US" smtClean="0"/>
-              <a:t>13/09/14</a:t>
+              <a:pPr/>
+              <a:t>9/16/2014</a:t>
             </a:fld>
             <a:endParaRPr lang="en-US"/>
           </a:p>
@@ -519,6 +522,7 @@
           <a:p>
             <a:fld id="{898C2278-162D-484A-A64B-C891DAB5F0B5}" type="slidenum">
               <a:rPr lang="en-US" smtClean="0"/>
+              <a:pPr/>
               <a:t>‹#›</a:t>
             </a:fld>
             <a:endParaRPr lang="en-US"/>
@@ -528,7 +532,7 @@
     </p:spTree>
     <p:extLst>
       <p:ext uri="{BB962C8B-B14F-4D97-AF65-F5344CB8AC3E}">
-        <p14:creationId xmlns:p14="http://schemas.microsoft.com/office/powerpoint/2010/main" val="2058831606"/>
+        <p14:creationId xmlns:p14="http://schemas.microsoft.com/office/powerpoint/2010/main" xmlns="" val="2058831606"/>
       </p:ext>
     </p:extLst>
   </p:cSld>
@@ -657,7 +661,8 @@
           <a:p>
             <a:fld id="{599F5FF4-9C1B-F64C-8935-59EC43A08F66}" type="datetimeFigureOut">
               <a:rPr lang="en-US" smtClean="0"/>
-              <a:t>13/09/14</a:t>
+              <a:pPr/>
+              <a:t>9/16/2014</a:t>
             </a:fld>
             <a:endParaRPr lang="en-US"/>
           </a:p>
@@ -699,6 +704,7 @@
           <a:p>
             <a:fld id="{898C2278-162D-484A-A64B-C891DAB5F0B5}" type="slidenum">
               <a:rPr lang="en-US" smtClean="0"/>
+              <a:pPr/>
               <a:t>‹#›</a:t>
             </a:fld>
             <a:endParaRPr lang="en-US"/>
@@ -708,7 +714,7 @@
     </p:spTree>
     <p:extLst>
       <p:ext uri="{BB962C8B-B14F-4D97-AF65-F5344CB8AC3E}">
-        <p14:creationId xmlns:p14="http://schemas.microsoft.com/office/powerpoint/2010/main" val="1221531764"/>
+        <p14:creationId xmlns:p14="http://schemas.microsoft.com/office/powerpoint/2010/main" xmlns="" val="1221531764"/>
       </p:ext>
     </p:extLst>
   </p:cSld>
@@ -827,7 +833,8 @@
           <a:p>
             <a:fld id="{599F5FF4-9C1B-F64C-8935-59EC43A08F66}" type="datetimeFigureOut">
               <a:rPr lang="en-US" smtClean="0"/>
-              <a:t>13/09/14</a:t>
+              <a:pPr/>
+              <a:t>9/16/2014</a:t>
             </a:fld>
             <a:endParaRPr lang="en-US"/>
           </a:p>
@@ -869,6 +876,7 @@
           <a:p>
             <a:fld id="{898C2278-162D-484A-A64B-C891DAB5F0B5}" type="slidenum">
               <a:rPr lang="en-US" smtClean="0"/>
+              <a:pPr/>
               <a:t>‹#›</a:t>
             </a:fld>
             <a:endParaRPr lang="en-US"/>
@@ -878,7 +886,7 @@
     </p:spTree>
     <p:extLst>
       <p:ext uri="{BB962C8B-B14F-4D97-AF65-F5344CB8AC3E}">
-        <p14:creationId xmlns:p14="http://schemas.microsoft.com/office/powerpoint/2010/main" val="2684106810"/>
+        <p14:creationId xmlns:p14="http://schemas.microsoft.com/office/powerpoint/2010/main" xmlns="" val="2684106810"/>
       </p:ext>
     </p:extLst>
   </p:cSld>
@@ -1073,7 +1081,8 @@
           <a:p>
             <a:fld id="{599F5FF4-9C1B-F64C-8935-59EC43A08F66}" type="datetimeFigureOut">
               <a:rPr lang="en-US" smtClean="0"/>
-              <a:t>13/09/14</a:t>
+              <a:pPr/>
+              <a:t>9/16/2014</a:t>
             </a:fld>
             <a:endParaRPr lang="en-US"/>
           </a:p>
@@ -1115,6 +1124,7 @@
           <a:p>
             <a:fld id="{898C2278-162D-484A-A64B-C891DAB5F0B5}" type="slidenum">
               <a:rPr lang="en-US" smtClean="0"/>
+              <a:pPr/>
               <a:t>‹#›</a:t>
             </a:fld>
             <a:endParaRPr lang="en-US"/>
@@ -1124,7 +1134,7 @@
     </p:spTree>
     <p:extLst>
       <p:ext uri="{BB962C8B-B14F-4D97-AF65-F5344CB8AC3E}">
-        <p14:creationId xmlns:p14="http://schemas.microsoft.com/office/powerpoint/2010/main" val="2775015981"/>
+        <p14:creationId xmlns:p14="http://schemas.microsoft.com/office/powerpoint/2010/main" xmlns="" val="2775015981"/>
       </p:ext>
     </p:extLst>
   </p:cSld>
@@ -1361,7 +1371,8 @@
           <a:p>
             <a:fld id="{599F5FF4-9C1B-F64C-8935-59EC43A08F66}" type="datetimeFigureOut">
               <a:rPr lang="en-US" smtClean="0"/>
-              <a:t>13/09/14</a:t>
+              <a:pPr/>
+              <a:t>9/16/2014</a:t>
             </a:fld>
             <a:endParaRPr lang="en-US"/>
           </a:p>
@@ -1403,6 +1414,7 @@
           <a:p>
             <a:fld id="{898C2278-162D-484A-A64B-C891DAB5F0B5}" type="slidenum">
               <a:rPr lang="en-US" smtClean="0"/>
+              <a:pPr/>
               <a:t>‹#›</a:t>
             </a:fld>
             <a:endParaRPr lang="en-US"/>
@@ -1412,7 +1424,7 @@
     </p:spTree>
     <p:extLst>
       <p:ext uri="{BB962C8B-B14F-4D97-AF65-F5344CB8AC3E}">
-        <p14:creationId xmlns:p14="http://schemas.microsoft.com/office/powerpoint/2010/main" val="3709802561"/>
+        <p14:creationId xmlns:p14="http://schemas.microsoft.com/office/powerpoint/2010/main" xmlns="" val="3709802561"/>
       </p:ext>
     </p:extLst>
   </p:cSld>
@@ -1783,7 +1795,8 @@
           <a:p>
             <a:fld id="{599F5FF4-9C1B-F64C-8935-59EC43A08F66}" type="datetimeFigureOut">
               <a:rPr lang="en-US" smtClean="0"/>
-              <a:t>13/09/14</a:t>
+              <a:pPr/>
+              <a:t>9/16/2014</a:t>
             </a:fld>
             <a:endParaRPr lang="en-US"/>
           </a:p>
@@ -1825,6 +1838,7 @@
           <a:p>
             <a:fld id="{898C2278-162D-484A-A64B-C891DAB5F0B5}" type="slidenum">
               <a:rPr lang="en-US" smtClean="0"/>
+              <a:pPr/>
               <a:t>‹#›</a:t>
             </a:fld>
             <a:endParaRPr lang="en-US"/>
@@ -1834,7 +1848,7 @@
     </p:spTree>
     <p:extLst>
       <p:ext uri="{BB962C8B-B14F-4D97-AF65-F5344CB8AC3E}">
-        <p14:creationId xmlns:p14="http://schemas.microsoft.com/office/powerpoint/2010/main" val="670579526"/>
+        <p14:creationId xmlns:p14="http://schemas.microsoft.com/office/powerpoint/2010/main" xmlns="" val="670579526"/>
       </p:ext>
     </p:extLst>
   </p:cSld>
@@ -1901,7 +1915,8 @@
           <a:p>
             <a:fld id="{599F5FF4-9C1B-F64C-8935-59EC43A08F66}" type="datetimeFigureOut">
               <a:rPr lang="en-US" smtClean="0"/>
-              <a:t>13/09/14</a:t>
+              <a:pPr/>
+              <a:t>9/16/2014</a:t>
             </a:fld>
             <a:endParaRPr lang="en-US"/>
           </a:p>
@@ -1943,6 +1958,7 @@
           <a:p>
             <a:fld id="{898C2278-162D-484A-A64B-C891DAB5F0B5}" type="slidenum">
               <a:rPr lang="en-US" smtClean="0"/>
+              <a:pPr/>
               <a:t>‹#›</a:t>
             </a:fld>
             <a:endParaRPr lang="en-US"/>
@@ -1952,7 +1968,7 @@
     </p:spTree>
     <p:extLst>
       <p:ext uri="{BB962C8B-B14F-4D97-AF65-F5344CB8AC3E}">
-        <p14:creationId xmlns:p14="http://schemas.microsoft.com/office/powerpoint/2010/main" val="866197097"/>
+        <p14:creationId xmlns:p14="http://schemas.microsoft.com/office/powerpoint/2010/main" xmlns="" val="866197097"/>
       </p:ext>
     </p:extLst>
   </p:cSld>
@@ -1996,7 +2012,8 @@
           <a:p>
             <a:fld id="{599F5FF4-9C1B-F64C-8935-59EC43A08F66}" type="datetimeFigureOut">
               <a:rPr lang="en-US" smtClean="0"/>
-              <a:t>13/09/14</a:t>
+              <a:pPr/>
+              <a:t>9/16/2014</a:t>
             </a:fld>
             <a:endParaRPr lang="en-US"/>
           </a:p>
@@ -2038,6 +2055,7 @@
           <a:p>
             <a:fld id="{898C2278-162D-484A-A64B-C891DAB5F0B5}" type="slidenum">
               <a:rPr lang="en-US" smtClean="0"/>
+              <a:pPr/>
               <a:t>‹#›</a:t>
             </a:fld>
             <a:endParaRPr lang="en-US"/>
@@ -2047,7 +2065,7 @@
     </p:spTree>
     <p:extLst>
       <p:ext uri="{BB962C8B-B14F-4D97-AF65-F5344CB8AC3E}">
-        <p14:creationId xmlns:p14="http://schemas.microsoft.com/office/powerpoint/2010/main" val="2990039914"/>
+        <p14:creationId xmlns:p14="http://schemas.microsoft.com/office/powerpoint/2010/main" xmlns="" val="2990039914"/>
       </p:ext>
     </p:extLst>
   </p:cSld>
@@ -2273,7 +2291,8 @@
           <a:p>
             <a:fld id="{599F5FF4-9C1B-F64C-8935-59EC43A08F66}" type="datetimeFigureOut">
               <a:rPr lang="en-US" smtClean="0"/>
-              <a:t>13/09/14</a:t>
+              <a:pPr/>
+              <a:t>9/16/2014</a:t>
             </a:fld>
             <a:endParaRPr lang="en-US"/>
           </a:p>
@@ -2315,6 +2334,7 @@
           <a:p>
             <a:fld id="{898C2278-162D-484A-A64B-C891DAB5F0B5}" type="slidenum">
               <a:rPr lang="en-US" smtClean="0"/>
+              <a:pPr/>
               <a:t>‹#›</a:t>
             </a:fld>
             <a:endParaRPr lang="en-US"/>
@@ -2324,7 +2344,7 @@
     </p:spTree>
     <p:extLst>
       <p:ext uri="{BB962C8B-B14F-4D97-AF65-F5344CB8AC3E}">
-        <p14:creationId xmlns:p14="http://schemas.microsoft.com/office/powerpoint/2010/main" val="2699871089"/>
+        <p14:creationId xmlns:p14="http://schemas.microsoft.com/office/powerpoint/2010/main" xmlns="" val="2699871089"/>
       </p:ext>
     </p:extLst>
   </p:cSld>
@@ -2526,7 +2546,8 @@
           <a:p>
             <a:fld id="{599F5FF4-9C1B-F64C-8935-59EC43A08F66}" type="datetimeFigureOut">
               <a:rPr lang="en-US" smtClean="0"/>
-              <a:t>13/09/14</a:t>
+              <a:pPr/>
+              <a:t>9/16/2014</a:t>
             </a:fld>
             <a:endParaRPr lang="en-US"/>
           </a:p>
@@ -2568,6 +2589,7 @@
           <a:p>
             <a:fld id="{898C2278-162D-484A-A64B-C891DAB5F0B5}" type="slidenum">
               <a:rPr lang="en-US" smtClean="0"/>
+              <a:pPr/>
               <a:t>‹#›</a:t>
             </a:fld>
             <a:endParaRPr lang="en-US"/>
@@ -2577,7 +2599,7 @@
     </p:spTree>
     <p:extLst>
       <p:ext uri="{BB962C8B-B14F-4D97-AF65-F5344CB8AC3E}">
-        <p14:creationId xmlns:p14="http://schemas.microsoft.com/office/powerpoint/2010/main" val="914946878"/>
+        <p14:creationId xmlns:p14="http://schemas.microsoft.com/office/powerpoint/2010/main" xmlns="" val="914946878"/>
       </p:ext>
     </p:extLst>
   </p:cSld>
@@ -2739,7 +2761,8 @@
           <a:p>
             <a:fld id="{599F5FF4-9C1B-F64C-8935-59EC43A08F66}" type="datetimeFigureOut">
               <a:rPr lang="en-US" smtClean="0"/>
-              <a:t>13/09/14</a:t>
+              <a:pPr/>
+              <a:t>9/16/2014</a:t>
             </a:fld>
             <a:endParaRPr lang="en-US"/>
           </a:p>
@@ -2817,6 +2840,7 @@
           <a:p>
             <a:fld id="{898C2278-162D-484A-A64B-C891DAB5F0B5}" type="slidenum">
               <a:rPr lang="en-US" smtClean="0"/>
+              <a:pPr/>
               <a:t>‹#›</a:t>
             </a:fld>
             <a:endParaRPr lang="en-US"/>
@@ -2826,7 +2850,7 @@
     </p:spTree>
     <p:extLst>
       <p:ext uri="{BB962C8B-B14F-4D97-AF65-F5344CB8AC3E}">
-        <p14:creationId xmlns:p14="http://schemas.microsoft.com/office/powerpoint/2010/main" val="742579349"/>
+        <p14:creationId xmlns:p14="http://schemas.microsoft.com/office/powerpoint/2010/main" xmlns="" val="742579349"/>
       </p:ext>
     </p:extLst>
   </p:cSld>
@@ -3353,7 +3377,7 @@
     </p:spTree>
     <p:extLst>
       <p:ext uri="{BB962C8B-B14F-4D97-AF65-F5344CB8AC3E}">
-        <p14:creationId xmlns:p14="http://schemas.microsoft.com/office/powerpoint/2010/main" val="2967694906"/>
+        <p14:creationId xmlns:p14="http://schemas.microsoft.com/office/powerpoint/2010/main" xmlns="" val="2967694906"/>
       </p:ext>
     </p:extLst>
   </p:cSld>
@@ -3363,7 +3387,7 @@
   <p:timing>
     <p:tnLst>
       <p:par>
-        <p:cTn xmlns:p14="http://schemas.microsoft.com/office/powerpoint/2010/main" id="1" dur="indefinite" restart="never" nodeType="tmRoot"/>
+        <p:cTn id="1" dur="indefinite" restart="never" nodeType="tmRoot"/>
       </p:par>
     </p:tnLst>
   </p:timing>
@@ -3415,7 +3439,7 @@
     </p:spTree>
     <p:extLst>
       <p:ext uri="{BB962C8B-B14F-4D97-AF65-F5344CB8AC3E}">
-        <p14:creationId xmlns:p14="http://schemas.microsoft.com/office/powerpoint/2010/main" val="3811426703"/>
+        <p14:creationId xmlns:p14="http://schemas.microsoft.com/office/powerpoint/2010/main" xmlns="" val="3811426703"/>
       </p:ext>
     </p:extLst>
   </p:cSld>
@@ -3425,7 +3449,7 @@
   <p:timing>
     <p:tnLst>
       <p:par>
-        <p:cTn xmlns:p14="http://schemas.microsoft.com/office/powerpoint/2010/main" id="1" dur="indefinite" restart="never" nodeType="tmRoot"/>
+        <p:cTn id="1" dur="indefinite" restart="never" nodeType="tmRoot"/>
       </p:par>
     </p:tnLst>
   </p:timing>
@@ -3477,7 +3501,7 @@
     </p:spTree>
     <p:extLst>
       <p:ext uri="{BB962C8B-B14F-4D97-AF65-F5344CB8AC3E}">
-        <p14:creationId xmlns:p14="http://schemas.microsoft.com/office/powerpoint/2010/main" val="2526601490"/>
+        <p14:creationId xmlns:p14="http://schemas.microsoft.com/office/powerpoint/2010/main" xmlns="" val="2526601490"/>
       </p:ext>
     </p:extLst>
   </p:cSld>
@@ -3487,7 +3511,7 @@
   <p:timing>
     <p:tnLst>
       <p:par>
-        <p:cTn xmlns:p14="http://schemas.microsoft.com/office/powerpoint/2010/main" id="1" dur="indefinite" restart="never" nodeType="tmRoot"/>
+        <p:cTn id="1" dur="indefinite" restart="never" nodeType="tmRoot"/>
       </p:par>
     </p:tnLst>
   </p:timing>
@@ -4768,7 +4792,7 @@
     </p:spTree>
     <p:extLst>
       <p:ext uri="{BB962C8B-B14F-4D97-AF65-F5344CB8AC3E}">
-        <p14:creationId xmlns:p14="http://schemas.microsoft.com/office/powerpoint/2010/main" val="1686361186"/>
+        <p14:creationId xmlns:p14="http://schemas.microsoft.com/office/powerpoint/2010/main" xmlns="" val="1686361186"/>
       </p:ext>
     </p:extLst>
   </p:cSld>
@@ -4778,7 +4802,7 @@
   <p:timing>
     <p:tnLst>
       <p:par>
-        <p:cTn xmlns:p14="http://schemas.microsoft.com/office/powerpoint/2010/main" id="1" dur="indefinite" restart="never" nodeType="tmRoot"/>
+        <p:cTn id="1" dur="indefinite" restart="never" nodeType="tmRoot"/>
       </p:par>
     </p:tnLst>
   </p:timing>
@@ -4830,7 +4854,7 @@
     </p:spTree>
     <p:extLst>
       <p:ext uri="{BB962C8B-B14F-4D97-AF65-F5344CB8AC3E}">
-        <p14:creationId xmlns:p14="http://schemas.microsoft.com/office/powerpoint/2010/main" val="443961324"/>
+        <p14:creationId xmlns:p14="http://schemas.microsoft.com/office/powerpoint/2010/main" xmlns="" val="443961324"/>
       </p:ext>
     </p:extLst>
   </p:cSld>
@@ -4840,7 +4864,7 @@
   <p:timing>
     <p:tnLst>
       <p:par>
-        <p:cTn xmlns:p14="http://schemas.microsoft.com/office/powerpoint/2010/main" id="1" dur="indefinite" restart="never" nodeType="tmRoot"/>
+        <p:cTn id="1" dur="indefinite" restart="never" nodeType="tmRoot"/>
       </p:par>
     </p:tnLst>
   </p:timing>
@@ -4892,7 +4916,7 @@
     </p:spTree>
     <p:extLst>
       <p:ext uri="{BB962C8B-B14F-4D97-AF65-F5344CB8AC3E}">
-        <p14:creationId xmlns:p14="http://schemas.microsoft.com/office/powerpoint/2010/main" val="1365352401"/>
+        <p14:creationId xmlns:p14="http://schemas.microsoft.com/office/powerpoint/2010/main" xmlns="" val="1365352401"/>
       </p:ext>
     </p:extLst>
   </p:cSld>
@@ -4902,7 +4926,7 @@
   <p:timing>
     <p:tnLst>
       <p:par>
-        <p:cTn xmlns:p14="http://schemas.microsoft.com/office/powerpoint/2010/main" id="1" dur="indefinite" restart="never" nodeType="tmRoot"/>
+        <p:cTn id="1" dur="indefinite" restart="never" nodeType="tmRoot"/>
       </p:par>
     </p:tnLst>
   </p:timing>
@@ -4954,7 +4978,7 @@
     </p:spTree>
     <p:extLst>
       <p:ext uri="{BB962C8B-B14F-4D97-AF65-F5344CB8AC3E}">
-        <p14:creationId xmlns:p14="http://schemas.microsoft.com/office/powerpoint/2010/main" val="1672586050"/>
+        <p14:creationId xmlns:p14="http://schemas.microsoft.com/office/powerpoint/2010/main" xmlns="" val="1672586050"/>
       </p:ext>
     </p:extLst>
   </p:cSld>
@@ -4964,7 +4988,7 @@
   <p:timing>
     <p:tnLst>
       <p:par>
-        <p:cTn xmlns:p14="http://schemas.microsoft.com/office/powerpoint/2010/main" id="1" dur="indefinite" restart="never" nodeType="tmRoot"/>
+        <p:cTn id="1" dur="indefinite" restart="never" nodeType="tmRoot"/>
       </p:par>
     </p:tnLst>
   </p:timing>
@@ -5016,7 +5040,7 @@
     </p:spTree>
     <p:extLst>
       <p:ext uri="{BB962C8B-B14F-4D97-AF65-F5344CB8AC3E}">
-        <p14:creationId xmlns:p14="http://schemas.microsoft.com/office/powerpoint/2010/main" val="3232302086"/>
+        <p14:creationId xmlns:p14="http://schemas.microsoft.com/office/powerpoint/2010/main" xmlns="" val="3232302086"/>
       </p:ext>
     </p:extLst>
   </p:cSld>
@@ -5026,7 +5050,7 @@
   <p:timing>
     <p:tnLst>
       <p:par>
-        <p:cTn xmlns:p14="http://schemas.microsoft.com/office/powerpoint/2010/main" id="1" dur="indefinite" restart="never" nodeType="tmRoot"/>
+        <p:cTn id="1" dur="indefinite" restart="never" nodeType="tmRoot"/>
       </p:par>
     </p:tnLst>
   </p:timing>
@@ -5078,7 +5102,7 @@
     </p:spTree>
     <p:extLst>
       <p:ext uri="{BB962C8B-B14F-4D97-AF65-F5344CB8AC3E}">
-        <p14:creationId xmlns:p14="http://schemas.microsoft.com/office/powerpoint/2010/main" val="2384627434"/>
+        <p14:creationId xmlns:p14="http://schemas.microsoft.com/office/powerpoint/2010/main" xmlns="" val="2384627434"/>
       </p:ext>
     </p:extLst>
   </p:cSld>
@@ -5088,7 +5112,7 @@
   <p:timing>
     <p:tnLst>
       <p:par>
-        <p:cTn xmlns:p14="http://schemas.microsoft.com/office/powerpoint/2010/main" id="1" dur="indefinite" restart="never" nodeType="tmRoot"/>
+        <p:cTn id="1" dur="indefinite" restart="never" nodeType="tmRoot"/>
       </p:par>
     </p:tnLst>
   </p:timing>
@@ -5140,7 +5164,7 @@
     </p:spTree>
     <p:extLst>
       <p:ext uri="{BB962C8B-B14F-4D97-AF65-F5344CB8AC3E}">
-        <p14:creationId xmlns:p14="http://schemas.microsoft.com/office/powerpoint/2010/main" val="3146781203"/>
+        <p14:creationId xmlns:p14="http://schemas.microsoft.com/office/powerpoint/2010/main" xmlns="" val="3146781203"/>
       </p:ext>
     </p:extLst>
   </p:cSld>
@@ -5150,7 +5174,7 @@
   <p:timing>
     <p:tnLst>
       <p:par>
-        <p:cTn xmlns:p14="http://schemas.microsoft.com/office/powerpoint/2010/main" id="1" dur="indefinite" restart="never" nodeType="tmRoot"/>
+        <p:cTn id="1" dur="indefinite" restart="never" nodeType="tmRoot"/>
       </p:par>
     </p:tnLst>
   </p:timing>
@@ -5370,7 +5394,7 @@
     </p:spTree>
     <p:extLst>
       <p:ext uri="{BB962C8B-B14F-4D97-AF65-F5344CB8AC3E}">
-        <p14:creationId xmlns:p14="http://schemas.microsoft.com/office/powerpoint/2010/main" val="3521192348"/>
+        <p14:creationId xmlns:p14="http://schemas.microsoft.com/office/powerpoint/2010/main" xmlns="" val="3521192348"/>
       </p:ext>
     </p:extLst>
   </p:cSld>
@@ -5380,7 +5404,7 @@
   <p:timing>
     <p:tnLst>
       <p:par>
-        <p:cTn xmlns:p14="http://schemas.microsoft.com/office/powerpoint/2010/main" id="1" dur="indefinite" restart="never" nodeType="tmRoot"/>
+        <p:cTn id="1" dur="indefinite" restart="never" nodeType="tmRoot"/>
       </p:par>
     </p:tnLst>
   </p:timing>
@@ -5455,7 +5479,15 @@
             </a:pPr>
             <a:r>
               <a:rPr lang="en-US" sz="3200" dirty="0" smtClean="0"/>
-              <a:t>Tourism is A major asset to any country’s economic wealth.</a:t>
+              <a:t>Tourism is </a:t>
+            </a:r>
+            <a:r>
+              <a:rPr lang="en-US" sz="3200" dirty="0" smtClean="0"/>
+              <a:t>a </a:t>
+            </a:r>
+            <a:r>
+              <a:rPr lang="en-US" sz="3200" dirty="0" smtClean="0"/>
+              <a:t>major asset to any country’s economic wealth.</a:t>
             </a:r>
           </a:p>
           <a:p>
@@ -5498,7 +5530,7 @@
     </p:spTree>
     <p:extLst>
       <p:ext uri="{BB962C8B-B14F-4D97-AF65-F5344CB8AC3E}">
-        <p14:creationId xmlns:p14="http://schemas.microsoft.com/office/powerpoint/2010/main" val="920313806"/>
+        <p14:creationId xmlns:p14="http://schemas.microsoft.com/office/powerpoint/2010/main" xmlns="" val="920313806"/>
       </p:ext>
     </p:extLst>
   </p:cSld>
@@ -5508,7 +5540,7 @@
   <p:timing>
     <p:tnLst>
       <p:par>
-        <p:cTn xmlns:p14="http://schemas.microsoft.com/office/powerpoint/2010/main" id="1" dur="indefinite" restart="never" nodeType="tmRoot"/>
+        <p:cTn id="1" dur="indefinite" restart="never" nodeType="tmRoot"/>
       </p:par>
     </p:tnLst>
   </p:timing>
@@ -5565,7 +5597,7 @@
     </p:spTree>
     <p:extLst>
       <p:ext uri="{BB962C8B-B14F-4D97-AF65-F5344CB8AC3E}">
-        <p14:creationId xmlns:p14="http://schemas.microsoft.com/office/powerpoint/2010/main" val="1576779227"/>
+        <p14:creationId xmlns:p14="http://schemas.microsoft.com/office/powerpoint/2010/main" xmlns="" val="1576779227"/>
       </p:ext>
     </p:extLst>
   </p:cSld>
@@ -5575,7 +5607,7 @@
   <p:timing>
     <p:tnLst>
       <p:par>
-        <p:cTn xmlns:p14="http://schemas.microsoft.com/office/powerpoint/2010/main" id="1" dur="indefinite" restart="never" nodeType="tmRoot"/>
+        <p:cTn id="1" dur="indefinite" restart="never" nodeType="tmRoot"/>
       </p:par>
     </p:tnLst>
   </p:timing>
@@ -5711,7 +5743,7 @@
     </p:spTree>
     <p:extLst>
       <p:ext uri="{BB962C8B-B14F-4D97-AF65-F5344CB8AC3E}">
-        <p14:creationId xmlns:p14="http://schemas.microsoft.com/office/powerpoint/2010/main" val="1234136891"/>
+        <p14:creationId xmlns:p14="http://schemas.microsoft.com/office/powerpoint/2010/main" xmlns="" val="1234136891"/>
       </p:ext>
     </p:extLst>
   </p:cSld>
@@ -5721,7 +5753,7 @@
   <p:timing>
     <p:tnLst>
       <p:par>
-        <p:cTn xmlns:p14="http://schemas.microsoft.com/office/powerpoint/2010/main" id="1" dur="indefinite" restart="never" nodeType="tmRoot"/>
+        <p:cTn id="1" dur="indefinite" restart="never" nodeType="tmRoot"/>
       </p:par>
     </p:tnLst>
   </p:timing>
@@ -5871,7 +5903,7 @@
     </p:spTree>
     <p:extLst>
       <p:ext uri="{BB962C8B-B14F-4D97-AF65-F5344CB8AC3E}">
-        <p14:creationId xmlns:p14="http://schemas.microsoft.com/office/powerpoint/2010/main" val="3387159888"/>
+        <p14:creationId xmlns:p14="http://schemas.microsoft.com/office/powerpoint/2010/main" xmlns="" val="3387159888"/>
       </p:ext>
     </p:extLst>
   </p:cSld>
@@ -5881,7 +5913,7 @@
   <p:timing>
     <p:tnLst>
       <p:par>
-        <p:cTn xmlns:p14="http://schemas.microsoft.com/office/powerpoint/2010/main" id="1" dur="indefinite" restart="never" nodeType="tmRoot"/>
+        <p:cTn id="1" dur="indefinite" restart="never" nodeType="tmRoot"/>
       </p:par>
     </p:tnLst>
   </p:timing>
@@ -6141,7 +6173,7 @@
     </p:spTree>
     <p:extLst>
       <p:ext uri="{BB962C8B-B14F-4D97-AF65-F5344CB8AC3E}">
-        <p14:creationId xmlns:p14="http://schemas.microsoft.com/office/powerpoint/2010/main" val="1079774974"/>
+        <p14:creationId xmlns:p14="http://schemas.microsoft.com/office/powerpoint/2010/main" xmlns="" val="1079774974"/>
       </p:ext>
     </p:extLst>
   </p:cSld>
@@ -6151,7 +6183,7 @@
   <p:timing>
     <p:tnLst>
       <p:par>
-        <p:cTn xmlns:p14="http://schemas.microsoft.com/office/powerpoint/2010/main" id="1" dur="indefinite" restart="never" nodeType="tmRoot"/>
+        <p:cTn id="1" dur="indefinite" restart="never" nodeType="tmRoot"/>
       </p:par>
     </p:tnLst>
   </p:timing>
@@ -6465,7 +6497,7 @@
     </p:spTree>
     <p:extLst>
       <p:ext uri="{BB962C8B-B14F-4D97-AF65-F5344CB8AC3E}">
-        <p14:creationId xmlns:p14="http://schemas.microsoft.com/office/powerpoint/2010/main" val="3539133297"/>
+        <p14:creationId xmlns:p14="http://schemas.microsoft.com/office/powerpoint/2010/main" xmlns="" val="3539133297"/>
       </p:ext>
     </p:extLst>
   </p:cSld>
@@ -6475,7 +6507,7 @@
   <p:timing>
     <p:tnLst>
       <p:par>
-        <p:cTn xmlns:p14="http://schemas.microsoft.com/office/powerpoint/2010/main" id="1" dur="indefinite" restart="never" nodeType="tmRoot"/>
+        <p:cTn id="1" dur="indefinite" restart="never" nodeType="tmRoot"/>
       </p:par>
     </p:tnLst>
   </p:timing>
@@ -6777,7 +6809,7 @@
     </p:spTree>
     <p:extLst>
       <p:ext uri="{BB962C8B-B14F-4D97-AF65-F5344CB8AC3E}">
-        <p14:creationId xmlns:p14="http://schemas.microsoft.com/office/powerpoint/2010/main" val="313000359"/>
+        <p14:creationId xmlns:p14="http://schemas.microsoft.com/office/powerpoint/2010/main" xmlns="" val="313000359"/>
       </p:ext>
     </p:extLst>
   </p:cSld>
@@ -6787,7 +6819,7 @@
   <p:timing>
     <p:tnLst>
       <p:par>
-        <p:cTn xmlns:p14="http://schemas.microsoft.com/office/powerpoint/2010/main" id="1" dur="indefinite" restart="never" nodeType="tmRoot"/>
+        <p:cTn id="1" dur="indefinite" restart="never" nodeType="tmRoot"/>
       </p:par>
     </p:tnLst>
   </p:timing>
@@ -7596,7 +7628,7 @@
     </p:spTree>
     <p:extLst>
       <p:ext uri="{BB962C8B-B14F-4D97-AF65-F5344CB8AC3E}">
-        <p14:creationId xmlns:p14="http://schemas.microsoft.com/office/powerpoint/2010/main" val="1484827292"/>
+        <p14:creationId xmlns:p14="http://schemas.microsoft.com/office/powerpoint/2010/main" xmlns="" val="1484827292"/>
       </p:ext>
     </p:extLst>
   </p:cSld>
@@ -7606,7 +7638,7 @@
   <p:timing>
     <p:tnLst>
       <p:par>
-        <p:cTn xmlns:p14="http://schemas.microsoft.com/office/powerpoint/2010/main" id="1" dur="indefinite" restart="never" nodeType="tmRoot"/>
+        <p:cTn id="1" dur="indefinite" restart="never" nodeType="tmRoot"/>
       </p:par>
     </p:tnLst>
   </p:timing>
@@ -7658,7 +7690,7 @@
     </p:spTree>
     <p:extLst>
       <p:ext uri="{BB962C8B-B14F-4D97-AF65-F5344CB8AC3E}">
-        <p14:creationId xmlns:p14="http://schemas.microsoft.com/office/powerpoint/2010/main" val="3129850155"/>
+        <p14:creationId xmlns:p14="http://schemas.microsoft.com/office/powerpoint/2010/main" xmlns="" val="3129850155"/>
       </p:ext>
     </p:extLst>
   </p:cSld>
@@ -7668,7 +7700,7 @@
   <p:timing>
     <p:tnLst>
       <p:par>
-        <p:cTn xmlns:p14="http://schemas.microsoft.com/office/powerpoint/2010/main" id="1" dur="indefinite" restart="never" nodeType="tmRoot"/>
+        <p:cTn id="1" dur="indefinite" restart="never" nodeType="tmRoot"/>
       </p:par>
     </p:tnLst>
   </p:timing>
